--- a/document/美食拍中期汇报.pptx
+++ b/document/美食拍中期汇报.pptx
@@ -5611,7 +5611,7 @@
         </p:nvSpPr>
         <p:spPr>
           <a:xfrm>
-            <a:off x="558799" y="4218692"/>
+            <a:off x="586153" y="4179379"/>
             <a:ext cx="4853680" cy="338554"/>
           </a:xfrm>
           <a:prstGeom prst="rect">
@@ -6221,13 +6221,6 @@
               </a:rPr>
               <a:t>功能需求</a:t>
             </a:r>
-            <a:endParaRPr lang="zh-CN" altLang="en-US" sz="1800" dirty="0">
-              <a:solidFill>
-                <a:schemeClr val="bg1"/>
-              </a:solidFill>
-              <a:cs typeface="+mn-ea"/>
-              <a:sym typeface="+mn-lt"/>
-            </a:endParaRPr>
           </a:p>
         </p:txBody>
       </p:sp>
@@ -6483,19 +6476,7 @@
                 <a:cs typeface="+mn-ea"/>
                 <a:sym typeface="+mn-lt"/>
               </a:rPr>
-              <a:t>“美食拍“</a:t>
-            </a:r>
-            <a:r>
-              <a:rPr lang="zh-CN" altLang="en-US" b="1" dirty="0" smtClean="0">
-                <a:solidFill>
-                  <a:srgbClr val="000000"/>
-                </a:solidFill>
-                <a:latin typeface="微软雅黑" panose="020B0503020204020204" pitchFamily="34" charset="-122"/>
-                <a:ea typeface="微软雅黑" panose="020B0503020204020204" pitchFamily="34" charset="-122"/>
-                <a:cs typeface="+mn-ea"/>
-                <a:sym typeface="+mn-lt"/>
-              </a:rPr>
-              <a:t>活动图</a:t>
+              <a:t>“美食拍“活动图</a:t>
             </a:r>
             <a:endParaRPr lang="zh-CN" altLang="en-US" b="1" dirty="0">
               <a:solidFill>
@@ -6524,7 +6505,7 @@
         <p:spPr>
           <a:xfrm>
             <a:off x="8980799" y="3377955"/>
-            <a:ext cx="2842598" cy="1492716"/>
+            <a:ext cx="2842598" cy="932563"/>
           </a:xfrm>
           <a:prstGeom prst="rect">
             <a:avLst/>
@@ -6542,7 +6523,7 @@
               </a:lnSpc>
             </a:pPr>
             <a:r>
-              <a:rPr lang="zh-CN" altLang="en-US" sz="1400" dirty="0">
+              <a:rPr lang="zh-CN" altLang="en-US" sz="1400" dirty="0" smtClean="0">
                 <a:solidFill>
                   <a:srgbClr val="404040"/>
                 </a:solidFill>
@@ -6551,10 +6532,10 @@
                 <a:cs typeface="+mn-ea"/>
                 <a:sym typeface="+mn-lt"/>
               </a:rPr>
-              <a:t>标题数字等都可以通过点击和重新输入进行更改，顶部“开始”面板中可以对字体、字号、颜色、行距等进行修改。建议正文</a:t>
-            </a:r>
-            <a:r>
-              <a:rPr lang="en-US" altLang="zh-CN" sz="1400" dirty="0">
+              <a:t>主要分为五大模块，浏览模块，社交模块，个人收藏发布模块，账户管理模块，食谱</a:t>
+            </a:r>
+            <a:r>
+              <a:rPr lang="en-US" altLang="zh-CN" sz="1400" dirty="0" smtClean="0">
                 <a:solidFill>
                   <a:srgbClr val="404040"/>
                 </a:solidFill>
@@ -6563,10 +6544,10 @@
                 <a:cs typeface="+mn-ea"/>
                 <a:sym typeface="+mn-lt"/>
               </a:rPr>
-              <a:t>14</a:t>
-            </a:r>
-            <a:r>
-              <a:rPr lang="zh-CN" altLang="en-US" sz="1400" dirty="0">
+              <a:t>/</a:t>
+            </a:r>
+            <a:r>
+              <a:rPr lang="zh-CN" altLang="en-US" sz="1400" dirty="0" smtClean="0">
                 <a:solidFill>
                   <a:srgbClr val="404040"/>
                 </a:solidFill>
@@ -6575,31 +6556,7 @@
                 <a:cs typeface="+mn-ea"/>
                 <a:sym typeface="+mn-lt"/>
               </a:rPr>
-              <a:t>号字，</a:t>
-            </a:r>
-            <a:r>
-              <a:rPr lang="en-US" altLang="zh-CN" sz="1400" dirty="0">
-                <a:solidFill>
-                  <a:srgbClr val="404040"/>
-                </a:solidFill>
-                <a:latin typeface="微软雅黑" panose="020B0503020204020204" pitchFamily="34" charset="-122"/>
-                <a:ea typeface="微软雅黑" panose="020B0503020204020204" pitchFamily="34" charset="-122"/>
-                <a:cs typeface="+mn-ea"/>
-                <a:sym typeface="+mn-lt"/>
-              </a:rPr>
-              <a:t>1.3</a:t>
-            </a:r>
-            <a:r>
-              <a:rPr lang="zh-CN" altLang="en-US" sz="1400" dirty="0">
-                <a:solidFill>
-                  <a:srgbClr val="404040"/>
-                </a:solidFill>
-                <a:latin typeface="微软雅黑" panose="020B0503020204020204" pitchFamily="34" charset="-122"/>
-                <a:ea typeface="微软雅黑" panose="020B0503020204020204" pitchFamily="34" charset="-122"/>
-                <a:cs typeface="+mn-ea"/>
-                <a:sym typeface="+mn-lt"/>
-              </a:rPr>
-              <a:t>倍字间距</a:t>
+              <a:t>动态模块。</a:t>
             </a:r>
             <a:endParaRPr kumimoji="1" lang="zh-CN" altLang="en-US" sz="1400" dirty="0">
               <a:solidFill>
@@ -6654,110 +6611,6 @@
           </a:fontRef>
         </p:style>
       </p:cxnSp>
-      <p:sp>
-        <p:nvSpPr>
-          <p:cNvPr id="29" name="矩形 28">
-            <a:extLst>
-              <a:ext uri="{FF2B5EF4-FFF2-40B4-BE49-F238E27FC236}">
-                <a16:creationId xmlns:a16="http://schemas.microsoft.com/office/drawing/2014/main" id="{73D2DFD7-B434-4ED6-8CB6-108E265353C2}"/>
-              </a:ext>
-            </a:extLst>
-          </p:cNvPr>
-          <p:cNvSpPr/>
-          <p:nvPr/>
-        </p:nvSpPr>
-        <p:spPr>
-          <a:xfrm>
-            <a:off x="8980799" y="4977345"/>
-            <a:ext cx="2842598" cy="932563"/>
-          </a:xfrm>
-          <a:prstGeom prst="rect">
-            <a:avLst/>
-          </a:prstGeom>
-        </p:spPr>
-        <p:txBody>
-          <a:bodyPr wrap="square">
-            <a:spAutoFit/>
-          </a:bodyPr>
-          <a:lstStyle/>
-          <a:p>
-            <a:pPr>
-              <a:lnSpc>
-                <a:spcPct val="130000"/>
-              </a:lnSpc>
-            </a:pPr>
-            <a:r>
-              <a:rPr lang="zh-CN" altLang="en-US" sz="1400" dirty="0">
-                <a:solidFill>
-                  <a:srgbClr val="404040"/>
-                </a:solidFill>
-                <a:latin typeface="微软雅黑" panose="020B0503020204020204" pitchFamily="34" charset="-122"/>
-                <a:ea typeface="微软雅黑" panose="020B0503020204020204" pitchFamily="34" charset="-122"/>
-                <a:cs typeface="+mn-ea"/>
-                <a:sym typeface="+mn-lt"/>
-              </a:rPr>
-              <a:t>标题数字等都可以通过点击和重新输入进行更改。建议正文</a:t>
-            </a:r>
-            <a:r>
-              <a:rPr lang="en-US" altLang="zh-CN" sz="1400" dirty="0">
-                <a:solidFill>
-                  <a:srgbClr val="404040"/>
-                </a:solidFill>
-                <a:latin typeface="微软雅黑" panose="020B0503020204020204" pitchFamily="34" charset="-122"/>
-                <a:ea typeface="微软雅黑" panose="020B0503020204020204" pitchFamily="34" charset="-122"/>
-                <a:cs typeface="+mn-ea"/>
-                <a:sym typeface="+mn-lt"/>
-              </a:rPr>
-              <a:t>14</a:t>
-            </a:r>
-            <a:r>
-              <a:rPr lang="zh-CN" altLang="en-US" sz="1400" dirty="0">
-                <a:solidFill>
-                  <a:srgbClr val="404040"/>
-                </a:solidFill>
-                <a:latin typeface="微软雅黑" panose="020B0503020204020204" pitchFamily="34" charset="-122"/>
-                <a:ea typeface="微软雅黑" panose="020B0503020204020204" pitchFamily="34" charset="-122"/>
-                <a:cs typeface="+mn-ea"/>
-                <a:sym typeface="+mn-lt"/>
-              </a:rPr>
-              <a:t>号字，</a:t>
-            </a:r>
-            <a:r>
-              <a:rPr lang="en-US" altLang="zh-CN" sz="1400" dirty="0">
-                <a:solidFill>
-                  <a:srgbClr val="404040"/>
-                </a:solidFill>
-                <a:latin typeface="微软雅黑" panose="020B0503020204020204" pitchFamily="34" charset="-122"/>
-                <a:ea typeface="微软雅黑" panose="020B0503020204020204" pitchFamily="34" charset="-122"/>
-                <a:cs typeface="+mn-ea"/>
-                <a:sym typeface="+mn-lt"/>
-              </a:rPr>
-              <a:t>1.3</a:t>
-            </a:r>
-            <a:r>
-              <a:rPr lang="zh-CN" altLang="en-US" sz="1400" dirty="0">
-                <a:solidFill>
-                  <a:srgbClr val="404040"/>
-                </a:solidFill>
-                <a:latin typeface="微软雅黑" panose="020B0503020204020204" pitchFamily="34" charset="-122"/>
-                <a:ea typeface="微软雅黑" panose="020B0503020204020204" pitchFamily="34" charset="-122"/>
-                <a:cs typeface="+mn-ea"/>
-                <a:sym typeface="+mn-lt"/>
-              </a:rPr>
-              <a:t>倍字间距</a:t>
-            </a:r>
-            <a:endParaRPr kumimoji="1" lang="zh-CN" altLang="en-US" sz="1400" dirty="0">
-              <a:solidFill>
-                <a:srgbClr val="404040"/>
-              </a:solidFill>
-              <a:latin typeface="微软雅黑" panose="020B0503020204020204" pitchFamily="34" charset="-122"/>
-              <a:ea typeface="微软雅黑" panose="020B0503020204020204" pitchFamily="34" charset="-122"/>
-              <a:cs typeface="+mn-ea"/>
-              <a:sym typeface="+mn-lt"/>
-            </a:endParaRPr>
-          </a:p>
-        </p:txBody>
-      </p:sp>
       <p:sp>
         <p:nvSpPr>
           <p:cNvPr id="30" name="文本框 29">
@@ -12920,43 +12773,6 @@
           <a:chExt cx="0" cy="0"/>
         </a:xfrm>
       </p:grpSpPr>
-      <p:pic>
-        <p:nvPicPr>
-          <p:cNvPr id="8" name="图片 7" descr="图片包含 户外, 雪花, 天空, 自然&#10;&#10;已生成极高可信度的说明">
-            <a:extLst>
-              <a:ext uri="{FF2B5EF4-FFF2-40B4-BE49-F238E27FC236}">
-                <a16:creationId xmlns:a16="http://schemas.microsoft.com/office/drawing/2014/main" id="{D63E1966-5BC7-497F-8B7C-208D33841E6D}"/>
-              </a:ext>
-            </a:extLst>
-          </p:cNvPr>
-          <p:cNvPicPr>
-            <a:picLocks noChangeAspect="1"/>
-          </p:cNvPicPr>
-          <p:nvPr/>
-        </p:nvPicPr>
-        <p:blipFill>
-          <a:blip r:embed="rId3">
-            <a:grayscl/>
-            <a:extLst>
-              <a:ext uri="{28A0092B-C50C-407E-A947-70E740481C1C}">
-                <a14:useLocalDpi xmlns:a14="http://schemas.microsoft.com/office/drawing/2010/main" val="0"/>
-              </a:ext>
-            </a:extLst>
-          </a:blip>
-          <a:stretch>
-            <a:fillRect/>
-          </a:stretch>
-        </p:blipFill>
-        <p:spPr>
-          <a:xfrm flipH="1">
-            <a:off x="0" y="973930"/>
-            <a:ext cx="8729134" cy="4910138"/>
-          </a:xfrm>
-          <a:prstGeom prst="rect">
-            <a:avLst/>
-          </a:prstGeom>
-        </p:spPr>
-      </p:pic>
       <p:sp>
         <p:nvSpPr>
           <p:cNvPr id="2" name="任意多边形: 形状 1">
@@ -13129,279 +12945,12 @@
                 <a:cs typeface="+mn-ea"/>
                 <a:sym typeface="+mn-lt"/>
               </a:rPr>
-              <a:t>系统架构</a:t>
-            </a:r>
-            <a:r>
-              <a:rPr lang="zh-CN" altLang="en-US" sz="1800" dirty="0" smtClean="0">
-                <a:solidFill>
-                  <a:schemeClr val="bg1"/>
-                </a:solidFill>
-                <a:cs typeface="+mn-ea"/>
-                <a:sym typeface="+mn-lt"/>
-              </a:rPr>
-              <a:t>设计</a:t>
+              <a:t>系统架构设计</a:t>
             </a:r>
             <a:endParaRPr lang="zh-CN" altLang="en-US" sz="1800" dirty="0">
               <a:solidFill>
                 <a:schemeClr val="bg1"/>
               </a:solidFill>
-              <a:cs typeface="+mn-ea"/>
-              <a:sym typeface="+mn-lt"/>
-            </a:endParaRPr>
-          </a:p>
-        </p:txBody>
-      </p:sp>
-      <p:sp>
-        <p:nvSpPr>
-          <p:cNvPr id="15" name="任意多边形: 形状 14">
-            <a:extLst>
-              <a:ext uri="{FF2B5EF4-FFF2-40B4-BE49-F238E27FC236}">
-                <a16:creationId xmlns:a16="http://schemas.microsoft.com/office/drawing/2014/main" id="{07DEB4C7-624F-4494-ABF1-E70CBC8C696F}"/>
-              </a:ext>
-            </a:extLst>
-          </p:cNvPr>
-          <p:cNvSpPr/>
-          <p:nvPr/>
-        </p:nvSpPr>
-        <p:spPr>
-          <a:xfrm flipH="1" flipV="1">
-            <a:off x="5716393" y="973929"/>
-            <a:ext cx="3012741" cy="4910139"/>
-          </a:xfrm>
-          <a:custGeom>
-            <a:avLst/>
-            <a:gdLst>
-              <a:gd name="connsiteX0" fmla="*/ 3012741 w 3012741"/>
-              <a:gd name="connsiteY0" fmla="*/ 4910139 h 4910139"/>
-              <a:gd name="connsiteX1" fmla="*/ 0 w 3012741"/>
-              <a:gd name="connsiteY1" fmla="*/ 4910139 h 4910139"/>
-              <a:gd name="connsiteX2" fmla="*/ 0 w 3012741"/>
-              <a:gd name="connsiteY2" fmla="*/ 0 h 4910139"/>
-              <a:gd name="connsiteX3" fmla="*/ 530810 w 3012741"/>
-              <a:gd name="connsiteY3" fmla="*/ 0 h 4910139"/>
-            </a:gdLst>
-            <a:ahLst/>
-            <a:cxnLst>
-              <a:cxn ang="0">
-                <a:pos x="connsiteX0" y="connsiteY0"/>
-              </a:cxn>
-              <a:cxn ang="0">
-                <a:pos x="connsiteX1" y="connsiteY1"/>
-              </a:cxn>
-              <a:cxn ang="0">
-                <a:pos x="connsiteX2" y="connsiteY2"/>
-              </a:cxn>
-              <a:cxn ang="0">
-                <a:pos x="connsiteX3" y="connsiteY3"/>
-              </a:cxn>
-            </a:cxnLst>
-            <a:rect l="l" t="t" r="r" b="b"/>
-            <a:pathLst>
-              <a:path w="3012741" h="4910139">
-                <a:moveTo>
-                  <a:pt x="3012741" y="4910139"/>
-                </a:moveTo>
-                <a:lnTo>
-                  <a:pt x="0" y="4910139"/>
-                </a:lnTo>
-                <a:lnTo>
-                  <a:pt x="0" y="0"/>
-                </a:lnTo>
-                <a:lnTo>
-                  <a:pt x="530810" y="0"/>
-                </a:lnTo>
-                <a:close/>
-              </a:path>
-            </a:pathLst>
-          </a:custGeom>
-          <a:solidFill>
-            <a:srgbClr val="FFC000"/>
-          </a:solidFill>
-          <a:ln>
-            <a:noFill/>
-          </a:ln>
-        </p:spPr>
-        <p:style>
-          <a:lnRef idx="2">
-            <a:schemeClr val="accent1">
-              <a:shade val="50000"/>
-            </a:schemeClr>
-          </a:lnRef>
-          <a:fillRef idx="1">
-            <a:schemeClr val="accent1"/>
-          </a:fillRef>
-          <a:effectRef idx="0">
-            <a:schemeClr val="accent1"/>
-          </a:effectRef>
-          <a:fontRef idx="minor">
-            <a:schemeClr val="lt1"/>
-          </a:fontRef>
-        </p:style>
-        <p:txBody>
-          <a:bodyPr rtlCol="0" anchor="ctr"/>
-          <a:lstStyle/>
-          <a:p>
-            <a:pPr algn="ctr"/>
-            <a:endParaRPr lang="zh-CN" altLang="en-US" dirty="0">
-              <a:latin typeface="微软雅黑" panose="020B0503020204020204" pitchFamily="34" charset="-122"/>
-              <a:ea typeface="微软雅黑" panose="020B0503020204020204" pitchFamily="34" charset="-122"/>
-              <a:cs typeface="+mn-ea"/>
-              <a:sym typeface="+mn-lt"/>
-            </a:endParaRPr>
-          </a:p>
-        </p:txBody>
-      </p:sp>
-      <p:sp>
-        <p:nvSpPr>
-          <p:cNvPr id="16" name="任意多边形: 形状 15">
-            <a:extLst>
-              <a:ext uri="{FF2B5EF4-FFF2-40B4-BE49-F238E27FC236}">
-                <a16:creationId xmlns:a16="http://schemas.microsoft.com/office/drawing/2014/main" id="{ADE8F832-AE98-4AE9-87C7-FDCBFA71F870}"/>
-              </a:ext>
-            </a:extLst>
-          </p:cNvPr>
-          <p:cNvSpPr/>
-          <p:nvPr/>
-        </p:nvSpPr>
-        <p:spPr>
-          <a:xfrm>
-            <a:off x="3487544" y="5429250"/>
-            <a:ext cx="4710780" cy="454818"/>
-          </a:xfrm>
-          <a:custGeom>
-            <a:avLst/>
-            <a:gdLst>
-              <a:gd name="connsiteX0" fmla="*/ 0 w 4710780"/>
-              <a:gd name="connsiteY0" fmla="*/ 0 h 454818"/>
-              <a:gd name="connsiteX1" fmla="*/ 4480883 w 4710780"/>
-              <a:gd name="connsiteY1" fmla="*/ 0 h 454818"/>
-              <a:gd name="connsiteX2" fmla="*/ 4710780 w 4710780"/>
-              <a:gd name="connsiteY2" fmla="*/ 454818 h 454818"/>
-              <a:gd name="connsiteX3" fmla="*/ 0 w 4710780"/>
-              <a:gd name="connsiteY3" fmla="*/ 454818 h 454818"/>
-            </a:gdLst>
-            <a:ahLst/>
-            <a:cxnLst>
-              <a:cxn ang="0">
-                <a:pos x="connsiteX0" y="connsiteY0"/>
-              </a:cxn>
-              <a:cxn ang="0">
-                <a:pos x="connsiteX1" y="connsiteY1"/>
-              </a:cxn>
-              <a:cxn ang="0">
-                <a:pos x="connsiteX2" y="connsiteY2"/>
-              </a:cxn>
-              <a:cxn ang="0">
-                <a:pos x="connsiteX3" y="connsiteY3"/>
-              </a:cxn>
-            </a:cxnLst>
-            <a:rect l="l" t="t" r="r" b="b"/>
-            <a:pathLst>
-              <a:path w="4710780" h="454818">
-                <a:moveTo>
-                  <a:pt x="0" y="0"/>
-                </a:moveTo>
-                <a:lnTo>
-                  <a:pt x="4480883" y="0"/>
-                </a:lnTo>
-                <a:lnTo>
-                  <a:pt x="4710780" y="454818"/>
-                </a:lnTo>
-                <a:lnTo>
-                  <a:pt x="0" y="454818"/>
-                </a:lnTo>
-                <a:close/>
-              </a:path>
-            </a:pathLst>
-          </a:custGeom>
-          <a:solidFill>
-            <a:srgbClr val="000000"/>
-          </a:solidFill>
-          <a:ln>
-            <a:noFill/>
-          </a:ln>
-        </p:spPr>
-        <p:style>
-          <a:lnRef idx="2">
-            <a:schemeClr val="accent1">
-              <a:shade val="50000"/>
-            </a:schemeClr>
-          </a:lnRef>
-          <a:fillRef idx="1">
-            <a:schemeClr val="accent1"/>
-          </a:fillRef>
-          <a:effectRef idx="0">
-            <a:schemeClr val="accent1"/>
-          </a:effectRef>
-          <a:fontRef idx="minor">
-            <a:schemeClr val="lt1"/>
-          </a:fontRef>
-        </p:style>
-        <p:txBody>
-          <a:bodyPr rtlCol="0" anchor="ctr"/>
-          <a:lstStyle/>
-          <a:p>
-            <a:pPr algn="ctr"/>
-            <a:endParaRPr lang="zh-CN" altLang="en-US">
-              <a:latin typeface="微软雅黑" panose="020B0503020204020204" pitchFamily="34" charset="-122"/>
-              <a:ea typeface="微软雅黑" panose="020B0503020204020204" pitchFamily="34" charset="-122"/>
-              <a:cs typeface="+mn-ea"/>
-              <a:sym typeface="+mn-lt"/>
-            </a:endParaRPr>
-          </a:p>
-        </p:txBody>
-      </p:sp>
-      <p:sp>
-        <p:nvSpPr>
-          <p:cNvPr id="6" name="矩形 5">
-            <a:extLst>
-              <a:ext uri="{FF2B5EF4-FFF2-40B4-BE49-F238E27FC236}">
-                <a16:creationId xmlns:a16="http://schemas.microsoft.com/office/drawing/2014/main" id="{3ABEFD7D-0155-4831-9651-D3C1DDA774FD}"/>
-              </a:ext>
-            </a:extLst>
-          </p:cNvPr>
-          <p:cNvSpPr/>
-          <p:nvPr/>
-        </p:nvSpPr>
-        <p:spPr>
-          <a:xfrm>
-            <a:off x="0" y="5429250"/>
-            <a:ext cx="3914887" cy="454818"/>
-          </a:xfrm>
-          <a:prstGeom prst="rect">
-            <a:avLst/>
-          </a:prstGeom>
-          <a:solidFill>
-            <a:srgbClr val="000000"/>
-          </a:solidFill>
-          <a:ln>
-            <a:noFill/>
-          </a:ln>
-        </p:spPr>
-        <p:style>
-          <a:lnRef idx="2">
-            <a:schemeClr val="accent1">
-              <a:shade val="50000"/>
-            </a:schemeClr>
-          </a:lnRef>
-          <a:fillRef idx="1">
-            <a:schemeClr val="accent1"/>
-          </a:fillRef>
-          <a:effectRef idx="0">
-            <a:schemeClr val="accent1"/>
-          </a:effectRef>
-          <a:fontRef idx="minor">
-            <a:schemeClr val="lt1"/>
-          </a:fontRef>
-        </p:style>
-        <p:txBody>
-          <a:bodyPr rtlCol="0" anchor="ctr"/>
-          <a:lstStyle/>
-          <a:p>
-            <a:pPr algn="ctr"/>
-            <a:endParaRPr lang="zh-CN" altLang="en-US">
-              <a:latin typeface="微软雅黑" panose="020B0503020204020204" pitchFamily="34" charset="-122"/>
-              <a:ea typeface="微软雅黑" panose="020B0503020204020204" pitchFamily="34" charset="-122"/>
               <a:cs typeface="+mn-ea"/>
               <a:sym typeface="+mn-lt"/>
             </a:endParaRPr>
@@ -13510,43 +13059,7 @@
                 <a:cs typeface="+mn-ea"/>
                 <a:sym typeface="+mn-lt"/>
               </a:rPr>
-              <a:t>“美食拍</a:t>
-            </a:r>
-            <a:r>
-              <a:rPr lang="zh-CN" altLang="en-US" b="1" dirty="0" smtClean="0">
-                <a:solidFill>
-                  <a:srgbClr val="000000"/>
-                </a:solidFill>
-                <a:latin typeface="微软雅黑" panose="020B0503020204020204" pitchFamily="34" charset="-122"/>
-                <a:ea typeface="微软雅黑" panose="020B0503020204020204" pitchFamily="34" charset="-122"/>
-                <a:cs typeface="+mn-ea"/>
-                <a:sym typeface="+mn-lt"/>
-              </a:rPr>
-              <a:t>“</a:t>
-            </a:r>
-            <a:r>
-              <a:rPr lang="zh-CN" altLang="en-US" b="1" dirty="0" smtClean="0">
-                <a:solidFill>
-                  <a:srgbClr val="000000"/>
-                </a:solidFill>
-                <a:latin typeface="微软雅黑" panose="020B0503020204020204" pitchFamily="34" charset="-122"/>
-                <a:ea typeface="微软雅黑" panose="020B0503020204020204" pitchFamily="34" charset="-122"/>
-                <a:cs typeface="+mn-ea"/>
-                <a:sym typeface="+mn-lt"/>
-              </a:rPr>
-              <a:t>系统架构</a:t>
-            </a:r>
-            <a:r>
-              <a:rPr lang="zh-CN" altLang="en-US" b="1" dirty="0" smtClean="0">
-                <a:solidFill>
-                  <a:srgbClr val="000000"/>
-                </a:solidFill>
-                <a:latin typeface="微软雅黑" panose="020B0503020204020204" pitchFamily="34" charset="-122"/>
-                <a:ea typeface="微软雅黑" panose="020B0503020204020204" pitchFamily="34" charset="-122"/>
-                <a:cs typeface="+mn-ea"/>
-                <a:sym typeface="+mn-lt"/>
-              </a:rPr>
-              <a:t>设计</a:t>
+              <a:t>“美食拍“系统架构设计</a:t>
             </a:r>
             <a:endParaRPr lang="zh-CN" altLang="en-US" b="1" dirty="0">
               <a:solidFill>
@@ -13660,106 +13173,35 @@
           </a:fontRef>
         </p:style>
       </p:cxnSp>
-      <p:sp>
-        <p:nvSpPr>
-          <p:cNvPr id="30" name="文本框 29">
-            <a:extLst>
-              <a:ext uri="{FF2B5EF4-FFF2-40B4-BE49-F238E27FC236}">
-                <a16:creationId xmlns:a16="http://schemas.microsoft.com/office/drawing/2014/main" id="{72F751CA-771F-49A6-B900-635BEFDED394}"/>
-              </a:ext>
-            </a:extLst>
-          </p:cNvPr>
-          <p:cNvSpPr txBox="1"/>
+      <p:pic>
+        <p:nvPicPr>
+          <p:cNvPr id="14" name="officeArt object"/>
+          <p:cNvPicPr/>
           <p:nvPr/>
-        </p:nvSpPr>
+        </p:nvPicPr>
+        <p:blipFill>
+          <a:blip r:embed="rId3">
+            <a:extLst/>
+          </a:blip>
+          <a:stretch>
+            <a:fillRect/>
+          </a:stretch>
+        </p:blipFill>
         <p:spPr>
           <a:xfrm>
-            <a:off x="125770" y="5458367"/>
-            <a:ext cx="3663345" cy="424732"/>
+            <a:off x="2259560" y="377471"/>
+            <a:ext cx="4976509" cy="6461417"/>
           </a:xfrm>
           <a:prstGeom prst="rect">
             <a:avLst/>
           </a:prstGeom>
-          <a:noFill/>
+          <a:ln w="12700" cap="flat">
+            <a:noFill/>
+            <a:miter lim="400000"/>
+          </a:ln>
+          <a:effectLst/>
         </p:spPr>
-        <p:txBody>
-          <a:bodyPr wrap="square" rtlCol="0">
-            <a:spAutoFit/>
-          </a:bodyPr>
-          <a:lstStyle>
-            <a:defPPr>
-              <a:defRPr lang="zh-CN"/>
-            </a:defPPr>
-            <a:lvl1pPr>
-              <a:lnSpc>
-                <a:spcPct val="120000"/>
-              </a:lnSpc>
-              <a:defRPr sz="2800" b="1" spc="200">
-                <a:solidFill>
-                  <a:srgbClr val="000000"/>
-                </a:solidFill>
-                <a:latin typeface="微软雅黑" panose="020B0503020204020204" pitchFamily="34" charset="-122"/>
-                <a:ea typeface="微软雅黑" panose="020B0503020204020204" pitchFamily="34" charset="-122"/>
-              </a:defRPr>
-            </a:lvl1pPr>
-          </a:lstStyle>
-          <a:p>
-            <a:r>
-              <a:rPr lang="zh-CN" altLang="en-US" sz="1800" dirty="0">
-                <a:solidFill>
-                  <a:schemeClr val="bg1"/>
-                </a:solidFill>
-                <a:cs typeface="+mn-ea"/>
-                <a:sym typeface="+mn-lt"/>
-              </a:rPr>
-              <a:t>点击此处添加文本信息</a:t>
-            </a:r>
-          </a:p>
-        </p:txBody>
-      </p:sp>
-      <p:cxnSp>
-        <p:nvCxnSpPr>
-          <p:cNvPr id="12" name="直接连接符 11">
-            <a:extLst>
-              <a:ext uri="{FF2B5EF4-FFF2-40B4-BE49-F238E27FC236}">
-                <a16:creationId xmlns:a16="http://schemas.microsoft.com/office/drawing/2014/main" id="{E85D39E2-187C-426E-915B-2120D5A5BBCD}"/>
-              </a:ext>
-            </a:extLst>
-          </p:cNvPr>
-          <p:cNvCxnSpPr>
-            <a:cxnSpLocks/>
-          </p:cNvCxnSpPr>
-          <p:nvPr/>
-        </p:nvCxnSpPr>
-        <p:spPr>
-          <a:xfrm>
-            <a:off x="5219270" y="-19112"/>
-            <a:ext cx="3487544" cy="6877112"/>
-          </a:xfrm>
-          <a:prstGeom prst="line">
-            <a:avLst/>
-          </a:prstGeom>
-          <a:ln>
-            <a:solidFill>
-              <a:srgbClr val="FFC000"/>
-            </a:solidFill>
-          </a:ln>
-        </p:spPr>
-        <p:style>
-          <a:lnRef idx="1">
-            <a:schemeClr val="accent1"/>
-          </a:lnRef>
-          <a:fillRef idx="0">
-            <a:schemeClr val="accent1"/>
-          </a:fillRef>
-          <a:effectRef idx="0">
-            <a:schemeClr val="accent1"/>
-          </a:effectRef>
-          <a:fontRef idx="minor">
-            <a:schemeClr val="tx1"/>
-          </a:fontRef>
-        </p:style>
-      </p:cxnSp>
+      </p:pic>
     </p:spTree>
     <p:extLst>
       <p:ext uri="{BB962C8B-B14F-4D97-AF65-F5344CB8AC3E}">
@@ -14701,19 +14143,13 @@
       </p:cxnSp>
       <p:pic>
         <p:nvPicPr>
-          <p:cNvPr id="4" name="图片 3"/>
-          <p:cNvPicPr>
-            <a:picLocks noChangeAspect="1"/>
-          </p:cNvPicPr>
+          <p:cNvPr id="17" name="officeArt object"/>
+          <p:cNvPicPr/>
           <p:nvPr/>
         </p:nvPicPr>
         <p:blipFill>
           <a:blip r:embed="rId4">
-            <a:extLst>
-              <a:ext uri="{28A0092B-C50C-407E-A947-70E740481C1C}">
-                <a14:useLocalDpi xmlns:a14="http://schemas.microsoft.com/office/drawing/2010/main" val="0"/>
-              </a:ext>
-            </a:extLst>
+            <a:extLst/>
           </a:blip>
           <a:stretch>
             <a:fillRect/>
@@ -14721,12 +14157,17 @@
         </p:blipFill>
         <p:spPr>
           <a:xfrm>
-            <a:off x="0" y="377471"/>
-            <a:ext cx="8942473" cy="6540533"/>
+            <a:off x="0" y="780335"/>
+            <a:ext cx="8729134" cy="5704240"/>
           </a:xfrm>
           <a:prstGeom prst="rect">
             <a:avLst/>
           </a:prstGeom>
+          <a:ln w="12700" cap="flat">
+            <a:noFill/>
+            <a:miter lim="400000"/>
+          </a:ln>
+          <a:effectLst/>
         </p:spPr>
       </p:pic>
     </p:spTree>
@@ -16098,15 +15539,6 @@
               </a:rPr>
               <a:t>接口设计</a:t>
             </a:r>
-            <a:endParaRPr lang="zh-CN" altLang="en-US" b="1" dirty="0">
-              <a:solidFill>
-                <a:srgbClr val="000000"/>
-              </a:solidFill>
-              <a:latin typeface="微软雅黑" panose="020B0503020204020204" pitchFamily="34" charset="-122"/>
-              <a:ea typeface="微软雅黑" panose="020B0503020204020204" pitchFamily="34" charset="-122"/>
-              <a:cs typeface="+mn-ea"/>
-              <a:sym typeface="+mn-lt"/>
-            </a:endParaRPr>
           </a:p>
         </p:txBody>
       </p:sp>
@@ -16228,19 +15660,7 @@
                 <a:cs typeface="+mn-ea"/>
                 <a:sym typeface="+mn-lt"/>
               </a:rPr>
-              <a:t>历史</a:t>
-            </a:r>
-            <a:r>
-              <a:rPr lang="zh-CN" altLang="en-US" sz="1400" dirty="0" smtClean="0">
-                <a:solidFill>
-                  <a:srgbClr val="404040"/>
-                </a:solidFill>
-                <a:latin typeface="微软雅黑" panose="020B0503020204020204" pitchFamily="34" charset="-122"/>
-                <a:ea typeface="微软雅黑" panose="020B0503020204020204" pitchFamily="34" charset="-122"/>
-                <a:cs typeface="+mn-ea"/>
-                <a:sym typeface="+mn-lt"/>
-              </a:rPr>
-              <a:t>记录</a:t>
+              <a:t>历史记录</a:t>
             </a:r>
             <a:endParaRPr lang="en-US" altLang="zh-CN" sz="1400" dirty="0" smtClean="0">
               <a:solidFill>
@@ -16282,19 +15702,7 @@
                 <a:cs typeface="+mn-ea"/>
                 <a:sym typeface="+mn-lt"/>
               </a:rPr>
-              <a:t>浏览</a:t>
-            </a:r>
-            <a:r>
-              <a:rPr lang="zh-CN" altLang="en-US" sz="1400" dirty="0" smtClean="0">
-                <a:solidFill>
-                  <a:srgbClr val="404040"/>
-                </a:solidFill>
-                <a:latin typeface="微软雅黑" panose="020B0503020204020204" pitchFamily="34" charset="-122"/>
-                <a:ea typeface="微软雅黑" panose="020B0503020204020204" pitchFamily="34" charset="-122"/>
-                <a:cs typeface="+mn-ea"/>
-                <a:sym typeface="+mn-lt"/>
-              </a:rPr>
-              <a:t>历史</a:t>
+              <a:t>浏览历史</a:t>
             </a:r>
             <a:endParaRPr lang="en-US" altLang="zh-CN" sz="1400" dirty="0" smtClean="0">
               <a:solidFill>
@@ -17390,20 +16798,38 @@
                 <a:cs typeface="+mn-ea"/>
                 <a:sym typeface="+mn-lt"/>
               </a:rPr>
-              <a:t>组织梳理项目的各个模块，并用文字的形式详细描述</a:t>
-            </a:r>
-            <a:endParaRPr lang="zh-CN" altLang="en-US" sz="1100" dirty="0">
-              <a:solidFill>
-                <a:schemeClr val="tx1">
-                  <a:lumMod val="75000"/>
-                  <a:lumOff val="25000"/>
-                </a:schemeClr>
-              </a:solidFill>
-              <a:latin typeface="微软雅黑" panose="020B0503020204020204" pitchFamily="34" charset="-122"/>
-              <a:ea typeface="微软雅黑" panose="020B0503020204020204" pitchFamily="34" charset="-122"/>
-              <a:cs typeface="+mn-ea"/>
-              <a:sym typeface="+mn-lt"/>
-            </a:endParaRPr>
+              <a:t>组织梳理项目的各个模块，</a:t>
+            </a:r>
+            <a:r>
+              <a:rPr lang="zh-CN" altLang="en-US" sz="1100" dirty="0" smtClean="0">
+                <a:solidFill>
+                  <a:schemeClr val="tx1">
+                    <a:lumMod val="75000"/>
+                    <a:lumOff val="25000"/>
+                  </a:schemeClr>
+                </a:solidFill>
+                <a:latin typeface="微软雅黑" panose="020B0503020204020204" pitchFamily="34" charset="-122"/>
+                <a:ea typeface="微软雅黑" panose="020B0503020204020204" pitchFamily="34" charset="-122"/>
+                <a:cs typeface="+mn-ea"/>
+                <a:sym typeface="+mn-lt"/>
+              </a:rPr>
+              <a:t>并详细</a:t>
+            </a:r>
+            <a:r>
+              <a:rPr lang="zh-CN" altLang="en-US" sz="1100" dirty="0">
+                <a:solidFill>
+                  <a:schemeClr val="tx1">
+                    <a:lumMod val="75000"/>
+                    <a:lumOff val="25000"/>
+                  </a:schemeClr>
+                </a:solidFill>
+                <a:latin typeface="微软雅黑" panose="020B0503020204020204" pitchFamily="34" charset="-122"/>
+                <a:ea typeface="微软雅黑" panose="020B0503020204020204" pitchFamily="34" charset="-122"/>
+                <a:cs typeface="+mn-ea"/>
+                <a:sym typeface="+mn-lt"/>
+              </a:rPr>
+              <a:t>描述</a:t>
+            </a:r>
           </a:p>
         </p:txBody>
       </p:sp>
@@ -17498,15 +16924,6 @@
               </a:rPr>
               <a:t>详细设计</a:t>
             </a:r>
-            <a:endParaRPr lang="zh-CN" altLang="en-US" sz="2800" b="1" dirty="0">
-              <a:solidFill>
-                <a:srgbClr val="353535"/>
-              </a:solidFill>
-              <a:latin typeface="微软雅黑" panose="020B0503020204020204" pitchFamily="34" charset="-122"/>
-              <a:ea typeface="微软雅黑" panose="020B0503020204020204" pitchFamily="34" charset="-122"/>
-              <a:cs typeface="+mn-ea"/>
-              <a:sym typeface="+mn-lt"/>
-            </a:endParaRPr>
           </a:p>
         </p:txBody>
       </p:sp>
@@ -18224,7 +17641,7 @@
                 <a:cs typeface="+mn-ea"/>
                 <a:sym typeface="+mn-lt"/>
               </a:rPr>
-              <a:t>W</a:t>
+              <a:t>P</a:t>
             </a:r>
             <a:endParaRPr lang="zh-CN" altLang="en-US" sz="3600" b="1" dirty="0">
               <a:solidFill>
@@ -18306,7 +17723,7 @@
                 <a:cs typeface="+mn-ea"/>
                 <a:sym typeface="+mn-lt"/>
               </a:rPr>
-              <a:t>O</a:t>
+              <a:t>C</a:t>
             </a:r>
             <a:endParaRPr lang="zh-CN" altLang="en-US" sz="3600" b="1" dirty="0">
               <a:solidFill>
@@ -18388,7 +17805,7 @@
                 <a:cs typeface="+mn-ea"/>
                 <a:sym typeface="+mn-lt"/>
               </a:rPr>
-              <a:t>T</a:t>
+              <a:t>A</a:t>
             </a:r>
             <a:endParaRPr lang="zh-CN" altLang="en-US" sz="3600" b="1" dirty="0">
               <a:solidFill>
@@ -18416,7 +17833,7 @@
         </p:nvSpPr>
         <p:spPr>
           <a:xfrm>
-            <a:off x="8536074" y="2082398"/>
+            <a:off x="9018316" y="2072057"/>
             <a:ext cx="1814593" cy="369332"/>
           </a:xfrm>
           <a:prstGeom prst="rect">
@@ -18431,7 +17848,7 @@
           <a:lstStyle/>
           <a:p>
             <a:r>
-              <a:rPr lang="zh-CN" altLang="en-US" b="1" dirty="0">
+              <a:rPr lang="zh-CN" altLang="en-US" b="1" dirty="0" smtClean="0">
                 <a:solidFill>
                   <a:schemeClr val="tx1">
                     <a:lumMod val="85000"/>
@@ -18443,7 +17860,37 @@
                 <a:cs typeface="+mn-ea"/>
                 <a:sym typeface="+mn-lt"/>
               </a:rPr>
-              <a:t>添加标题</a:t>
+              <a:t>食谱</a:t>
+            </a:r>
+            <a:r>
+              <a:rPr lang="en-US" altLang="zh-CN" b="1" dirty="0" smtClean="0">
+                <a:solidFill>
+                  <a:schemeClr val="tx1">
+                    <a:lumMod val="85000"/>
+                    <a:lumOff val="15000"/>
+                  </a:schemeClr>
+                </a:solidFill>
+                <a:latin typeface="微软雅黑" panose="020B0503020204020204" pitchFamily="34" charset="-122"/>
+                <a:ea typeface="微软雅黑" panose="020B0503020204020204" pitchFamily="34" charset="-122"/>
+                <a:cs typeface="+mn-ea"/>
+                <a:sym typeface="+mn-lt"/>
+              </a:rPr>
+              <a:t>/</a:t>
+            </a:r>
+            <a:r>
+              <a:rPr lang="zh-CN" altLang="en-US" b="1" dirty="0" smtClean="0">
+                <a:solidFill>
+                  <a:schemeClr val="tx1">
+                    <a:lumMod val="85000"/>
+                    <a:lumOff val="15000"/>
+                  </a:schemeClr>
+                </a:solidFill>
+                <a:latin typeface="微软雅黑" panose="020B0503020204020204" pitchFamily="34" charset="-122"/>
+                <a:ea typeface="微软雅黑" panose="020B0503020204020204" pitchFamily="34" charset="-122"/>
+                <a:cs typeface="+mn-ea"/>
+                <a:sym typeface="+mn-lt"/>
+              </a:rPr>
+              <a:t>动态模块</a:t>
             </a:r>
             <a:endParaRPr lang="en-US" altLang="zh-CN" b="1" dirty="0">
               <a:solidFill>
@@ -18474,8 +17921,8 @@
         </p:nvSpPr>
         <p:spPr>
           <a:xfrm>
-            <a:off x="9012608" y="2440035"/>
-            <a:ext cx="1948819" cy="1015663"/>
+            <a:off x="9121278" y="2524538"/>
+            <a:ext cx="1948819" cy="994568"/>
           </a:xfrm>
           <a:prstGeom prst="rect">
             <a:avLst/>
@@ -18494,20 +17941,24 @@
               </a:lnSpc>
             </a:pPr>
             <a:r>
-              <a:rPr lang="zh-CN" altLang="en-US" sz="1200" dirty="0">
-                <a:solidFill>
-                  <a:schemeClr val="tx1">
-                    <a:lumMod val="85000"/>
-                    <a:lumOff val="15000"/>
-                  </a:schemeClr>
-                </a:solidFill>
-                <a:latin typeface="微软雅黑" panose="020B0503020204020204" pitchFamily="34" charset="-122"/>
-                <a:ea typeface="微软雅黑" panose="020B0503020204020204" pitchFamily="34" charset="-122"/>
-                <a:cs typeface="+mn-ea"/>
-                <a:sym typeface="+mn-lt"/>
-              </a:rPr>
-              <a:t>您的内容打在这里，或者通过复制您的文本后，在此框中选择粘贴，并选择只保留文字。</a:t>
-            </a:r>
+              <a:rPr lang="zh-CN" altLang="zh-CN" sz="1200" dirty="0">
+                <a:latin typeface="微软雅黑" panose="020B0503020204020204" pitchFamily="34" charset="-122"/>
+                <a:ea typeface="微软雅黑" panose="020B0503020204020204" pitchFamily="34" charset="-122"/>
+              </a:rPr>
+              <a:t>该模块负责用户发布一个食谱，发布一个动态，并在后续进行修改和删除操作。</a:t>
+            </a:r>
+            <a:endParaRPr lang="zh-CN" altLang="en-US" sz="1200" dirty="0">
+              <a:solidFill>
+                <a:schemeClr val="tx1">
+                  <a:lumMod val="85000"/>
+                  <a:lumOff val="15000"/>
+                </a:schemeClr>
+              </a:solidFill>
+              <a:latin typeface="微软雅黑" panose="020B0503020204020204" pitchFamily="34" charset="-122"/>
+              <a:ea typeface="微软雅黑" panose="020B0503020204020204" pitchFamily="34" charset="-122"/>
+              <a:cs typeface="+mn-ea"/>
+              <a:sym typeface="+mn-lt"/>
+            </a:endParaRPr>
           </a:p>
         </p:txBody>
       </p:sp>
@@ -18540,7 +17991,7 @@
           <a:lstStyle/>
           <a:p>
             <a:r>
-              <a:rPr lang="zh-CN" altLang="en-US" b="1" dirty="0">
+              <a:rPr lang="zh-CN" altLang="en-US" b="1" dirty="0" smtClean="0">
                 <a:solidFill>
                   <a:schemeClr val="tx1">
                     <a:lumMod val="85000"/>
@@ -18552,7 +18003,7 @@
                 <a:cs typeface="+mn-ea"/>
                 <a:sym typeface="+mn-lt"/>
               </a:rPr>
-              <a:t>添加标题</a:t>
+              <a:t>账户管理模块</a:t>
             </a:r>
             <a:endParaRPr lang="en-US" altLang="zh-CN" b="1" dirty="0">
               <a:solidFill>
@@ -18584,7 +18035,7 @@
         <p:spPr>
           <a:xfrm>
             <a:off x="8374383" y="4996764"/>
-            <a:ext cx="2063168" cy="1015663"/>
+            <a:ext cx="2063168" cy="830997"/>
           </a:xfrm>
           <a:prstGeom prst="rect">
             <a:avLst/>
@@ -18597,25 +18048,12 @@
           </a:bodyPr>
           <a:lstStyle/>
           <a:p>
-            <a:pPr>
-              <a:lnSpc>
-                <a:spcPct val="125000"/>
-              </a:lnSpc>
-            </a:pPr>
-            <a:r>
-              <a:rPr lang="zh-CN" altLang="en-US" sz="1200" dirty="0">
-                <a:solidFill>
-                  <a:schemeClr val="tx1">
-                    <a:lumMod val="85000"/>
-                    <a:lumOff val="15000"/>
-                  </a:schemeClr>
-                </a:solidFill>
-                <a:latin typeface="微软雅黑" panose="020B0503020204020204" pitchFamily="34" charset="-122"/>
-                <a:ea typeface="微软雅黑" panose="020B0503020204020204" pitchFamily="34" charset="-122"/>
-                <a:cs typeface="+mn-ea"/>
-                <a:sym typeface="+mn-lt"/>
-              </a:rPr>
-              <a:t>您的内容打在这里，或者通过复制您的文本后，在此框中选择粘贴，并选择只保留文字。</a:t>
+            <a:r>
+              <a:rPr lang="zh-CN" altLang="zh-CN" sz="1200" dirty="0">
+                <a:latin typeface="微软雅黑" panose="020B0503020204020204" pitchFamily="34" charset="-122"/>
+                <a:ea typeface="微软雅黑" panose="020B0503020204020204" pitchFamily="34" charset="-122"/>
+              </a:rPr>
+              <a:t>账户管理模块包括用户权限的管理功能，如基础的注册登录功能，以及修改个人昵称和密码的功能。</a:t>
             </a:r>
           </a:p>
         </p:txBody>
@@ -18634,7 +18072,7 @@
         </p:nvSpPr>
         <p:spPr>
           <a:xfrm>
-            <a:off x="1732322" y="2082398"/>
+            <a:off x="2624250" y="2197247"/>
             <a:ext cx="1794904" cy="369332"/>
           </a:xfrm>
           <a:prstGeom prst="rect">
@@ -18650,7 +18088,7 @@
           <a:p>
             <a:pPr algn="r"/>
             <a:r>
-              <a:rPr lang="zh-CN" altLang="en-US" b="1" dirty="0">
+              <a:rPr lang="zh-CN" altLang="en-US" b="1" dirty="0" smtClean="0">
                 <a:solidFill>
                   <a:schemeClr val="tx1">
                     <a:lumMod val="85000"/>
@@ -18662,7 +18100,7 @@
                 <a:cs typeface="+mn-ea"/>
                 <a:sym typeface="+mn-lt"/>
               </a:rPr>
-              <a:t>添加标题</a:t>
+              <a:t>社交模块</a:t>
             </a:r>
             <a:endParaRPr lang="en-US" altLang="zh-CN" b="1" dirty="0">
               <a:solidFill>
@@ -18693,8 +18131,8 @@
         </p:nvSpPr>
         <p:spPr>
           <a:xfrm>
-            <a:off x="1070601" y="2455601"/>
-            <a:ext cx="1952803" cy="1015663"/>
+            <a:off x="1214126" y="670248"/>
+            <a:ext cx="1952803" cy="2379562"/>
           </a:xfrm>
           <a:prstGeom prst="rect">
             <a:avLst/>
@@ -18713,20 +18151,59 @@
               </a:lnSpc>
             </a:pPr>
             <a:r>
-              <a:rPr lang="zh-CN" altLang="en-US" sz="1200" dirty="0">
-                <a:solidFill>
-                  <a:schemeClr val="tx1">
-                    <a:lumMod val="85000"/>
-                    <a:lumOff val="15000"/>
-                  </a:schemeClr>
-                </a:solidFill>
-                <a:latin typeface="微软雅黑" panose="020B0503020204020204" pitchFamily="34" charset="-122"/>
-                <a:ea typeface="微软雅黑" panose="020B0503020204020204" pitchFamily="34" charset="-122"/>
-                <a:cs typeface="+mn-ea"/>
-                <a:sym typeface="+mn-lt"/>
-              </a:rPr>
-              <a:t>您的内容打在这里，或者通过复制您的文本后，在此框中选择粘贴，并选择只保留文字。</a:t>
-            </a:r>
+              <a:rPr lang="zh-CN" altLang="zh-CN" sz="1200" dirty="0">
+                <a:latin typeface="微软雅黑" panose="020B0503020204020204" pitchFamily="34" charset="-122"/>
+                <a:ea typeface="微软雅黑" panose="020B0503020204020204" pitchFamily="34" charset="-122"/>
+              </a:rPr>
+              <a:t>社交模块包括了用户和其他用户互动的所有功能，例如查看自己或好友的动态，评论好友动态，查看自己的粉丝和关注的用户，关注或取消关注用户，点赞、取消点赞、评论食谱</a:t>
+            </a:r>
+            <a:r>
+              <a:rPr lang="en-US" altLang="zh-CN" sz="1200" dirty="0">
+                <a:latin typeface="微软雅黑" panose="020B0503020204020204" pitchFamily="34" charset="-122"/>
+                <a:ea typeface="微软雅黑" panose="020B0503020204020204" pitchFamily="34" charset="-122"/>
+              </a:rPr>
+              <a:t>/</a:t>
+            </a:r>
+            <a:r>
+              <a:rPr lang="zh-CN" altLang="zh-CN" sz="1200" dirty="0">
+                <a:latin typeface="微软雅黑" panose="020B0503020204020204" pitchFamily="34" charset="-122"/>
+                <a:ea typeface="微软雅黑" panose="020B0503020204020204" pitchFamily="34" charset="-122"/>
+              </a:rPr>
+              <a:t>动态等</a:t>
+            </a:r>
+            <a:r>
+              <a:rPr lang="zh-CN" altLang="zh-CN" sz="1200" dirty="0" smtClean="0">
+                <a:latin typeface="微软雅黑" panose="020B0503020204020204" pitchFamily="34" charset="-122"/>
+                <a:ea typeface="微软雅黑" panose="020B0503020204020204" pitchFamily="34" charset="-122"/>
+              </a:rPr>
+              <a:t>。已</a:t>
+            </a:r>
+            <a:r>
+              <a:rPr lang="zh-CN" altLang="zh-CN" sz="1200" dirty="0">
+                <a:latin typeface="微软雅黑" panose="020B0503020204020204" pitchFamily="34" charset="-122"/>
+                <a:ea typeface="微软雅黑" panose="020B0503020204020204" pitchFamily="34" charset="-122"/>
+              </a:rPr>
+              <a:t>登录的用户可以使用社交模块的功能。</a:t>
+            </a:r>
+          </a:p>
+          <a:p>
+            <a:pPr algn="r">
+              <a:lnSpc>
+                <a:spcPct val="125000"/>
+              </a:lnSpc>
+            </a:pPr>
+            <a:endParaRPr lang="zh-CN" altLang="en-US" sz="1200" dirty="0">
+              <a:solidFill>
+                <a:schemeClr val="tx1">
+                  <a:lumMod val="85000"/>
+                  <a:lumOff val="15000"/>
+                </a:schemeClr>
+              </a:solidFill>
+              <a:latin typeface="微软雅黑" panose="020B0503020204020204" pitchFamily="34" charset="-122"/>
+              <a:ea typeface="微软雅黑" panose="020B0503020204020204" pitchFamily="34" charset="-122"/>
+              <a:cs typeface="+mn-ea"/>
+              <a:sym typeface="+mn-lt"/>
+            </a:endParaRPr>
           </a:p>
         </p:txBody>
       </p:sp>
@@ -18744,8 +18221,8 @@
         </p:nvSpPr>
         <p:spPr>
           <a:xfrm>
-            <a:off x="1668626" y="4627433"/>
-            <a:ext cx="1794904" cy="369332"/>
+            <a:off x="1886925" y="4277294"/>
+            <a:ext cx="2487584" cy="369332"/>
           </a:xfrm>
           <a:prstGeom prst="rect">
             <a:avLst/>
@@ -18760,7 +18237,7 @@
           <a:p>
             <a:pPr algn="r"/>
             <a:r>
-              <a:rPr lang="zh-CN" altLang="en-US" b="1" dirty="0">
+              <a:rPr lang="zh-CN" altLang="en-US" b="1" dirty="0" smtClean="0">
                 <a:solidFill>
                   <a:schemeClr val="tx1">
                     <a:lumMod val="85000"/>
@@ -18772,7 +18249,7 @@
                 <a:cs typeface="+mn-ea"/>
                 <a:sym typeface="+mn-lt"/>
               </a:rPr>
-              <a:t>添加标题</a:t>
+              <a:t>个人收藏发布模块</a:t>
             </a:r>
             <a:endParaRPr lang="en-US" altLang="zh-CN" b="1" dirty="0">
               <a:solidFill>
@@ -18803,8 +18280,8 @@
         </p:nvSpPr>
         <p:spPr>
           <a:xfrm>
-            <a:off x="1748709" y="4996764"/>
-            <a:ext cx="1952803" cy="1015663"/>
+            <a:off x="510556" y="3458971"/>
+            <a:ext cx="1952803" cy="3075586"/>
           </a:xfrm>
           <a:prstGeom prst="rect">
             <a:avLst/>
@@ -18823,20 +18300,164 @@
               </a:lnSpc>
             </a:pPr>
             <a:r>
-              <a:rPr lang="zh-CN" altLang="en-US" sz="1200" dirty="0">
-                <a:solidFill>
-                  <a:schemeClr val="tx1">
-                    <a:lumMod val="85000"/>
-                    <a:lumOff val="15000"/>
-                  </a:schemeClr>
-                </a:solidFill>
-                <a:latin typeface="微软雅黑" panose="020B0503020204020204" pitchFamily="34" charset="-122"/>
-                <a:ea typeface="微软雅黑" panose="020B0503020204020204" pitchFamily="34" charset="-122"/>
-                <a:cs typeface="+mn-ea"/>
-                <a:sym typeface="+mn-lt"/>
-              </a:rPr>
-              <a:t>您的内容打在这里，或者通过复制您的文本后，在此框中选择粘贴，并选择只保留文字。</a:t>
-            </a:r>
+              <a:rPr lang="zh-CN" altLang="zh-CN" sz="1200" dirty="0">
+                <a:latin typeface="微软雅黑" panose="020B0503020204020204" pitchFamily="34" charset="-122"/>
+                <a:ea typeface="微软雅黑" panose="020B0503020204020204" pitchFamily="34" charset="-122"/>
+              </a:rPr>
+              <a:t>个人收藏模块位于导航栏</a:t>
+            </a:r>
+            <a:r>
+              <a:rPr lang="ar-SA" altLang="zh-CN" sz="1200" dirty="0">
+                <a:latin typeface="微软雅黑" panose="020B0503020204020204" pitchFamily="34" charset="-122"/>
+                <a:ea typeface="微软雅黑" panose="020B0503020204020204" pitchFamily="34" charset="-122"/>
+              </a:rPr>
+              <a:t>“</a:t>
+            </a:r>
+            <a:r>
+              <a:rPr lang="zh-CN" altLang="zh-CN" sz="1200" dirty="0">
+                <a:latin typeface="微软雅黑" panose="020B0503020204020204" pitchFamily="34" charset="-122"/>
+                <a:ea typeface="微软雅黑" panose="020B0503020204020204" pitchFamily="34" charset="-122"/>
+              </a:rPr>
+              <a:t>个人</a:t>
+            </a:r>
+            <a:r>
+              <a:rPr lang="ar-SA" altLang="zh-CN" sz="1200" dirty="0">
+                <a:latin typeface="微软雅黑" panose="020B0503020204020204" pitchFamily="34" charset="-122"/>
+                <a:ea typeface="微软雅黑" panose="020B0503020204020204" pitchFamily="34" charset="-122"/>
+              </a:rPr>
+              <a:t>“</a:t>
+            </a:r>
+            <a:r>
+              <a:rPr lang="zh-CN" altLang="zh-CN" sz="1200" dirty="0">
+                <a:latin typeface="微软雅黑" panose="020B0503020204020204" pitchFamily="34" charset="-122"/>
+                <a:ea typeface="微软雅黑" panose="020B0503020204020204" pitchFamily="34" charset="-122"/>
+              </a:rPr>
+              <a:t>下。其中包括收藏列表和已发布列表两部分。此外用户对自己感兴趣的内容进行收藏以便后续可以便捷的查看已收藏内容的功能也包括在此模块。用户可以在浏览一条动态</a:t>
+            </a:r>
+            <a:r>
+              <a:rPr lang="en-US" altLang="zh-CN" sz="1200" dirty="0">
+                <a:latin typeface="微软雅黑" panose="020B0503020204020204" pitchFamily="34" charset="-122"/>
+                <a:ea typeface="微软雅黑" panose="020B0503020204020204" pitchFamily="34" charset="-122"/>
+              </a:rPr>
+              <a:t>(</a:t>
+            </a:r>
+            <a:r>
+              <a:rPr lang="zh-CN" altLang="zh-CN" sz="1200" dirty="0">
+                <a:latin typeface="微软雅黑" panose="020B0503020204020204" pitchFamily="34" charset="-122"/>
+                <a:ea typeface="微软雅黑" panose="020B0503020204020204" pitchFamily="34" charset="-122"/>
+              </a:rPr>
+              <a:t>食谱</a:t>
+            </a:r>
+            <a:r>
+              <a:rPr lang="en-US" altLang="zh-CN" sz="1200" dirty="0">
+                <a:latin typeface="微软雅黑" panose="020B0503020204020204" pitchFamily="34" charset="-122"/>
+                <a:ea typeface="微软雅黑" panose="020B0503020204020204" pitchFamily="34" charset="-122"/>
+              </a:rPr>
+              <a:t>)</a:t>
+            </a:r>
+            <a:r>
+              <a:rPr lang="zh-CN" altLang="zh-CN" sz="1200" dirty="0">
+                <a:latin typeface="微软雅黑" panose="020B0503020204020204" pitchFamily="34" charset="-122"/>
+                <a:ea typeface="微软雅黑" panose="020B0503020204020204" pitchFamily="34" charset="-122"/>
+              </a:rPr>
+              <a:t>时对该动态</a:t>
+            </a:r>
+            <a:r>
+              <a:rPr lang="en-US" altLang="zh-CN" sz="1200" dirty="0">
+                <a:latin typeface="微软雅黑" panose="020B0503020204020204" pitchFamily="34" charset="-122"/>
+                <a:ea typeface="微软雅黑" panose="020B0503020204020204" pitchFamily="34" charset="-122"/>
+              </a:rPr>
+              <a:t>(</a:t>
+            </a:r>
+            <a:r>
+              <a:rPr lang="zh-CN" altLang="zh-CN" sz="1200" dirty="0">
+                <a:latin typeface="微软雅黑" panose="020B0503020204020204" pitchFamily="34" charset="-122"/>
+                <a:ea typeface="微软雅黑" panose="020B0503020204020204" pitchFamily="34" charset="-122"/>
+              </a:rPr>
+              <a:t>食谱</a:t>
+            </a:r>
+            <a:r>
+              <a:rPr lang="en-US" altLang="zh-CN" sz="1200" dirty="0">
+                <a:latin typeface="微软雅黑" panose="020B0503020204020204" pitchFamily="34" charset="-122"/>
+                <a:ea typeface="微软雅黑" panose="020B0503020204020204" pitchFamily="34" charset="-122"/>
+              </a:rPr>
+              <a:t>)</a:t>
+            </a:r>
+            <a:r>
+              <a:rPr lang="zh-CN" altLang="zh-CN" sz="1200" dirty="0">
+                <a:latin typeface="微软雅黑" panose="020B0503020204020204" pitchFamily="34" charset="-122"/>
+                <a:ea typeface="微软雅黑" panose="020B0503020204020204" pitchFamily="34" charset="-122"/>
+              </a:rPr>
+              <a:t>进行收藏，可以浏览自己收藏的动态</a:t>
+            </a:r>
+            <a:r>
+              <a:rPr lang="en-US" altLang="zh-CN" sz="1200" dirty="0">
+                <a:latin typeface="微软雅黑" panose="020B0503020204020204" pitchFamily="34" charset="-122"/>
+                <a:ea typeface="微软雅黑" panose="020B0503020204020204" pitchFamily="34" charset="-122"/>
+              </a:rPr>
+              <a:t>(</a:t>
+            </a:r>
+            <a:r>
+              <a:rPr lang="zh-CN" altLang="zh-CN" sz="1200" dirty="0">
+                <a:latin typeface="微软雅黑" panose="020B0503020204020204" pitchFamily="34" charset="-122"/>
+                <a:ea typeface="微软雅黑" panose="020B0503020204020204" pitchFamily="34" charset="-122"/>
+              </a:rPr>
+              <a:t>食谱</a:t>
+            </a:r>
+            <a:r>
+              <a:rPr lang="en-US" altLang="zh-CN" sz="1200" dirty="0">
+                <a:latin typeface="微软雅黑" panose="020B0503020204020204" pitchFamily="34" charset="-122"/>
+                <a:ea typeface="微软雅黑" panose="020B0503020204020204" pitchFamily="34" charset="-122"/>
+              </a:rPr>
+              <a:t>)</a:t>
+            </a:r>
+            <a:r>
+              <a:rPr lang="zh-CN" altLang="zh-CN" sz="1200" dirty="0">
+                <a:latin typeface="微软雅黑" panose="020B0503020204020204" pitchFamily="34" charset="-122"/>
+                <a:ea typeface="微软雅黑" panose="020B0503020204020204" pitchFamily="34" charset="-122"/>
+              </a:rPr>
+              <a:t>的列表，并对其中某条动态</a:t>
+            </a:r>
+            <a:r>
+              <a:rPr lang="en-US" altLang="zh-CN" sz="1200" dirty="0">
+                <a:latin typeface="微软雅黑" panose="020B0503020204020204" pitchFamily="34" charset="-122"/>
+                <a:ea typeface="微软雅黑" panose="020B0503020204020204" pitchFamily="34" charset="-122"/>
+              </a:rPr>
+              <a:t>(</a:t>
+            </a:r>
+            <a:r>
+              <a:rPr lang="zh-CN" altLang="zh-CN" sz="1200" dirty="0">
+                <a:latin typeface="微软雅黑" panose="020B0503020204020204" pitchFamily="34" charset="-122"/>
+                <a:ea typeface="微软雅黑" panose="020B0503020204020204" pitchFamily="34" charset="-122"/>
+              </a:rPr>
+              <a:t>食谱</a:t>
+            </a:r>
+            <a:r>
+              <a:rPr lang="en-US" altLang="zh-CN" sz="1200" dirty="0">
+                <a:latin typeface="微软雅黑" panose="020B0503020204020204" pitchFamily="34" charset="-122"/>
+                <a:ea typeface="微软雅黑" panose="020B0503020204020204" pitchFamily="34" charset="-122"/>
+              </a:rPr>
+              <a:t>)</a:t>
+            </a:r>
+            <a:r>
+              <a:rPr lang="zh-CN" altLang="zh-CN" sz="1200" dirty="0">
+                <a:latin typeface="微软雅黑" panose="020B0503020204020204" pitchFamily="34" charset="-122"/>
+                <a:ea typeface="微软雅黑" panose="020B0503020204020204" pitchFamily="34" charset="-122"/>
+              </a:rPr>
+              <a:t>取消收藏。</a:t>
+            </a:r>
+            <a:endParaRPr lang="zh-CN" altLang="en-US" sz="1200" dirty="0">
+              <a:solidFill>
+                <a:schemeClr val="tx1">
+                  <a:lumMod val="85000"/>
+                  <a:lumOff val="15000"/>
+                </a:schemeClr>
+              </a:solidFill>
+              <a:latin typeface="微软雅黑" panose="020B0503020204020204" pitchFamily="34" charset="-122"/>
+              <a:ea typeface="微软雅黑" panose="020B0503020204020204" pitchFamily="34" charset="-122"/>
+              <a:cs typeface="+mn-ea"/>
+              <a:sym typeface="+mn-lt"/>
+            </a:endParaRPr>
           </a:p>
         </p:txBody>
       </p:sp>
@@ -19072,7 +18693,7 @@
                 <a:cs typeface="+mn-ea"/>
                 <a:sym typeface="+mn-lt"/>
               </a:rPr>
-              <a:t>W</a:t>
+              <a:t>L</a:t>
             </a:r>
             <a:endParaRPr lang="zh-CN" altLang="en-US" sz="3600" b="1" dirty="0">
               <a:solidFill>
@@ -19100,7 +18721,7 @@
         </p:nvSpPr>
         <p:spPr>
           <a:xfrm>
-            <a:off x="3952596" y="953826"/>
+            <a:off x="5419834" y="513909"/>
             <a:ext cx="1814593" cy="369332"/>
           </a:xfrm>
           <a:prstGeom prst="rect">
@@ -19127,7 +18748,7 @@
                 <a:cs typeface="+mn-ea"/>
                 <a:sym typeface="+mn-lt"/>
               </a:rPr>
-              <a:t>添加标题</a:t>
+              <a:t>浏览模块</a:t>
             </a:r>
             <a:endParaRPr lang="en-US" altLang="zh-CN" b="1" dirty="0">
               <a:solidFill>
@@ -19158,8 +18779,8 @@
         </p:nvSpPr>
         <p:spPr>
           <a:xfrm>
-            <a:off x="6759272" y="897228"/>
-            <a:ext cx="1948819" cy="1015663"/>
+            <a:off x="6878823" y="463960"/>
+            <a:ext cx="1948819" cy="2148730"/>
           </a:xfrm>
           <a:prstGeom prst="rect">
             <a:avLst/>
@@ -19178,20 +18799,24 @@
               </a:lnSpc>
             </a:pPr>
             <a:r>
-              <a:rPr lang="zh-CN" altLang="en-US" sz="1200" dirty="0">
-                <a:solidFill>
-                  <a:schemeClr val="tx1">
-                    <a:lumMod val="85000"/>
-                    <a:lumOff val="15000"/>
-                  </a:schemeClr>
-                </a:solidFill>
-                <a:latin typeface="微软雅黑" panose="020B0503020204020204" pitchFamily="34" charset="-122"/>
-                <a:ea typeface="微软雅黑" panose="020B0503020204020204" pitchFamily="34" charset="-122"/>
-                <a:cs typeface="+mn-ea"/>
-                <a:sym typeface="+mn-lt"/>
-              </a:rPr>
-              <a:t>您的内容打在这里，或者通过复制您的文本后，在此框中选择粘贴，并选择只保留文字。</a:t>
-            </a:r>
+              <a:rPr lang="zh-CN" altLang="zh-CN" sz="1200" dirty="0">
+                <a:latin typeface="微软雅黑" panose="020B0503020204020204" pitchFamily="34" charset="-122"/>
+                <a:ea typeface="微软雅黑" panose="020B0503020204020204" pitchFamily="34" charset="-122"/>
+              </a:rPr>
+              <a:t>浏览模块包括了用户所有可以浏览的内容，包括食谱、动态、评论等。浏览模块的所有功能不需要登录即可使用。点击食谱标题可以查看食谱的详情和食谱评论。未登录用户的浏览动态只能查看所有人的动态。</a:t>
+            </a:r>
+            <a:endParaRPr lang="zh-CN" altLang="en-US" sz="1200" dirty="0">
+              <a:solidFill>
+                <a:schemeClr val="tx1">
+                  <a:lumMod val="85000"/>
+                  <a:lumOff val="15000"/>
+                </a:schemeClr>
+              </a:solidFill>
+              <a:latin typeface="微软雅黑" panose="020B0503020204020204" pitchFamily="34" charset="-122"/>
+              <a:ea typeface="微软雅黑" panose="020B0503020204020204" pitchFamily="34" charset="-122"/>
+              <a:cs typeface="+mn-ea"/>
+              <a:sym typeface="+mn-lt"/>
+            </a:endParaRPr>
           </a:p>
         </p:txBody>
       </p:sp>
@@ -20459,22 +20084,7 @@
                   <a:cs typeface="+mn-ea"/>
                   <a:sym typeface="+mn-lt"/>
                 </a:rPr>
-                <a:t>确立系统设计目标，展示项目的系统架构设计</a:t>
-              </a:r>
-              <a:r>
-                <a:rPr lang="zh-CN" altLang="en-US" sz="1200" dirty="0" smtClean="0">
-                  <a:solidFill>
-                    <a:schemeClr val="tx1">
-                      <a:lumMod val="75000"/>
-                      <a:lumOff val="25000"/>
-                    </a:schemeClr>
-                  </a:solidFill>
-                  <a:latin typeface="微软雅黑" panose="020B0503020204020204" pitchFamily="34" charset="-122"/>
-                  <a:ea typeface="微软雅黑" panose="020B0503020204020204" pitchFamily="34" charset="-122"/>
-                  <a:cs typeface="+mn-ea"/>
-                  <a:sym typeface="+mn-lt"/>
-                </a:rPr>
-                <a:t>，数据库设计，接口设计</a:t>
+                <a:t>确立系统设计目标，展示项目的系统架构设计，数据库设计，接口设计</a:t>
               </a:r>
               <a:endParaRPr lang="zh-CN" altLang="en-US" sz="1200" dirty="0">
                 <a:solidFill>
@@ -20647,7 +20257,7 @@
           <p:spPr>
             <a:xfrm>
               <a:off x="9041287" y="4361151"/>
-              <a:ext cx="1876474" cy="646331"/>
+              <a:ext cx="1876474" cy="613694"/>
             </a:xfrm>
             <a:prstGeom prst="rect">
               <a:avLst/>
@@ -20692,7 +20302,7 @@
                   <a:cs typeface="+mn-ea"/>
                   <a:sym typeface="+mn-lt"/>
                 </a:rPr>
-                <a:t>梳理</a:t>
+                <a:t>梳理项目的各个模块，</a:t>
               </a:r>
               <a:r>
                 <a:rPr lang="zh-CN" altLang="en-US" sz="1200" dirty="0" smtClean="0">
@@ -20707,7 +20317,22 @@
                   <a:cs typeface="+mn-ea"/>
                   <a:sym typeface="+mn-lt"/>
                 </a:rPr>
-                <a:t>项目的各个模块，并用文字的形式详细描述</a:t>
+                <a:t>并详细</a:t>
+              </a:r>
+              <a:r>
+                <a:rPr lang="zh-CN" altLang="en-US" sz="1200" dirty="0" smtClean="0">
+                  <a:solidFill>
+                    <a:schemeClr val="tx1">
+                      <a:lumMod val="75000"/>
+                      <a:lumOff val="25000"/>
+                    </a:schemeClr>
+                  </a:solidFill>
+                  <a:latin typeface="微软雅黑" panose="020B0503020204020204" pitchFamily="34" charset="-122"/>
+                  <a:ea typeface="微软雅黑" panose="020B0503020204020204" pitchFamily="34" charset="-122"/>
+                  <a:cs typeface="+mn-ea"/>
+                  <a:sym typeface="+mn-lt"/>
+                </a:rPr>
+                <a:t>描述</a:t>
               </a:r>
               <a:endParaRPr lang="zh-CN" altLang="en-US" sz="1200" dirty="0">
                 <a:solidFill>
@@ -28980,33 +28605,6 @@
           </a:p>
         </p:txBody>
       </p:sp>
-      <p:pic>
-        <p:nvPicPr>
-          <p:cNvPr id="9" name="officeArt object"/>
-          <p:cNvPicPr/>
-          <p:nvPr/>
-        </p:nvPicPr>
-        <p:blipFill>
-          <a:blip r:embed="rId3"/>
-          <a:stretch>
-            <a:fillRect/>
-          </a:stretch>
-        </p:blipFill>
-        <p:spPr>
-          <a:xfrm>
-            <a:off x="-3" y="1352549"/>
-            <a:ext cx="7455879" cy="4731727"/>
-          </a:xfrm>
-          <a:prstGeom prst="rect">
-            <a:avLst/>
-          </a:prstGeom>
-          <a:ln w="12700" cap="flat">
-            <a:noFill/>
-            <a:miter lim="400000"/>
-          </a:ln>
-          <a:effectLst/>
-        </p:spPr>
-      </p:pic>
       <p:sp>
         <p:nvSpPr>
           <p:cNvPr id="11" name="任意多边形: 形状 1">
@@ -29193,30 +28791,6 @@
       </p:sp>
       <p:pic>
         <p:nvPicPr>
-          <p:cNvPr id="2" name="图片 1"/>
-          <p:cNvPicPr>
-            <a:picLocks noChangeAspect="1"/>
-          </p:cNvPicPr>
-          <p:nvPr/>
-        </p:nvPicPr>
-        <p:blipFill>
-          <a:blip r:embed="rId4"/>
-          <a:stretch>
-            <a:fillRect/>
-          </a:stretch>
-        </p:blipFill>
-        <p:spPr>
-          <a:xfrm>
-            <a:off x="7911170" y="1185218"/>
-            <a:ext cx="4793309" cy="2738058"/>
-          </a:xfrm>
-          <a:prstGeom prst="rect">
-            <a:avLst/>
-          </a:prstGeom>
-        </p:spPr>
-      </p:pic>
-      <p:pic>
-        <p:nvPicPr>
           <p:cNvPr id="3" name="图片 2"/>
           <p:cNvPicPr>
             <a:picLocks noChangeAspect="1"/>
@@ -29224,14 +28798,14 @@
           <p:nvPr/>
         </p:nvPicPr>
         <p:blipFill>
-          <a:blip r:embed="rId5"/>
+          <a:blip r:embed="rId3"/>
           <a:stretch>
             <a:fillRect/>
           </a:stretch>
         </p:blipFill>
         <p:spPr>
           <a:xfrm>
-            <a:off x="7493535" y="2279768"/>
+            <a:off x="7512322" y="813581"/>
             <a:ext cx="4679678" cy="2899150"/>
           </a:xfrm>
           <a:prstGeom prst="rect">
@@ -29248,6 +28822,59 @@
           <p:nvPr/>
         </p:nvPicPr>
         <p:blipFill>
+          <a:blip r:embed="rId4"/>
+          <a:stretch>
+            <a:fillRect/>
+          </a:stretch>
+        </p:blipFill>
+        <p:spPr>
+          <a:xfrm>
+            <a:off x="7124307" y="1491252"/>
+            <a:ext cx="4886791" cy="2744068"/>
+          </a:xfrm>
+          <a:prstGeom prst="rect">
+            <a:avLst/>
+          </a:prstGeom>
+        </p:spPr>
+      </p:pic>
+      <p:pic>
+        <p:nvPicPr>
+          <p:cNvPr id="14" name="officeArt object"/>
+          <p:cNvPicPr/>
+          <p:nvPr/>
+        </p:nvPicPr>
+        <p:blipFill>
+          <a:blip r:embed="rId5">
+            <a:extLst/>
+          </a:blip>
+          <a:stretch>
+            <a:fillRect/>
+          </a:stretch>
+        </p:blipFill>
+        <p:spPr>
+          <a:xfrm>
+            <a:off x="-3" y="1429828"/>
+            <a:ext cx="6962271" cy="4780471"/>
+          </a:xfrm>
+          <a:prstGeom prst="rect">
+            <a:avLst/>
+          </a:prstGeom>
+          <a:ln w="12700" cap="flat">
+            <a:noFill/>
+            <a:miter lim="400000"/>
+          </a:ln>
+          <a:effectLst/>
+        </p:spPr>
+      </p:pic>
+      <p:pic>
+        <p:nvPicPr>
+          <p:cNvPr id="2" name="图片 1"/>
+          <p:cNvPicPr>
+            <a:picLocks noChangeAspect="1"/>
+          </p:cNvPicPr>
+          <p:nvPr/>
+        </p:nvPicPr>
+        <p:blipFill>
           <a:blip r:embed="rId6"/>
           <a:stretch>
             <a:fillRect/>
@@ -29255,8 +28882,8 @@
         </p:blipFill>
         <p:spPr>
           <a:xfrm>
-            <a:off x="6997971" y="3755944"/>
-            <a:ext cx="4886791" cy="2744068"/>
+            <a:off x="6746866" y="2604997"/>
+            <a:ext cx="4793309" cy="2738058"/>
           </a:xfrm>
           <a:prstGeom prst="rect">
             <a:avLst/>

--- a/document/美食拍中期汇报.pptx
+++ b/document/美食拍中期汇报.pptx
@@ -278,38 +278,37 @@
           <a:p>
             <a:pPr lvl="0"/>
             <a:r>
-              <a:rPr lang="zh-CN" altLang="en-US" smtClean="0"/>
+              <a:rPr lang="zh-CN" altLang="en-US"/>
               <a:t>编辑母版文本样式</a:t>
             </a:r>
           </a:p>
           <a:p>
             <a:pPr lvl="1"/>
             <a:r>
-              <a:rPr lang="zh-CN" altLang="en-US" smtClean="0"/>
+              <a:rPr lang="zh-CN" altLang="en-US"/>
               <a:t>第二级</a:t>
             </a:r>
           </a:p>
           <a:p>
             <a:pPr lvl="2"/>
             <a:r>
-              <a:rPr lang="zh-CN" altLang="en-US" smtClean="0"/>
+              <a:rPr lang="zh-CN" altLang="en-US"/>
               <a:t>第三级</a:t>
             </a:r>
           </a:p>
           <a:p>
             <a:pPr lvl="3"/>
             <a:r>
-              <a:rPr lang="zh-CN" altLang="en-US" smtClean="0"/>
+              <a:rPr lang="zh-CN" altLang="en-US"/>
               <a:t>第四级</a:t>
             </a:r>
           </a:p>
           <a:p>
             <a:pPr lvl="4"/>
             <a:r>
-              <a:rPr lang="zh-CN" altLang="en-US" smtClean="0"/>
+              <a:rPr lang="zh-CN" altLang="en-US"/>
               <a:t>第五级</a:t>
             </a:r>
-            <a:endParaRPr lang="zh-CN" altLang="en-US"/>
           </a:p>
         </p:txBody>
       </p:sp>
@@ -2036,10 +2035,9 @@
           </a:lstStyle>
           <a:p>
             <a:r>
-              <a:rPr lang="zh-CN" altLang="en-US" smtClean="0"/>
+              <a:rPr lang="zh-CN" altLang="en-US"/>
               <a:t>单击此处编辑母版标题样式</a:t>
             </a:r>
-            <a:endParaRPr lang="zh-CN" altLang="en-US"/>
           </a:p>
         </p:txBody>
       </p:sp>
@@ -2101,10 +2099,9 @@
           </a:lstStyle>
           <a:p>
             <a:r>
-              <a:rPr lang="zh-CN" altLang="en-US" smtClean="0"/>
+              <a:rPr lang="zh-CN" altLang="en-US"/>
               <a:t>单击以编辑母版副标题样式</a:t>
             </a:r>
-            <a:endParaRPr lang="zh-CN" altLang="en-US"/>
           </a:p>
         </p:txBody>
       </p:sp>
@@ -2219,10 +2216,9 @@
           <a:lstStyle/>
           <a:p>
             <a:r>
-              <a:rPr lang="zh-CN" altLang="en-US" smtClean="0"/>
+              <a:rPr lang="zh-CN" altLang="en-US"/>
               <a:t>单击此处编辑母版标题样式</a:t>
             </a:r>
-            <a:endParaRPr lang="zh-CN" altLang="en-US"/>
           </a:p>
         </p:txBody>
       </p:sp>
@@ -2243,38 +2239,37 @@
           <a:p>
             <a:pPr lvl="0"/>
             <a:r>
-              <a:rPr lang="zh-CN" altLang="en-US" smtClean="0"/>
+              <a:rPr lang="zh-CN" altLang="en-US"/>
               <a:t>编辑母版文本样式</a:t>
             </a:r>
           </a:p>
           <a:p>
             <a:pPr lvl="1"/>
             <a:r>
-              <a:rPr lang="zh-CN" altLang="en-US" smtClean="0"/>
+              <a:rPr lang="zh-CN" altLang="en-US"/>
               <a:t>第二级</a:t>
             </a:r>
           </a:p>
           <a:p>
             <a:pPr lvl="2"/>
             <a:r>
-              <a:rPr lang="zh-CN" altLang="en-US" smtClean="0"/>
+              <a:rPr lang="zh-CN" altLang="en-US"/>
               <a:t>第三级</a:t>
             </a:r>
           </a:p>
           <a:p>
             <a:pPr lvl="3"/>
             <a:r>
-              <a:rPr lang="zh-CN" altLang="en-US" smtClean="0"/>
+              <a:rPr lang="zh-CN" altLang="en-US"/>
               <a:t>第四级</a:t>
             </a:r>
           </a:p>
           <a:p>
             <a:pPr lvl="4"/>
             <a:r>
-              <a:rPr lang="zh-CN" altLang="en-US" smtClean="0"/>
+              <a:rPr lang="zh-CN" altLang="en-US"/>
               <a:t>第五级</a:t>
             </a:r>
-            <a:endParaRPr lang="zh-CN" altLang="en-US"/>
           </a:p>
         </p:txBody>
       </p:sp>
@@ -2394,10 +2389,9 @@
           <a:lstStyle/>
           <a:p>
             <a:r>
-              <a:rPr lang="zh-CN" altLang="en-US" smtClean="0"/>
+              <a:rPr lang="zh-CN" altLang="en-US"/>
               <a:t>单击此处编辑母版标题样式</a:t>
             </a:r>
-            <a:endParaRPr lang="zh-CN" altLang="en-US"/>
           </a:p>
         </p:txBody>
       </p:sp>
@@ -2423,38 +2417,37 @@
           <a:p>
             <a:pPr lvl="0"/>
             <a:r>
-              <a:rPr lang="zh-CN" altLang="en-US" smtClean="0"/>
+              <a:rPr lang="zh-CN" altLang="en-US"/>
               <a:t>编辑母版文本样式</a:t>
             </a:r>
           </a:p>
           <a:p>
             <a:pPr lvl="1"/>
             <a:r>
-              <a:rPr lang="zh-CN" altLang="en-US" smtClean="0"/>
+              <a:rPr lang="zh-CN" altLang="en-US"/>
               <a:t>第二级</a:t>
             </a:r>
           </a:p>
           <a:p>
             <a:pPr lvl="2"/>
             <a:r>
-              <a:rPr lang="zh-CN" altLang="en-US" smtClean="0"/>
+              <a:rPr lang="zh-CN" altLang="en-US"/>
               <a:t>第三级</a:t>
             </a:r>
           </a:p>
           <a:p>
             <a:pPr lvl="3"/>
             <a:r>
-              <a:rPr lang="zh-CN" altLang="en-US" smtClean="0"/>
+              <a:rPr lang="zh-CN" altLang="en-US"/>
               <a:t>第四级</a:t>
             </a:r>
           </a:p>
           <a:p>
             <a:pPr lvl="4"/>
             <a:r>
-              <a:rPr lang="zh-CN" altLang="en-US" smtClean="0"/>
+              <a:rPr lang="zh-CN" altLang="en-US"/>
               <a:t>第五级</a:t>
             </a:r>
-            <a:endParaRPr lang="zh-CN" altLang="en-US"/>
           </a:p>
         </p:txBody>
       </p:sp>
@@ -2817,10 +2810,9 @@
           <a:lstStyle/>
           <a:p>
             <a:r>
-              <a:rPr lang="zh-CN" altLang="en-US" smtClean="0"/>
+              <a:rPr lang="zh-CN" altLang="en-US"/>
               <a:t>单击此处编辑母版标题样式</a:t>
             </a:r>
-            <a:endParaRPr lang="zh-CN" altLang="en-US"/>
           </a:p>
         </p:txBody>
       </p:sp>
@@ -2841,38 +2833,37 @@
           <a:p>
             <a:pPr lvl="0"/>
             <a:r>
-              <a:rPr lang="zh-CN" altLang="en-US" smtClean="0"/>
+              <a:rPr lang="zh-CN" altLang="en-US"/>
               <a:t>编辑母版文本样式</a:t>
             </a:r>
           </a:p>
           <a:p>
             <a:pPr lvl="1"/>
             <a:r>
-              <a:rPr lang="zh-CN" altLang="en-US" smtClean="0"/>
+              <a:rPr lang="zh-CN" altLang="en-US"/>
               <a:t>第二级</a:t>
             </a:r>
           </a:p>
           <a:p>
             <a:pPr lvl="2"/>
             <a:r>
-              <a:rPr lang="zh-CN" altLang="en-US" smtClean="0"/>
+              <a:rPr lang="zh-CN" altLang="en-US"/>
               <a:t>第三级</a:t>
             </a:r>
           </a:p>
           <a:p>
             <a:pPr lvl="3"/>
             <a:r>
-              <a:rPr lang="zh-CN" altLang="en-US" smtClean="0"/>
+              <a:rPr lang="zh-CN" altLang="en-US"/>
               <a:t>第四级</a:t>
             </a:r>
           </a:p>
           <a:p>
             <a:pPr lvl="4"/>
             <a:r>
-              <a:rPr lang="zh-CN" altLang="en-US" smtClean="0"/>
+              <a:rPr lang="zh-CN" altLang="en-US"/>
               <a:t>第五级</a:t>
             </a:r>
-            <a:endParaRPr lang="zh-CN" altLang="en-US"/>
           </a:p>
         </p:txBody>
       </p:sp>
@@ -3027,10 +3018,9 @@
           </a:lstStyle>
           <a:p>
             <a:r>
-              <a:rPr lang="zh-CN" altLang="en-US" smtClean="0"/>
+              <a:rPr lang="zh-CN" altLang="en-US"/>
               <a:t>单击此处编辑母版标题样式</a:t>
             </a:r>
-            <a:endParaRPr lang="zh-CN" altLang="en-US"/>
           </a:p>
         </p:txBody>
       </p:sp>
@@ -3147,7 +3137,7 @@
           <a:p>
             <a:pPr lvl="0"/>
             <a:r>
-              <a:rPr lang="zh-CN" altLang="en-US" smtClean="0"/>
+              <a:rPr lang="zh-CN" altLang="en-US"/>
               <a:t>编辑母版文本样式</a:t>
             </a:r>
           </a:p>
@@ -3264,10 +3254,9 @@
           <a:lstStyle/>
           <a:p>
             <a:r>
-              <a:rPr lang="zh-CN" altLang="en-US" smtClean="0"/>
+              <a:rPr lang="zh-CN" altLang="en-US"/>
               <a:t>单击此处编辑母版标题样式</a:t>
             </a:r>
-            <a:endParaRPr lang="zh-CN" altLang="en-US"/>
           </a:p>
         </p:txBody>
       </p:sp>
@@ -3293,38 +3282,37 @@
           <a:p>
             <a:pPr lvl="0"/>
             <a:r>
-              <a:rPr lang="zh-CN" altLang="en-US" smtClean="0"/>
+              <a:rPr lang="zh-CN" altLang="en-US"/>
               <a:t>编辑母版文本样式</a:t>
             </a:r>
           </a:p>
           <a:p>
             <a:pPr lvl="1"/>
             <a:r>
-              <a:rPr lang="zh-CN" altLang="en-US" smtClean="0"/>
+              <a:rPr lang="zh-CN" altLang="en-US"/>
               <a:t>第二级</a:t>
             </a:r>
           </a:p>
           <a:p>
             <a:pPr lvl="2"/>
             <a:r>
-              <a:rPr lang="zh-CN" altLang="en-US" smtClean="0"/>
+              <a:rPr lang="zh-CN" altLang="en-US"/>
               <a:t>第三级</a:t>
             </a:r>
           </a:p>
           <a:p>
             <a:pPr lvl="3"/>
             <a:r>
-              <a:rPr lang="zh-CN" altLang="en-US" smtClean="0"/>
+              <a:rPr lang="zh-CN" altLang="en-US"/>
               <a:t>第四级</a:t>
             </a:r>
           </a:p>
           <a:p>
             <a:pPr lvl="4"/>
             <a:r>
-              <a:rPr lang="zh-CN" altLang="en-US" smtClean="0"/>
+              <a:rPr lang="zh-CN" altLang="en-US"/>
               <a:t>第五级</a:t>
             </a:r>
-            <a:endParaRPr lang="zh-CN" altLang="en-US"/>
           </a:p>
         </p:txBody>
       </p:sp>
@@ -3350,38 +3338,37 @@
           <a:p>
             <a:pPr lvl="0"/>
             <a:r>
-              <a:rPr lang="zh-CN" altLang="en-US" smtClean="0"/>
+              <a:rPr lang="zh-CN" altLang="en-US"/>
               <a:t>编辑母版文本样式</a:t>
             </a:r>
           </a:p>
           <a:p>
             <a:pPr lvl="1"/>
             <a:r>
-              <a:rPr lang="zh-CN" altLang="en-US" smtClean="0"/>
+              <a:rPr lang="zh-CN" altLang="en-US"/>
               <a:t>第二级</a:t>
             </a:r>
           </a:p>
           <a:p>
             <a:pPr lvl="2"/>
             <a:r>
-              <a:rPr lang="zh-CN" altLang="en-US" smtClean="0"/>
+              <a:rPr lang="zh-CN" altLang="en-US"/>
               <a:t>第三级</a:t>
             </a:r>
           </a:p>
           <a:p>
             <a:pPr lvl="3"/>
             <a:r>
-              <a:rPr lang="zh-CN" altLang="en-US" smtClean="0"/>
+              <a:rPr lang="zh-CN" altLang="en-US"/>
               <a:t>第四级</a:t>
             </a:r>
           </a:p>
           <a:p>
             <a:pPr lvl="4"/>
             <a:r>
-              <a:rPr lang="zh-CN" altLang="en-US" smtClean="0"/>
+              <a:rPr lang="zh-CN" altLang="en-US"/>
               <a:t>第五级</a:t>
             </a:r>
-            <a:endParaRPr lang="zh-CN" altLang="en-US"/>
           </a:p>
         </p:txBody>
       </p:sp>
@@ -3501,10 +3488,9 @@
           <a:lstStyle/>
           <a:p>
             <a:r>
-              <a:rPr lang="zh-CN" altLang="en-US" smtClean="0"/>
+              <a:rPr lang="zh-CN" altLang="en-US"/>
               <a:t>单击此处编辑母版标题样式</a:t>
             </a:r>
-            <a:endParaRPr lang="zh-CN" altLang="en-US"/>
           </a:p>
         </p:txBody>
       </p:sp>
@@ -3567,7 +3553,7 @@
           <a:p>
             <a:pPr lvl="0"/>
             <a:r>
-              <a:rPr lang="zh-CN" altLang="en-US" smtClean="0"/>
+              <a:rPr lang="zh-CN" altLang="en-US"/>
               <a:t>编辑母版文本样式</a:t>
             </a:r>
           </a:p>
@@ -3595,38 +3581,37 @@
           <a:p>
             <a:pPr lvl="0"/>
             <a:r>
-              <a:rPr lang="zh-CN" altLang="en-US" smtClean="0"/>
+              <a:rPr lang="zh-CN" altLang="en-US"/>
               <a:t>编辑母版文本样式</a:t>
             </a:r>
           </a:p>
           <a:p>
             <a:pPr lvl="1"/>
             <a:r>
-              <a:rPr lang="zh-CN" altLang="en-US" smtClean="0"/>
+              <a:rPr lang="zh-CN" altLang="en-US"/>
               <a:t>第二级</a:t>
             </a:r>
           </a:p>
           <a:p>
             <a:pPr lvl="2"/>
             <a:r>
-              <a:rPr lang="zh-CN" altLang="en-US" smtClean="0"/>
+              <a:rPr lang="zh-CN" altLang="en-US"/>
               <a:t>第三级</a:t>
             </a:r>
           </a:p>
           <a:p>
             <a:pPr lvl="3"/>
             <a:r>
-              <a:rPr lang="zh-CN" altLang="en-US" smtClean="0"/>
+              <a:rPr lang="zh-CN" altLang="en-US"/>
               <a:t>第四级</a:t>
             </a:r>
           </a:p>
           <a:p>
             <a:pPr lvl="4"/>
             <a:r>
-              <a:rPr lang="zh-CN" altLang="en-US" smtClean="0"/>
+              <a:rPr lang="zh-CN" altLang="en-US"/>
               <a:t>第五级</a:t>
             </a:r>
-            <a:endParaRPr lang="zh-CN" altLang="en-US"/>
           </a:p>
         </p:txBody>
       </p:sp>
@@ -3689,7 +3674,7 @@
           <a:p>
             <a:pPr lvl="0"/>
             <a:r>
-              <a:rPr lang="zh-CN" altLang="en-US" smtClean="0"/>
+              <a:rPr lang="zh-CN" altLang="en-US"/>
               <a:t>编辑母版文本样式</a:t>
             </a:r>
           </a:p>
@@ -3717,38 +3702,37 @@
           <a:p>
             <a:pPr lvl="0"/>
             <a:r>
-              <a:rPr lang="zh-CN" altLang="en-US" smtClean="0"/>
+              <a:rPr lang="zh-CN" altLang="en-US"/>
               <a:t>编辑母版文本样式</a:t>
             </a:r>
           </a:p>
           <a:p>
             <a:pPr lvl="1"/>
             <a:r>
-              <a:rPr lang="zh-CN" altLang="en-US" smtClean="0"/>
+              <a:rPr lang="zh-CN" altLang="en-US"/>
               <a:t>第二级</a:t>
             </a:r>
           </a:p>
           <a:p>
             <a:pPr lvl="2"/>
             <a:r>
-              <a:rPr lang="zh-CN" altLang="en-US" smtClean="0"/>
+              <a:rPr lang="zh-CN" altLang="en-US"/>
               <a:t>第三级</a:t>
             </a:r>
           </a:p>
           <a:p>
             <a:pPr lvl="3"/>
             <a:r>
-              <a:rPr lang="zh-CN" altLang="en-US" smtClean="0"/>
+              <a:rPr lang="zh-CN" altLang="en-US"/>
               <a:t>第四级</a:t>
             </a:r>
           </a:p>
           <a:p>
             <a:pPr lvl="4"/>
             <a:r>
-              <a:rPr lang="zh-CN" altLang="en-US" smtClean="0"/>
+              <a:rPr lang="zh-CN" altLang="en-US"/>
               <a:t>第五级</a:t>
             </a:r>
-            <a:endParaRPr lang="zh-CN" altLang="en-US"/>
           </a:p>
         </p:txBody>
       </p:sp>
@@ -3863,10 +3847,9 @@
           <a:lstStyle/>
           <a:p>
             <a:r>
-              <a:rPr lang="zh-CN" altLang="en-US" smtClean="0"/>
+              <a:rPr lang="zh-CN" altLang="en-US"/>
               <a:t>单击此处编辑母版标题样式</a:t>
             </a:r>
-            <a:endParaRPr lang="zh-CN" altLang="en-US"/>
           </a:p>
         </p:txBody>
       </p:sp>
@@ -4085,10 +4068,9 @@
           </a:lstStyle>
           <a:p>
             <a:r>
-              <a:rPr lang="zh-CN" altLang="en-US" smtClean="0"/>
+              <a:rPr lang="zh-CN" altLang="en-US"/>
               <a:t>单击此处编辑母版标题样式</a:t>
             </a:r>
-            <a:endParaRPr lang="zh-CN" altLang="en-US"/>
           </a:p>
         </p:txBody>
       </p:sp>
@@ -4142,38 +4124,37 @@
           <a:p>
             <a:pPr lvl="0"/>
             <a:r>
-              <a:rPr lang="zh-CN" altLang="en-US" smtClean="0"/>
+              <a:rPr lang="zh-CN" altLang="en-US"/>
               <a:t>编辑母版文本样式</a:t>
             </a:r>
           </a:p>
           <a:p>
             <a:pPr lvl="1"/>
             <a:r>
-              <a:rPr lang="zh-CN" altLang="en-US" smtClean="0"/>
+              <a:rPr lang="zh-CN" altLang="en-US"/>
               <a:t>第二级</a:t>
             </a:r>
           </a:p>
           <a:p>
             <a:pPr lvl="2"/>
             <a:r>
-              <a:rPr lang="zh-CN" altLang="en-US" smtClean="0"/>
+              <a:rPr lang="zh-CN" altLang="en-US"/>
               <a:t>第三级</a:t>
             </a:r>
           </a:p>
           <a:p>
             <a:pPr lvl="3"/>
             <a:r>
-              <a:rPr lang="zh-CN" altLang="en-US" smtClean="0"/>
+              <a:rPr lang="zh-CN" altLang="en-US"/>
               <a:t>第四级</a:t>
             </a:r>
           </a:p>
           <a:p>
             <a:pPr lvl="4"/>
             <a:r>
-              <a:rPr lang="zh-CN" altLang="en-US" smtClean="0"/>
+              <a:rPr lang="zh-CN" altLang="en-US"/>
               <a:t>第五级</a:t>
             </a:r>
-            <a:endParaRPr lang="zh-CN" altLang="en-US"/>
           </a:p>
         </p:txBody>
       </p:sp>
@@ -4236,7 +4217,7 @@
           <a:p>
             <a:pPr lvl="0"/>
             <a:r>
-              <a:rPr lang="zh-CN" altLang="en-US" smtClean="0"/>
+              <a:rPr lang="zh-CN" altLang="en-US"/>
               <a:t>编辑母版文本样式</a:t>
             </a:r>
           </a:p>
@@ -4362,10 +4343,9 @@
           </a:lstStyle>
           <a:p>
             <a:r>
-              <a:rPr lang="zh-CN" altLang="en-US" smtClean="0"/>
+              <a:rPr lang="zh-CN" altLang="en-US"/>
               <a:t>单击此处编辑母版标题样式</a:t>
             </a:r>
-            <a:endParaRPr lang="zh-CN" altLang="en-US"/>
           </a:p>
         </p:txBody>
       </p:sp>
@@ -4489,7 +4469,7 @@
           <a:p>
             <a:pPr lvl="0"/>
             <a:r>
-              <a:rPr lang="zh-CN" altLang="en-US" smtClean="0"/>
+              <a:rPr lang="zh-CN" altLang="en-US"/>
               <a:t>编辑母版文本样式</a:t>
             </a:r>
           </a:p>
@@ -4621,10 +4601,9 @@
           <a:lstStyle/>
           <a:p>
             <a:r>
-              <a:rPr lang="zh-CN" altLang="en-US" smtClean="0"/>
+              <a:rPr lang="zh-CN" altLang="en-US"/>
               <a:t>单击此处编辑母版标题样式</a:t>
             </a:r>
-            <a:endParaRPr lang="zh-CN" altLang="en-US"/>
           </a:p>
         </p:txBody>
       </p:sp>
@@ -4655,38 +4634,37 @@
           <a:p>
             <a:pPr lvl="0"/>
             <a:r>
-              <a:rPr lang="zh-CN" altLang="en-US" smtClean="0"/>
+              <a:rPr lang="zh-CN" altLang="en-US"/>
               <a:t>编辑母版文本样式</a:t>
             </a:r>
           </a:p>
           <a:p>
             <a:pPr lvl="1"/>
             <a:r>
-              <a:rPr lang="zh-CN" altLang="en-US" smtClean="0"/>
+              <a:rPr lang="zh-CN" altLang="en-US"/>
               <a:t>第二级</a:t>
             </a:r>
           </a:p>
           <a:p>
             <a:pPr lvl="2"/>
             <a:r>
-              <a:rPr lang="zh-CN" altLang="en-US" smtClean="0"/>
+              <a:rPr lang="zh-CN" altLang="en-US"/>
               <a:t>第三级</a:t>
             </a:r>
           </a:p>
           <a:p>
             <a:pPr lvl="3"/>
             <a:r>
-              <a:rPr lang="zh-CN" altLang="en-US" smtClean="0"/>
+              <a:rPr lang="zh-CN" altLang="en-US"/>
               <a:t>第四级</a:t>
             </a:r>
           </a:p>
           <a:p>
             <a:pPr lvl="4"/>
             <a:r>
-              <a:rPr lang="zh-CN" altLang="en-US" smtClean="0"/>
+              <a:rPr lang="zh-CN" altLang="en-US"/>
               <a:t>第五级</a:t>
             </a:r>
-            <a:endParaRPr lang="zh-CN" altLang="en-US"/>
           </a:p>
         </p:txBody>
       </p:sp>
@@ -5457,7 +5435,7 @@
               </a:lnSpc>
             </a:pPr>
             <a:r>
-              <a:rPr lang="zh-CN" altLang="en-US" sz="5400" b="1" dirty="0" smtClean="0">
+              <a:rPr lang="zh-CN" altLang="en-US" sz="5400" b="1" dirty="0">
                 <a:solidFill>
                   <a:schemeClr val="bg1"/>
                 </a:solidFill>
@@ -5468,15 +5446,6 @@
               </a:rPr>
               <a:t>专业方向综合项目</a:t>
             </a:r>
-            <a:endParaRPr lang="zh-CN" altLang="en-US" sz="5400" b="1" dirty="0">
-              <a:solidFill>
-                <a:schemeClr val="bg1"/>
-              </a:solidFill>
-              <a:latin typeface="微软雅黑" panose="020B0503020204020204" pitchFamily="34" charset="-122"/>
-              <a:ea typeface="微软雅黑" panose="020B0503020204020204" pitchFamily="34" charset="-122"/>
-              <a:cs typeface="+mn-ea"/>
-              <a:sym typeface="+mn-lt"/>
-            </a:endParaRPr>
           </a:p>
         </p:txBody>
       </p:sp>
@@ -5503,7 +5472,7 @@
           <a:lstStyle/>
           <a:p>
             <a:r>
-              <a:rPr lang="zh-CN" altLang="en-US" sz="2000" b="1" dirty="0" smtClean="0">
+              <a:rPr lang="zh-CN" altLang="en-US" sz="2000" b="1" dirty="0">
                 <a:solidFill>
                   <a:schemeClr val="bg1"/>
                 </a:solidFill>
@@ -5515,7 +5484,7 @@
               <a:t>美食拍</a:t>
             </a:r>
             <a:r>
-              <a:rPr lang="en-US" altLang="zh-CN" sz="2000" b="1" dirty="0" smtClean="0">
+              <a:rPr lang="en-US" altLang="zh-CN" sz="2000" b="1" dirty="0">
                 <a:solidFill>
                   <a:schemeClr val="bg1"/>
                 </a:solidFill>
@@ -5527,7 +5496,7 @@
               <a:t>—</a:t>
             </a:r>
             <a:r>
-              <a:rPr lang="zh-CN" altLang="en-US" sz="2000" b="1" dirty="0" smtClean="0">
+              <a:rPr lang="zh-CN" altLang="en-US" sz="2000" b="1" dirty="0">
                 <a:solidFill>
                   <a:schemeClr val="bg1"/>
                 </a:solidFill>
@@ -5538,15 +5507,6 @@
               </a:rPr>
               <a:t>项目中期汇报</a:t>
             </a:r>
-            <a:endParaRPr lang="zh-CN" altLang="en-US" sz="2000" b="1" dirty="0">
-              <a:solidFill>
-                <a:schemeClr val="bg1"/>
-              </a:solidFill>
-              <a:latin typeface="微软雅黑" panose="020B0503020204020204" pitchFamily="34" charset="-122"/>
-              <a:ea typeface="微软雅黑" panose="020B0503020204020204" pitchFamily="34" charset="-122"/>
-              <a:cs typeface="+mn-ea"/>
-              <a:sym typeface="+mn-lt"/>
-            </a:endParaRPr>
           </a:p>
         </p:txBody>
       </p:sp>
@@ -6426,16 +6386,12 @@
           </a:lstStyle>
           <a:p>
             <a:r>
-              <a:rPr lang="zh-CN" altLang="en-US" sz="2400" dirty="0" smtClean="0">
+              <a:rPr lang="zh-CN" altLang="en-US" sz="2400" dirty="0">
                 <a:cs typeface="+mn-ea"/>
                 <a:sym typeface="+mn-lt"/>
               </a:rPr>
               <a:t>活动图</a:t>
             </a:r>
-            <a:endParaRPr lang="zh-CN" altLang="en-US" sz="2400" dirty="0">
-              <a:cs typeface="+mn-ea"/>
-              <a:sym typeface="+mn-lt"/>
-            </a:endParaRPr>
           </a:p>
         </p:txBody>
       </p:sp>
@@ -6467,7 +6423,7 @@
           <a:lstStyle/>
           <a:p>
             <a:r>
-              <a:rPr lang="zh-CN" altLang="en-US" b="1" dirty="0" smtClean="0">
+              <a:rPr lang="zh-CN" altLang="en-US" b="1" dirty="0">
                 <a:solidFill>
                   <a:srgbClr val="000000"/>
                 </a:solidFill>
@@ -6478,15 +6434,6 @@
               </a:rPr>
               <a:t>“美食拍“活动图</a:t>
             </a:r>
-            <a:endParaRPr lang="zh-CN" altLang="en-US" b="1" dirty="0">
-              <a:solidFill>
-                <a:srgbClr val="000000"/>
-              </a:solidFill>
-              <a:latin typeface="微软雅黑" panose="020B0503020204020204" pitchFamily="34" charset="-122"/>
-              <a:ea typeface="微软雅黑" panose="020B0503020204020204" pitchFamily="34" charset="-122"/>
-              <a:cs typeface="+mn-ea"/>
-              <a:sym typeface="+mn-lt"/>
-            </a:endParaRPr>
           </a:p>
         </p:txBody>
       </p:sp>
@@ -6523,7 +6470,7 @@
               </a:lnSpc>
             </a:pPr>
             <a:r>
-              <a:rPr lang="zh-CN" altLang="en-US" sz="1400" dirty="0" smtClean="0">
+              <a:rPr lang="zh-CN" altLang="en-US" sz="1400" dirty="0">
                 <a:solidFill>
                   <a:srgbClr val="404040"/>
                 </a:solidFill>
@@ -6535,7 +6482,7 @@
               <a:t>主要分为五大模块，浏览模块，社交模块，个人收藏发布模块，账户管理模块，食谱</a:t>
             </a:r>
             <a:r>
-              <a:rPr lang="en-US" altLang="zh-CN" sz="1400" dirty="0" smtClean="0">
+              <a:rPr lang="en-US" altLang="zh-CN" sz="1400" dirty="0">
                 <a:solidFill>
                   <a:srgbClr val="404040"/>
                 </a:solidFill>
@@ -6547,7 +6494,7 @@
               <a:t>/</a:t>
             </a:r>
             <a:r>
-              <a:rPr lang="zh-CN" altLang="en-US" sz="1400" dirty="0" smtClean="0">
+              <a:rPr lang="zh-CN" altLang="en-US" sz="1400" dirty="0">
                 <a:solidFill>
                   <a:srgbClr val="404040"/>
                 </a:solidFill>
@@ -6752,13 +6699,6 @@
     <a:masterClrMapping/>
   </p:clrMapOvr>
   <p:transition spd="med" advClick="0" advTm="3000"/>
-  <p:timing>
-    <p:tnLst>
-      <p:par>
-        <p:cTn id="1" dur="indefinite" restart="never" nodeType="tmRoot"/>
-      </p:par>
-    </p:tnLst>
-  </p:timing>
 </p:sld>
 </file>
 
@@ -7741,28 +7681,14 @@
               </a:spcAft>
             </a:pPr>
             <a:r>
-              <a:rPr lang="zh-CN" altLang="zh-CN" sz="1200" dirty="0" smtClean="0">
-                <a:latin typeface="微软雅黑" panose="020B0503020204020204" pitchFamily="34" charset="-122"/>
-                <a:ea typeface="微软雅黑" panose="020B0503020204020204" pitchFamily="34" charset="-122"/>
-              </a:rPr>
-              <a:t>界面</a:t>
-            </a:r>
-            <a:r>
               <a:rPr lang="zh-CN" altLang="zh-CN" sz="1200" dirty="0">
                 <a:latin typeface="微软雅黑" panose="020B0503020204020204" pitchFamily="34" charset="-122"/>
                 <a:ea typeface="微软雅黑" panose="020B0503020204020204" pitchFamily="34" charset="-122"/>
               </a:rPr>
-              <a:t>风格统一，其友好的用户交互</a:t>
-            </a:r>
-            <a:r>
-              <a:rPr lang="zh-CN" altLang="zh-CN" sz="1200" dirty="0" smtClean="0">
-                <a:latin typeface="微软雅黑" panose="020B0503020204020204" pitchFamily="34" charset="-122"/>
-                <a:ea typeface="微软雅黑" panose="020B0503020204020204" pitchFamily="34" charset="-122"/>
-              </a:rPr>
-              <a:t>设计</a:t>
-            </a:r>
-            <a:r>
-              <a:rPr lang="zh-CN" altLang="en-US" sz="1200" dirty="0" smtClean="0">
+              <a:t>界面风格统一，其友好的用户交互设计</a:t>
+            </a:r>
+            <a:r>
+              <a:rPr lang="zh-CN" altLang="en-US" sz="1200" dirty="0">
                 <a:latin typeface="微软雅黑" panose="020B0503020204020204" pitchFamily="34" charset="-122"/>
                 <a:ea typeface="微软雅黑" panose="020B0503020204020204" pitchFamily="34" charset="-122"/>
               </a:rPr>
@@ -7773,16 +7699,9 @@
                 <a:latin typeface="微软雅黑" panose="020B0503020204020204" pitchFamily="34" charset="-122"/>
                 <a:ea typeface="微软雅黑" panose="020B0503020204020204" pitchFamily="34" charset="-122"/>
               </a:rPr>
-              <a:t>尽量减少用户的学习成本，方便</a:t>
-            </a:r>
-            <a:r>
-              <a:rPr lang="zh-CN" altLang="zh-CN" sz="1200" dirty="0" smtClean="0">
-                <a:latin typeface="微软雅黑" panose="020B0503020204020204" pitchFamily="34" charset="-122"/>
-                <a:ea typeface="微软雅黑" panose="020B0503020204020204" pitchFamily="34" charset="-122"/>
-              </a:rPr>
-              <a:t>操作</a:t>
-            </a:r>
-            <a:endParaRPr lang="en-US" altLang="zh-CN" sz="1200" dirty="0" smtClean="0">
+              <a:t>尽量减少用户的学习成本，方便操作</a:t>
+            </a:r>
+            <a:endParaRPr lang="en-US" altLang="zh-CN" sz="1200" dirty="0">
               <a:latin typeface="微软雅黑" panose="020B0503020204020204" pitchFamily="34" charset="-122"/>
               <a:ea typeface="微软雅黑" panose="020B0503020204020204" pitchFamily="34" charset="-122"/>
             </a:endParaRPr>
@@ -7804,16 +7723,9 @@
                 <a:latin typeface="微软雅黑" panose="020B0503020204020204" pitchFamily="34" charset="-122"/>
                 <a:ea typeface="微软雅黑" panose="020B0503020204020204" pitchFamily="34" charset="-122"/>
               </a:rPr>
-              <a:t>系统具有一定的容错和抗干扰</a:t>
-            </a:r>
-            <a:r>
-              <a:rPr lang="zh-CN" altLang="zh-CN" sz="1200" dirty="0" smtClean="0">
-                <a:latin typeface="微软雅黑" panose="020B0503020204020204" pitchFamily="34" charset="-122"/>
-                <a:ea typeface="微软雅黑" panose="020B0503020204020204" pitchFamily="34" charset="-122"/>
-              </a:rPr>
-              <a:t>能力</a:t>
-            </a:r>
-            <a:endParaRPr lang="en-US" altLang="zh-CN" sz="1200" dirty="0" smtClean="0">
+              <a:t>系统具有一定的容错和抗干扰能力</a:t>
+            </a:r>
+            <a:endParaRPr lang="en-US" altLang="zh-CN" sz="1200" dirty="0">
               <a:latin typeface="微软雅黑" panose="020B0503020204020204" pitchFamily="34" charset="-122"/>
               <a:ea typeface="微软雅黑" panose="020B0503020204020204" pitchFamily="34" charset="-122"/>
             </a:endParaRPr>
@@ -7851,28 +7763,6 @@
               </a:rPr>
               <a:t>系统的通用性、操作简单易学，实用性强</a:t>
             </a:r>
-          </a:p>
-          <a:p>
-            <a:pPr algn="r">
-              <a:lnSpc>
-                <a:spcPct val="125000"/>
-              </a:lnSpc>
-              <a:spcBef>
-                <a:spcPct val="0"/>
-              </a:spcBef>
-            </a:pPr>
-            <a:endParaRPr lang="en-US" altLang="zh-CN" sz="1200" dirty="0" smtClean="0">
-              <a:solidFill>
-                <a:schemeClr val="tx1">
-                  <a:lumMod val="85000"/>
-                  <a:lumOff val="15000"/>
-                </a:schemeClr>
-              </a:solidFill>
-              <a:latin typeface="微软雅黑" panose="020B0503020204020204" pitchFamily="34" charset="-122"/>
-              <a:ea typeface="微软雅黑" panose="020B0503020204020204" pitchFamily="34" charset="-122"/>
-              <a:cs typeface="+mn-ea"/>
-              <a:sym typeface="+mn-lt"/>
-            </a:endParaRPr>
           </a:p>
           <a:p>
             <a:pPr algn="r">
@@ -7896,6 +7786,28 @@
               <a:sym typeface="+mn-lt"/>
             </a:endParaRPr>
           </a:p>
+          <a:p>
+            <a:pPr algn="r">
+              <a:lnSpc>
+                <a:spcPct val="125000"/>
+              </a:lnSpc>
+              <a:spcBef>
+                <a:spcPct val="0"/>
+              </a:spcBef>
+            </a:pPr>
+            <a:endParaRPr lang="en-US" altLang="zh-CN" sz="1200" dirty="0">
+              <a:solidFill>
+                <a:schemeClr val="tx1">
+                  <a:lumMod val="85000"/>
+                  <a:lumOff val="15000"/>
+                </a:schemeClr>
+              </a:solidFill>
+              <a:latin typeface="微软雅黑" panose="020B0503020204020204" pitchFamily="34" charset="-122"/>
+              <a:ea typeface="微软雅黑" panose="020B0503020204020204" pitchFamily="34" charset="-122"/>
+              <a:cs typeface="+mn-ea"/>
+              <a:sym typeface="+mn-lt"/>
+            </a:endParaRPr>
+          </a:p>
         </p:txBody>
       </p:sp>
       <p:sp>
@@ -7928,7 +7840,7 @@
           <a:p>
             <a:pPr algn="ctr"/>
             <a:r>
-              <a:rPr lang="zh-CN" altLang="en-US" sz="1600" b="1" dirty="0" smtClean="0">
+              <a:rPr lang="zh-CN" altLang="en-US" sz="1600" b="1" dirty="0">
                 <a:solidFill>
                   <a:schemeClr val="tx1">
                     <a:lumMod val="85000"/>
@@ -7942,18 +7854,6 @@
               </a:rPr>
               <a:t>易用性</a:t>
             </a:r>
-            <a:endParaRPr lang="zh-CN" altLang="en-US" sz="1600" b="1" dirty="0">
-              <a:solidFill>
-                <a:schemeClr val="tx1">
-                  <a:lumMod val="85000"/>
-                  <a:lumOff val="15000"/>
-                </a:schemeClr>
-              </a:solidFill>
-              <a:latin typeface="微软雅黑" panose="020B0503020204020204" pitchFamily="34" charset="-122"/>
-              <a:ea typeface="微软雅黑" panose="020B0503020204020204" pitchFamily="34" charset="-122"/>
-              <a:cs typeface="+mn-ea"/>
-              <a:sym typeface="+mn-lt"/>
-            </a:endParaRPr>
           </a:p>
         </p:txBody>
       </p:sp>
@@ -11265,7 +11165,7 @@
           <a:lstStyle/>
           <a:p>
             <a:r>
-              <a:rPr lang="zh-CN" altLang="en-US" sz="1600" b="1" dirty="0" smtClean="0">
+              <a:rPr lang="zh-CN" altLang="en-US" sz="1600" b="1" dirty="0">
                 <a:solidFill>
                   <a:schemeClr val="tx1">
                     <a:lumMod val="85000"/>
@@ -11279,18 +11179,6 @@
               </a:rPr>
               <a:t>稳定性</a:t>
             </a:r>
-            <a:endParaRPr lang="zh-CN" altLang="en-US" sz="1600" b="1" dirty="0">
-              <a:solidFill>
-                <a:schemeClr val="tx1">
-                  <a:lumMod val="85000"/>
-                  <a:lumOff val="15000"/>
-                </a:schemeClr>
-              </a:solidFill>
-              <a:latin typeface="微软雅黑" panose="020B0503020204020204" pitchFamily="34" charset="-122"/>
-              <a:ea typeface="微软雅黑" panose="020B0503020204020204" pitchFamily="34" charset="-122"/>
-              <a:cs typeface="+mn-ea"/>
-              <a:sym typeface="+mn-lt"/>
-            </a:endParaRPr>
           </a:p>
         </p:txBody>
       </p:sp>
@@ -11425,17 +11313,10 @@
                 <a:latin typeface="微软雅黑" panose="020B0503020204020204" pitchFamily="34" charset="-122"/>
                 <a:ea typeface="微软雅黑" panose="020B0503020204020204" pitchFamily="34" charset="-122"/>
               </a:rPr>
-              <a:t>即使黑客入侵随意篡改数据，或者发生灾难造成数据丢失，但由于区块链系统中，任一节点的损坏或者失去都会不影响整个系统的</a:t>
-            </a:r>
-            <a:r>
-              <a:rPr lang="zh-CN" altLang="zh-CN" sz="1200" dirty="0" smtClean="0">
-                <a:latin typeface="微软雅黑" panose="020B0503020204020204" pitchFamily="34" charset="-122"/>
-                <a:ea typeface="微软雅黑" panose="020B0503020204020204" pitchFamily="34" charset="-122"/>
-              </a:rPr>
-              <a:t>运</a:t>
-            </a:r>
-            <a:r>
-              <a:rPr lang="zh-CN" altLang="en-US" sz="1200" dirty="0" smtClean="0">
+              <a:t>即使黑客入侵随意篡改数据，或者发生灾难造成数据丢失，但由于区块链系统中，任一节点的损坏或者失去都会不影响整个系统的运</a:t>
+            </a:r>
+            <a:r>
+              <a:rPr lang="zh-CN" altLang="en-US" sz="1200" dirty="0">
                 <a:latin typeface="微软雅黑" panose="020B0503020204020204" pitchFamily="34" charset="-122"/>
                 <a:ea typeface="微软雅黑" panose="020B0503020204020204" pitchFamily="34" charset="-122"/>
               </a:rPr>
@@ -11477,7 +11358,7 @@
           <a:lstStyle/>
           <a:p>
             <a:r>
-              <a:rPr lang="zh-CN" altLang="en-US" sz="1600" b="1" dirty="0" smtClean="0">
+              <a:rPr lang="zh-CN" altLang="en-US" sz="1600" b="1" dirty="0">
                 <a:solidFill>
                   <a:schemeClr val="tx1">
                     <a:lumMod val="85000"/>
@@ -11491,18 +11372,6 @@
               </a:rPr>
               <a:t>灾难恢复</a:t>
             </a:r>
-            <a:endParaRPr lang="zh-CN" altLang="en-US" sz="1600" b="1" dirty="0">
-              <a:solidFill>
-                <a:schemeClr val="tx1">
-                  <a:lumMod val="85000"/>
-                  <a:lumOff val="15000"/>
-                </a:schemeClr>
-              </a:solidFill>
-              <a:latin typeface="微软雅黑" panose="020B0503020204020204" pitchFamily="34" charset="-122"/>
-              <a:ea typeface="微软雅黑" panose="020B0503020204020204" pitchFamily="34" charset="-122"/>
-              <a:cs typeface="+mn-ea"/>
-              <a:sym typeface="+mn-lt"/>
-            </a:endParaRPr>
           </a:p>
         </p:txBody>
       </p:sp>
@@ -11643,16 +11512,9 @@
                 <a:latin typeface="微软雅黑" panose="020B0503020204020204" pitchFamily="34" charset="-122"/>
                 <a:ea typeface="微软雅黑" panose="020B0503020204020204" pitchFamily="34" charset="-122"/>
               </a:rPr>
-              <a:t>采用严格的软件工程的规范进行开发，并采用良好的设计模式保证系统各模块之间的低耦合 及模块之间的高内</a:t>
-            </a:r>
-            <a:r>
-              <a:rPr lang="zh-CN" altLang="zh-CN" sz="1200" dirty="0" smtClean="0">
-                <a:latin typeface="微软雅黑" panose="020B0503020204020204" pitchFamily="34" charset="-122"/>
-                <a:ea typeface="微软雅黑" panose="020B0503020204020204" pitchFamily="34" charset="-122"/>
-              </a:rPr>
-              <a:t>聚</a:t>
-            </a:r>
-            <a:endParaRPr lang="en-US" altLang="zh-CN" sz="1200" dirty="0" smtClean="0">
+              <a:t>采用严格的软件工程的规范进行开发，并采用良好的设计模式保证系统各模块之间的低耦合 及模块之间的高内聚</a:t>
+            </a:r>
+            <a:endParaRPr lang="en-US" altLang="zh-CN" sz="1200" dirty="0">
               <a:latin typeface="微软雅黑" panose="020B0503020204020204" pitchFamily="34" charset="-122"/>
               <a:ea typeface="微软雅黑" panose="020B0503020204020204" pitchFamily="34" charset="-122"/>
             </a:endParaRPr>
@@ -11674,30 +11536,9 @@
                 <a:latin typeface="微软雅黑" panose="020B0503020204020204" pitchFamily="34" charset="-122"/>
                 <a:ea typeface="微软雅黑" panose="020B0503020204020204" pitchFamily="34" charset="-122"/>
               </a:rPr>
-              <a:t>所有代码将会被详细注释，对于系统所有代码</a:t>
-            </a:r>
-            <a:r>
-              <a:rPr lang="zh-CN" altLang="zh-CN" sz="1200" dirty="0" smtClean="0">
-                <a:latin typeface="微软雅黑" panose="020B0503020204020204" pitchFamily="34" charset="-122"/>
-                <a:ea typeface="微软雅黑" panose="020B0503020204020204" pitchFamily="34" charset="-122"/>
-              </a:rPr>
-              <a:t>，会</a:t>
-            </a:r>
-            <a:r>
-              <a:rPr lang="zh-CN" altLang="zh-CN" sz="1200" dirty="0">
-                <a:latin typeface="微软雅黑" panose="020B0503020204020204" pitchFamily="34" charset="-122"/>
-                <a:ea typeface="微软雅黑" panose="020B0503020204020204" pitchFamily="34" charset="-122"/>
-              </a:rPr>
-              <a:t>生成详尽的技术</a:t>
-            </a:r>
-            <a:r>
-              <a:rPr lang="zh-CN" altLang="zh-CN" sz="1200" dirty="0" smtClean="0">
-                <a:latin typeface="微软雅黑" panose="020B0503020204020204" pitchFamily="34" charset="-122"/>
-                <a:ea typeface="微软雅黑" panose="020B0503020204020204" pitchFamily="34" charset="-122"/>
-              </a:rPr>
-              <a:t>文档</a:t>
-            </a:r>
-            <a:endParaRPr lang="en-US" altLang="zh-CN" sz="1200" dirty="0" smtClean="0">
+              <a:t>所有代码将会被详细注释，对于系统所有代码，会生成详尽的技术文档</a:t>
+            </a:r>
+            <a:endParaRPr lang="en-US" altLang="zh-CN" sz="1200" dirty="0">
               <a:latin typeface="微软雅黑" panose="020B0503020204020204" pitchFamily="34" charset="-122"/>
               <a:ea typeface="微软雅黑" panose="020B0503020204020204" pitchFamily="34" charset="-122"/>
             </a:endParaRPr>
@@ -11716,49 +11557,21 @@
                 <a:latin typeface="微软雅黑" panose="020B0503020204020204" pitchFamily="34" charset="-122"/>
                 <a:ea typeface="微软雅黑" panose="020B0503020204020204" pitchFamily="34" charset="-122"/>
               </a:rPr>
-              <a:t>系统的</a:t>
-            </a:r>
-            <a:r>
-              <a:rPr lang="zh-CN" altLang="zh-CN" sz="1200" dirty="0" smtClean="0">
-                <a:latin typeface="微软雅黑" panose="020B0503020204020204" pitchFamily="34" charset="-122"/>
-                <a:ea typeface="微软雅黑" panose="020B0503020204020204" pitchFamily="34" charset="-122"/>
-              </a:rPr>
-              <a:t>设计方案易于理解</a:t>
-            </a:r>
-            <a:r>
-              <a:rPr lang="zh-CN" altLang="en-US" sz="1200" dirty="0" smtClean="0">
+              <a:t>系统的设计方案易于理解</a:t>
+            </a:r>
+            <a:r>
+              <a:rPr lang="zh-CN" altLang="en-US" sz="1200" dirty="0">
                 <a:latin typeface="微软雅黑" panose="020B0503020204020204" pitchFamily="34" charset="-122"/>
                 <a:ea typeface="微软雅黑" panose="020B0503020204020204" pitchFamily="34" charset="-122"/>
               </a:rPr>
               <a:t>，</a:t>
             </a:r>
             <a:r>
-              <a:rPr lang="zh-CN" altLang="zh-CN" sz="1200" dirty="0" smtClean="0">
-                <a:latin typeface="微软雅黑" panose="020B0503020204020204" pitchFamily="34" charset="-122"/>
-                <a:ea typeface="微软雅黑" panose="020B0503020204020204" pitchFamily="34" charset="-122"/>
-              </a:rPr>
-              <a:t>相关</a:t>
-            </a:r>
-            <a:r>
               <a:rPr lang="zh-CN" altLang="zh-CN" sz="1200" dirty="0">
                 <a:latin typeface="微软雅黑" panose="020B0503020204020204" pitchFamily="34" charset="-122"/>
                 <a:ea typeface="微软雅黑" panose="020B0503020204020204" pitchFamily="34" charset="-122"/>
               </a:rPr>
-              <a:t>的文档</a:t>
-            </a:r>
-            <a:r>
-              <a:rPr lang="zh-CN" altLang="zh-CN" sz="1200" dirty="0" smtClean="0">
-                <a:latin typeface="微软雅黑" panose="020B0503020204020204" pitchFamily="34" charset="-122"/>
-                <a:ea typeface="微软雅黑" panose="020B0503020204020204" pitchFamily="34" charset="-122"/>
-              </a:rPr>
-              <a:t>资料清晰</a:t>
-            </a:r>
-            <a:r>
-              <a:rPr lang="zh-CN" altLang="zh-CN" sz="1200" dirty="0">
-                <a:latin typeface="微软雅黑" panose="020B0503020204020204" pitchFamily="34" charset="-122"/>
-                <a:ea typeface="微软雅黑" panose="020B0503020204020204" pitchFamily="34" charset="-122"/>
-              </a:rPr>
-              <a:t>、完整、一致</a:t>
+              <a:t>相关的文档资料清晰、完整、一致</a:t>
             </a:r>
           </a:p>
           <a:p>
@@ -11879,7 +11692,7 @@
           </a:lstStyle>
           <a:p>
             <a:r>
-              <a:rPr lang="zh-CN" altLang="en-US" sz="1800" dirty="0" smtClean="0">
+              <a:rPr lang="zh-CN" altLang="en-US" sz="1800" dirty="0">
                 <a:solidFill>
                   <a:schemeClr val="bg1"/>
                 </a:solidFill>
@@ -11889,7 +11702,7 @@
               <a:t>需求分析</a:t>
             </a:r>
             <a:r>
-              <a:rPr lang="en-US" altLang="zh-CN" sz="1800" dirty="0" smtClean="0">
+              <a:rPr lang="en-US" altLang="zh-CN" sz="1800" dirty="0">
                 <a:solidFill>
                   <a:schemeClr val="bg1"/>
                 </a:solidFill>
@@ -11899,7 +11712,7 @@
               <a:t>—</a:t>
             </a:r>
             <a:r>
-              <a:rPr lang="zh-CN" altLang="en-US" sz="1800" dirty="0" smtClean="0">
+              <a:rPr lang="zh-CN" altLang="en-US" sz="1800" dirty="0">
                 <a:solidFill>
                   <a:schemeClr val="bg1"/>
                 </a:solidFill>
@@ -11908,13 +11721,6 @@
               </a:rPr>
               <a:t>非功能需求</a:t>
             </a:r>
-            <a:endParaRPr lang="zh-CN" altLang="en-US" sz="1800" dirty="0">
-              <a:solidFill>
-                <a:schemeClr val="bg1"/>
-              </a:solidFill>
-              <a:cs typeface="+mn-ea"/>
-              <a:sym typeface="+mn-lt"/>
-            </a:endParaRPr>
           </a:p>
         </p:txBody>
       </p:sp>
@@ -11929,13 +11735,6 @@
     <a:masterClrMapping/>
   </p:clrMapOvr>
   <p:transition spd="med" advClick="0" advTm="3000"/>
-  <p:timing>
-    <p:tnLst>
-      <p:par>
-        <p:cTn id="1" dur="indefinite" restart="never" nodeType="tmRoot"/>
-      </p:par>
-    </p:tnLst>
-  </p:timing>
 </p:sld>
 </file>
 
@@ -12538,35 +12337,8 @@
                 <a:cs typeface="+mn-ea"/>
                 <a:sym typeface="+mn-lt"/>
               </a:rPr>
-              <a:t>确立系统设计目标，展示项目的系统架构设计，数据库</a:t>
-            </a:r>
-            <a:r>
-              <a:rPr lang="zh-CN" altLang="en-US" sz="1100" dirty="0" smtClean="0">
-                <a:solidFill>
-                  <a:schemeClr val="tx1">
-                    <a:lumMod val="75000"/>
-                    <a:lumOff val="25000"/>
-                  </a:schemeClr>
-                </a:solidFill>
-                <a:latin typeface="微软雅黑" panose="020B0503020204020204" pitchFamily="34" charset="-122"/>
-                <a:ea typeface="微软雅黑" panose="020B0503020204020204" pitchFamily="34" charset="-122"/>
-                <a:cs typeface="+mn-ea"/>
-                <a:sym typeface="+mn-lt"/>
-              </a:rPr>
-              <a:t>设计，接口设计</a:t>
-            </a:r>
-            <a:endParaRPr lang="zh-CN" altLang="en-US" sz="1100" dirty="0">
-              <a:solidFill>
-                <a:schemeClr val="tx1">
-                  <a:lumMod val="75000"/>
-                  <a:lumOff val="25000"/>
-                </a:schemeClr>
-              </a:solidFill>
-              <a:latin typeface="微软雅黑" panose="020B0503020204020204" pitchFamily="34" charset="-122"/>
-              <a:ea typeface="微软雅黑" panose="020B0503020204020204" pitchFamily="34" charset="-122"/>
-              <a:cs typeface="+mn-ea"/>
-              <a:sym typeface="+mn-lt"/>
-            </a:endParaRPr>
+              <a:t>确立系统设计目标，展示项目的系统架构设计，数据库设计，接口设计</a:t>
+            </a:r>
           </a:p>
         </p:txBody>
       </p:sp>
@@ -12650,7 +12422,7 @@
               <a:defRPr/>
             </a:pPr>
             <a:r>
-              <a:rPr lang="zh-CN" altLang="en-US" sz="2800" b="1" dirty="0" smtClean="0">
+              <a:rPr lang="zh-CN" altLang="en-US" sz="2800" b="1" dirty="0">
                 <a:solidFill>
                   <a:srgbClr val="353535"/>
                 </a:solidFill>
@@ -12661,15 +12433,6 @@
               </a:rPr>
               <a:t>概要设计</a:t>
             </a:r>
-            <a:endParaRPr lang="zh-CN" altLang="en-US" sz="2800" b="1" dirty="0">
-              <a:solidFill>
-                <a:srgbClr val="353535"/>
-              </a:solidFill>
-              <a:latin typeface="微软雅黑" panose="020B0503020204020204" pitchFamily="34" charset="-122"/>
-              <a:ea typeface="微软雅黑" panose="020B0503020204020204" pitchFamily="34" charset="-122"/>
-              <a:cs typeface="+mn-ea"/>
-              <a:sym typeface="+mn-lt"/>
-            </a:endParaRPr>
           </a:p>
         </p:txBody>
       </p:sp>
@@ -12746,13 +12509,6 @@
       <p:transition spd="slow" advClick="0" advTm="3000"/>
     </mc:Fallback>
   </mc:AlternateContent>
-  <p:timing>
-    <p:tnLst>
-      <p:par>
-        <p:cTn id="1" dur="indefinite" restart="never" nodeType="tmRoot"/>
-      </p:par>
-    </p:tnLst>
-  </p:timing>
 </p:sld>
 </file>
 
@@ -12918,7 +12674,7 @@
           </a:lstStyle>
           <a:p>
             <a:r>
-              <a:rPr lang="zh-CN" altLang="en-US" sz="1800" dirty="0" smtClean="0">
+              <a:rPr lang="zh-CN" altLang="en-US" sz="1800" dirty="0">
                 <a:solidFill>
                   <a:schemeClr val="bg1"/>
                 </a:solidFill>
@@ -12928,7 +12684,7 @@
               <a:t>概要设计</a:t>
             </a:r>
             <a:r>
-              <a:rPr lang="en-US" altLang="zh-CN" sz="1800" dirty="0" smtClean="0">
+              <a:rPr lang="en-US" altLang="zh-CN" sz="1800" dirty="0">
                 <a:solidFill>
                   <a:schemeClr val="bg1"/>
                 </a:solidFill>
@@ -12938,7 +12694,7 @@
               <a:t>—</a:t>
             </a:r>
             <a:r>
-              <a:rPr lang="zh-CN" altLang="en-US" sz="1800" dirty="0" smtClean="0">
+              <a:rPr lang="zh-CN" altLang="en-US" sz="1800" dirty="0">
                 <a:solidFill>
                   <a:schemeClr val="bg1"/>
                 </a:solidFill>
@@ -12947,13 +12703,6 @@
               </a:rPr>
               <a:t>系统架构设计</a:t>
             </a:r>
-            <a:endParaRPr lang="zh-CN" altLang="en-US" sz="1800" dirty="0">
-              <a:solidFill>
-                <a:schemeClr val="bg1"/>
-              </a:solidFill>
-              <a:cs typeface="+mn-ea"/>
-              <a:sym typeface="+mn-lt"/>
-            </a:endParaRPr>
           </a:p>
         </p:txBody>
       </p:sp>
@@ -13006,19 +12755,8 @@
                 <a:cs typeface="+mn-ea"/>
                 <a:sym typeface="+mn-lt"/>
               </a:rPr>
-              <a:t>系统</a:t>
-            </a:r>
-            <a:r>
-              <a:rPr lang="zh-CN" altLang="en-US" sz="2400" dirty="0" smtClean="0">
-                <a:cs typeface="+mn-ea"/>
-                <a:sym typeface="+mn-lt"/>
-              </a:rPr>
-              <a:t>架构设计图</a:t>
-            </a:r>
-            <a:endParaRPr lang="zh-CN" altLang="en-US" sz="2400" dirty="0">
-              <a:cs typeface="+mn-ea"/>
-              <a:sym typeface="+mn-lt"/>
-            </a:endParaRPr>
+              <a:t>系统架构设计图</a:t>
+            </a:r>
           </a:p>
         </p:txBody>
       </p:sp>
@@ -13050,7 +12788,7 @@
           <a:lstStyle/>
           <a:p>
             <a:r>
-              <a:rPr lang="zh-CN" altLang="en-US" b="1" dirty="0" smtClean="0">
+              <a:rPr lang="zh-CN" altLang="en-US" b="1" dirty="0">
                 <a:solidFill>
                   <a:srgbClr val="000000"/>
                 </a:solidFill>
@@ -13061,15 +12799,6 @@
               </a:rPr>
               <a:t>“美食拍“系统架构设计</a:t>
             </a:r>
-            <a:endParaRPr lang="zh-CN" altLang="en-US" b="1" dirty="0">
-              <a:solidFill>
-                <a:srgbClr val="000000"/>
-              </a:solidFill>
-              <a:latin typeface="微软雅黑" panose="020B0503020204020204" pitchFamily="34" charset="-122"/>
-              <a:ea typeface="微软雅黑" panose="020B0503020204020204" pitchFamily="34" charset="-122"/>
-              <a:cs typeface="+mn-ea"/>
-              <a:sym typeface="+mn-lt"/>
-            </a:endParaRPr>
           </a:p>
         </p:txBody>
       </p:sp>
@@ -13180,9 +12909,7 @@
           <p:nvPr/>
         </p:nvPicPr>
         <p:blipFill>
-          <a:blip r:embed="rId3">
-            <a:extLst/>
-          </a:blip>
+          <a:blip r:embed="rId3"/>
           <a:stretch>
             <a:fillRect/>
           </a:stretch>
@@ -13213,13 +12940,6 @@
     <a:masterClrMapping/>
   </p:clrMapOvr>
   <p:transition spd="med" advClick="0" advTm="3000"/>
-  <p:timing>
-    <p:tnLst>
-      <p:par>
-        <p:cTn id="1" dur="indefinite" restart="never" nodeType="tmRoot"/>
-      </p:par>
-    </p:tnLst>
-  </p:timing>
 </p:sld>
 </file>
 
@@ -13422,7 +13142,7 @@
           </a:lstStyle>
           <a:p>
             <a:r>
-              <a:rPr lang="zh-CN" altLang="en-US" sz="1800" dirty="0" smtClean="0">
+              <a:rPr lang="zh-CN" altLang="en-US" sz="1800" dirty="0">
                 <a:solidFill>
                   <a:schemeClr val="bg1"/>
                 </a:solidFill>
@@ -13432,7 +13152,7 @@
               <a:t>概要设计</a:t>
             </a:r>
             <a:r>
-              <a:rPr lang="en-US" altLang="zh-CN" sz="1800" dirty="0" smtClean="0">
+              <a:rPr lang="en-US" altLang="zh-CN" sz="1800" dirty="0">
                 <a:solidFill>
                   <a:schemeClr val="bg1"/>
                 </a:solidFill>
@@ -13442,7 +13162,7 @@
               <a:t>—</a:t>
             </a:r>
             <a:r>
-              <a:rPr lang="zh-CN" altLang="en-US" sz="1800" dirty="0" smtClean="0">
+              <a:rPr lang="zh-CN" altLang="en-US" sz="1800" dirty="0">
                 <a:solidFill>
                   <a:schemeClr val="bg1"/>
                 </a:solidFill>
@@ -13451,13 +13171,6 @@
               </a:rPr>
               <a:t>数据库设计</a:t>
             </a:r>
-            <a:endParaRPr lang="zh-CN" altLang="en-US" sz="1800" dirty="0">
-              <a:solidFill>
-                <a:schemeClr val="bg1"/>
-              </a:solidFill>
-              <a:cs typeface="+mn-ea"/>
-              <a:sym typeface="+mn-lt"/>
-            </a:endParaRPr>
           </a:p>
         </p:txBody>
       </p:sp>
@@ -13763,30 +13476,26 @@
           </a:lstStyle>
           <a:p>
             <a:r>
-              <a:rPr lang="zh-CN" altLang="en-US" sz="2400" dirty="0" smtClean="0">
+              <a:rPr lang="zh-CN" altLang="en-US" sz="2400" dirty="0">
                 <a:cs typeface="+mn-ea"/>
                 <a:sym typeface="+mn-lt"/>
               </a:rPr>
               <a:t>数据库</a:t>
             </a:r>
             <a:r>
-              <a:rPr lang="en-US" altLang="zh-CN" sz="2400" dirty="0" smtClean="0">
+              <a:rPr lang="en-US" altLang="zh-CN" sz="2400" dirty="0">
                 <a:cs typeface="+mn-ea"/>
                 <a:sym typeface="+mn-lt"/>
               </a:rPr>
               <a:t>E-R</a:t>
             </a:r>
             <a:r>
-              <a:rPr lang="zh-CN" altLang="en-US" sz="2400" dirty="0" smtClean="0">
+              <a:rPr lang="zh-CN" altLang="en-US" sz="2400" dirty="0">
                 <a:cs typeface="+mn-ea"/>
                 <a:sym typeface="+mn-lt"/>
               </a:rPr>
               <a:t>图</a:t>
             </a:r>
-            <a:endParaRPr lang="zh-CN" altLang="en-US" sz="2400" dirty="0">
-              <a:cs typeface="+mn-ea"/>
-              <a:sym typeface="+mn-lt"/>
-            </a:endParaRPr>
           </a:p>
         </p:txBody>
       </p:sp>
@@ -13818,7 +13527,7 @@
           <a:lstStyle/>
           <a:p>
             <a:r>
-              <a:rPr lang="zh-CN" altLang="en-US" b="1" dirty="0" smtClean="0">
+              <a:rPr lang="zh-CN" altLang="en-US" b="1" dirty="0">
                 <a:solidFill>
                   <a:srgbClr val="000000"/>
                 </a:solidFill>
@@ -13829,15 +13538,6 @@
               </a:rPr>
               <a:t>“美食拍“数据库设计</a:t>
             </a:r>
-            <a:endParaRPr lang="zh-CN" altLang="en-US" b="1" dirty="0">
-              <a:solidFill>
-                <a:srgbClr val="000000"/>
-              </a:solidFill>
-              <a:latin typeface="微软雅黑" panose="020B0503020204020204" pitchFamily="34" charset="-122"/>
-              <a:ea typeface="微软雅黑" panose="020B0503020204020204" pitchFamily="34" charset="-122"/>
-              <a:cs typeface="+mn-ea"/>
-              <a:sym typeface="+mn-lt"/>
-            </a:endParaRPr>
           </a:p>
         </p:txBody>
       </p:sp>
@@ -13895,16 +13595,9 @@
                 <a:latin typeface="微软雅黑" panose="020B0503020204020204" pitchFamily="34" charset="-122"/>
                 <a:ea typeface="微软雅黑" panose="020B0503020204020204" pitchFamily="34" charset="-122"/>
               </a:rPr>
-              <a:t>图抽象出系统的数据结构，以及各数据表之间的联系，然后对支撑业务的一些主要数据表做具体说明</a:t>
-            </a:r>
-            <a:r>
-              <a:rPr lang="zh-CN" altLang="zh-CN" sz="1300" dirty="0" smtClean="0">
-                <a:latin typeface="微软雅黑" panose="020B0503020204020204" pitchFamily="34" charset="-122"/>
-                <a:ea typeface="微软雅黑" panose="020B0503020204020204" pitchFamily="34" charset="-122"/>
-              </a:rPr>
-              <a:t>。</a:t>
-            </a:r>
-            <a:endParaRPr lang="en-US" altLang="zh-CN" sz="1300" dirty="0" smtClean="0">
+              <a:t>图抽象出系统的数据结构，以及各数据表之间的联系，然后对支撑业务的一些主要数据表做具体说明。</a:t>
+            </a:r>
+            <a:endParaRPr lang="en-US" altLang="zh-CN" sz="1300" dirty="0">
               <a:latin typeface="微软雅黑" panose="020B0503020204020204" pitchFamily="34" charset="-122"/>
               <a:ea typeface="微软雅黑" panose="020B0503020204020204" pitchFamily="34" charset="-122"/>
             </a:endParaRPr>
@@ -13919,7 +13612,7 @@
               </a:spcBef>
             </a:pPr>
             <a:r>
-              <a:rPr lang="ar-SA" altLang="zh-CN" sz="1300" dirty="0" smtClean="0">
+              <a:rPr lang="ar-SA" altLang="zh-CN" sz="1300" dirty="0">
                 <a:latin typeface="微软雅黑" panose="020B0503020204020204" pitchFamily="34" charset="-122"/>
                 <a:ea typeface="微软雅黑" panose="020B0503020204020204" pitchFamily="34" charset="-122"/>
               </a:rPr>
@@ -13958,17 +13651,10 @@
                 <a:latin typeface="微软雅黑" panose="020B0503020204020204" pitchFamily="34" charset="-122"/>
                 <a:ea typeface="微软雅黑" panose="020B0503020204020204" pitchFamily="34" charset="-122"/>
               </a:rPr>
-              <a:t>个</a:t>
-            </a:r>
-            <a:r>
-              <a:rPr lang="zh-CN" altLang="zh-CN" sz="1300" dirty="0" smtClean="0">
-                <a:latin typeface="微软雅黑" panose="020B0503020204020204" pitchFamily="34" charset="-122"/>
-                <a:ea typeface="微软雅黑" panose="020B0503020204020204" pitchFamily="34" charset="-122"/>
-              </a:rPr>
-              <a:t>数据表</a:t>
-            </a:r>
-            <a:r>
-              <a:rPr lang="zh-CN" altLang="en-US" sz="1300" dirty="0" smtClean="0">
+              <a:t>个数据表</a:t>
+            </a:r>
+            <a:r>
+              <a:rPr lang="zh-CN" altLang="en-US" sz="1300" dirty="0">
                 <a:latin typeface="微软雅黑" panose="020B0503020204020204" pitchFamily="34" charset="-122"/>
                 <a:ea typeface="微软雅黑" panose="020B0503020204020204" pitchFamily="34" charset="-122"/>
               </a:rPr>
@@ -14148,9 +13834,7 @@
           <p:nvPr/>
         </p:nvPicPr>
         <p:blipFill>
-          <a:blip r:embed="rId4">
-            <a:extLst/>
-          </a:blip>
+          <a:blip r:embed="rId4"/>
           <a:stretch>
             <a:fillRect/>
           </a:stretch>
@@ -14181,13 +13865,6 @@
     <a:masterClrMapping/>
   </p:clrMapOvr>
   <p:transition spd="med" advClick="0" advTm="3000"/>
-  <p:timing>
-    <p:tnLst>
-      <p:par>
-        <p:cTn id="1" dur="indefinite" restart="never" nodeType="tmRoot"/>
-      </p:par>
-    </p:tnLst>
-  </p:timing>
 </p:sld>
 </file>
 
@@ -14420,7 +14097,7 @@
               <a:t>概要设计</a:t>
             </a:r>
             <a:r>
-              <a:rPr lang="en-US" altLang="zh-CN" sz="1800" dirty="0" smtClean="0">
+              <a:rPr lang="en-US" altLang="zh-CN" sz="1800" dirty="0">
                 <a:solidFill>
                   <a:schemeClr val="bg1"/>
                 </a:solidFill>
@@ -14437,25 +14114,8 @@
                 <a:cs typeface="+mn-ea"/>
                 <a:sym typeface="+mn-lt"/>
               </a:rPr>
-              <a:t>接口</a:t>
-            </a:r>
-            <a:r>
-              <a:rPr lang="zh-CN" altLang="en-US" sz="1800" dirty="0" smtClean="0">
-                <a:solidFill>
-                  <a:schemeClr val="bg1"/>
-                </a:solidFill>
-                <a:cs typeface="+mn-ea"/>
-                <a:sym typeface="+mn-lt"/>
-              </a:rPr>
-              <a:t>设计</a:t>
-            </a:r>
-            <a:endParaRPr lang="zh-CN" altLang="en-US" sz="1800" dirty="0">
-              <a:solidFill>
-                <a:schemeClr val="bg1"/>
-              </a:solidFill>
-              <a:cs typeface="+mn-ea"/>
-              <a:sym typeface="+mn-lt"/>
-            </a:endParaRPr>
+              <a:t>接口设计</a:t>
+            </a:r>
           </a:p>
         </p:txBody>
       </p:sp>
@@ -14562,16 +14222,12 @@
           <a:p>
             <a:pPr algn="ctr"/>
             <a:r>
-              <a:rPr lang="zh-CN" altLang="en-US" sz="2000" dirty="0" smtClean="0">
+              <a:rPr lang="zh-CN" altLang="en-US" sz="2000" dirty="0">
                 <a:cs typeface="+mn-ea"/>
                 <a:sym typeface="+mn-lt"/>
               </a:rPr>
               <a:t>美食拍</a:t>
             </a:r>
-            <a:endParaRPr lang="zh-CN" altLang="en-US" sz="2000" dirty="0">
-              <a:cs typeface="+mn-ea"/>
-              <a:sym typeface="+mn-lt"/>
-            </a:endParaRPr>
           </a:p>
         </p:txBody>
       </p:sp>
@@ -14612,14 +14268,7 @@
                 <a:latin typeface="微软雅黑" panose="020B0503020204020204" pitchFamily="34" charset="-122"/>
                 <a:ea typeface="微软雅黑" panose="020B0503020204020204" pitchFamily="34" charset="-122"/>
               </a:rPr>
-              <a:t>本产品需要用户在用户界面进行相应的操作，当进入主界面后，用户通过点击对应的按钮，分别进入相对应的页面。用户界面应当操作简便，简介而功能齐全，用户友好，并且采用菜单界面驱动方式</a:t>
-            </a:r>
-            <a:r>
-              <a:rPr lang="zh-CN" altLang="zh-CN" sz="1200" dirty="0" smtClean="0">
-                <a:latin typeface="微软雅黑" panose="020B0503020204020204" pitchFamily="34" charset="-122"/>
-                <a:ea typeface="微软雅黑" panose="020B0503020204020204" pitchFamily="34" charset="-122"/>
-              </a:rPr>
-              <a:t>。</a:t>
+              <a:t>本产品需要用户在用户界面进行相应的操作，当进入主界面后，用户通过点击对应的按钮，分别进入相对应的页面。用户界面应当操作简便，简介而功能齐全，用户友好，并且采用菜单界面驱动方式。</a:t>
             </a:r>
             <a:endParaRPr kumimoji="1" lang="zh-CN" altLang="en-US" sz="1200" dirty="0">
               <a:solidFill>
@@ -15516,7 +15165,7 @@
           <a:lstStyle/>
           <a:p>
             <a:r>
-              <a:rPr lang="zh-CN" altLang="en-US" b="1" dirty="0" smtClean="0">
+              <a:rPr lang="zh-CN" altLang="en-US" b="1" dirty="0">
                 <a:solidFill>
                   <a:srgbClr val="000000"/>
                 </a:solidFill>
@@ -15525,19 +15174,7 @@
                 <a:cs typeface="+mn-ea"/>
                 <a:sym typeface="+mn-lt"/>
               </a:rPr>
-              <a:t>* </a:t>
-            </a:r>
-            <a:r>
-              <a:rPr lang="zh-CN" altLang="en-US" b="1" dirty="0">
-                <a:solidFill>
-                  <a:srgbClr val="000000"/>
-                </a:solidFill>
-                <a:latin typeface="微软雅黑" panose="020B0503020204020204" pitchFamily="34" charset="-122"/>
-                <a:ea typeface="微软雅黑" panose="020B0503020204020204" pitchFamily="34" charset="-122"/>
-                <a:cs typeface="+mn-ea"/>
-                <a:sym typeface="+mn-lt"/>
-              </a:rPr>
-              <a:t>接口设计</a:t>
+              <a:t>* 接口设计</a:t>
             </a:r>
           </a:p>
         </p:txBody>
@@ -15577,13 +15214,13 @@
               <a:buChar char="•"/>
             </a:pPr>
             <a:r>
-              <a:rPr lang="zh-CN" altLang="en-US" sz="1400" dirty="0" smtClean="0">
+              <a:rPr lang="zh-CN" altLang="en-US" sz="1400" dirty="0">
                 <a:latin typeface="微软雅黑" panose="020B0503020204020204" pitchFamily="34" charset="-122"/>
                 <a:ea typeface="微软雅黑" panose="020B0503020204020204" pitchFamily="34" charset="-122"/>
               </a:rPr>
               <a:t>用户注册</a:t>
             </a:r>
-            <a:endParaRPr lang="en-US" altLang="zh-CN" sz="1400" dirty="0" smtClean="0">
+            <a:endParaRPr lang="en-US" altLang="zh-CN" sz="1400" dirty="0">
               <a:latin typeface="微软雅黑" panose="020B0503020204020204" pitchFamily="34" charset="-122"/>
               <a:ea typeface="微软雅黑" panose="020B0503020204020204" pitchFamily="34" charset="-122"/>
             </a:endParaRPr>
@@ -15606,21 +15243,9 @@
                 <a:cs typeface="+mn-ea"/>
                 <a:sym typeface="+mn-lt"/>
               </a:rPr>
-              <a:t>用户</a:t>
-            </a:r>
-            <a:r>
-              <a:rPr lang="zh-CN" altLang="en-US" sz="1400" dirty="0" smtClean="0">
-                <a:solidFill>
-                  <a:srgbClr val="404040"/>
-                </a:solidFill>
-                <a:latin typeface="微软雅黑" panose="020B0503020204020204" pitchFamily="34" charset="-122"/>
-                <a:ea typeface="微软雅黑" panose="020B0503020204020204" pitchFamily="34" charset="-122"/>
-                <a:cs typeface="+mn-ea"/>
-                <a:sym typeface="+mn-lt"/>
-              </a:rPr>
-              <a:t>登录</a:t>
-            </a:r>
-            <a:endParaRPr lang="en-US" altLang="zh-CN" sz="1400" dirty="0" smtClean="0">
+              <a:t>用户登录</a:t>
+            </a:r>
+            <a:endParaRPr lang="en-US" altLang="zh-CN" sz="1400" dirty="0">
               <a:solidFill>
                 <a:srgbClr val="404040"/>
               </a:solidFill>
@@ -15648,21 +15273,9 @@
                 <a:cs typeface="+mn-ea"/>
                 <a:sym typeface="+mn-lt"/>
               </a:rPr>
-              <a:t>更新</a:t>
-            </a:r>
-            <a:r>
-              <a:rPr lang="zh-CN" altLang="en-US" sz="1400" dirty="0" smtClean="0">
-                <a:solidFill>
-                  <a:srgbClr val="404040"/>
-                </a:solidFill>
-                <a:latin typeface="微软雅黑" panose="020B0503020204020204" pitchFamily="34" charset="-122"/>
-                <a:ea typeface="微软雅黑" panose="020B0503020204020204" pitchFamily="34" charset="-122"/>
-                <a:cs typeface="+mn-ea"/>
-                <a:sym typeface="+mn-lt"/>
-              </a:rPr>
-              <a:t>历史记录</a:t>
-            </a:r>
-            <a:endParaRPr lang="en-US" altLang="zh-CN" sz="1400" dirty="0" smtClean="0">
+              <a:t>更新历史记录</a:t>
+            </a:r>
+            <a:endParaRPr lang="en-US" altLang="zh-CN" sz="1400" dirty="0">
               <a:solidFill>
                 <a:srgbClr val="404040"/>
               </a:solidFill>
@@ -15690,21 +15303,9 @@
                 <a:cs typeface="+mn-ea"/>
                 <a:sym typeface="+mn-lt"/>
               </a:rPr>
-              <a:t>获取</a:t>
-            </a:r>
-            <a:r>
-              <a:rPr lang="zh-CN" altLang="en-US" sz="1400" dirty="0" smtClean="0">
-                <a:solidFill>
-                  <a:srgbClr val="404040"/>
-                </a:solidFill>
-                <a:latin typeface="微软雅黑" panose="020B0503020204020204" pitchFamily="34" charset="-122"/>
-                <a:ea typeface="微软雅黑" panose="020B0503020204020204" pitchFamily="34" charset="-122"/>
-                <a:cs typeface="+mn-ea"/>
-                <a:sym typeface="+mn-lt"/>
-              </a:rPr>
-              <a:t>浏览历史</a:t>
-            </a:r>
-            <a:endParaRPr lang="en-US" altLang="zh-CN" sz="1400" dirty="0" smtClean="0">
+              <a:t>获取浏览历史</a:t>
+            </a:r>
+            <a:endParaRPr lang="en-US" altLang="zh-CN" sz="1400" dirty="0">
               <a:solidFill>
                 <a:srgbClr val="404040"/>
               </a:solidFill>
@@ -15732,21 +15333,9 @@
                 <a:cs typeface="+mn-ea"/>
                 <a:sym typeface="+mn-lt"/>
               </a:rPr>
-              <a:t>创建</a:t>
-            </a:r>
-            <a:r>
-              <a:rPr lang="zh-CN" altLang="en-US" sz="1400" dirty="0" smtClean="0">
-                <a:solidFill>
-                  <a:srgbClr val="404040"/>
-                </a:solidFill>
-                <a:latin typeface="微软雅黑" panose="020B0503020204020204" pitchFamily="34" charset="-122"/>
-                <a:ea typeface="微软雅黑" panose="020B0503020204020204" pitchFamily="34" charset="-122"/>
-                <a:cs typeface="+mn-ea"/>
-                <a:sym typeface="+mn-lt"/>
-              </a:rPr>
-              <a:t>评论</a:t>
-            </a:r>
-            <a:endParaRPr lang="en-US" altLang="zh-CN" sz="1400" dirty="0" smtClean="0">
+              <a:t>创建评论</a:t>
+            </a:r>
+            <a:endParaRPr lang="en-US" altLang="zh-CN" sz="1400" dirty="0">
               <a:solidFill>
                 <a:srgbClr val="404040"/>
               </a:solidFill>
@@ -15774,21 +15363,9 @@
                 <a:cs typeface="+mn-ea"/>
                 <a:sym typeface="+mn-lt"/>
               </a:rPr>
-              <a:t>删除</a:t>
-            </a:r>
-            <a:r>
-              <a:rPr lang="zh-CN" altLang="en-US" sz="1400" dirty="0" smtClean="0">
-                <a:solidFill>
-                  <a:srgbClr val="404040"/>
-                </a:solidFill>
-                <a:latin typeface="微软雅黑" panose="020B0503020204020204" pitchFamily="34" charset="-122"/>
-                <a:ea typeface="微软雅黑" panose="020B0503020204020204" pitchFamily="34" charset="-122"/>
-                <a:cs typeface="+mn-ea"/>
-                <a:sym typeface="+mn-lt"/>
-              </a:rPr>
-              <a:t>评论</a:t>
-            </a:r>
-            <a:endParaRPr lang="en-US" altLang="zh-CN" sz="1400" dirty="0" smtClean="0">
+              <a:t>删除评论</a:t>
+            </a:r>
+            <a:endParaRPr lang="en-US" altLang="zh-CN" sz="1400" dirty="0">
               <a:solidFill>
                 <a:srgbClr val="404040"/>
               </a:solidFill>
@@ -15816,21 +15393,9 @@
                 <a:cs typeface="+mn-ea"/>
                 <a:sym typeface="+mn-lt"/>
               </a:rPr>
-              <a:t>创建</a:t>
-            </a:r>
-            <a:r>
-              <a:rPr lang="zh-CN" altLang="en-US" sz="1400" dirty="0" smtClean="0">
-                <a:solidFill>
-                  <a:srgbClr val="404040"/>
-                </a:solidFill>
-                <a:latin typeface="微软雅黑" panose="020B0503020204020204" pitchFamily="34" charset="-122"/>
-                <a:ea typeface="微软雅黑" panose="020B0503020204020204" pitchFamily="34" charset="-122"/>
-                <a:cs typeface="+mn-ea"/>
-                <a:sym typeface="+mn-lt"/>
-              </a:rPr>
-              <a:t>食谱</a:t>
-            </a:r>
-            <a:endParaRPr lang="en-US" altLang="zh-CN" sz="1400" dirty="0" smtClean="0">
+              <a:t>创建食谱</a:t>
+            </a:r>
+            <a:endParaRPr lang="en-US" altLang="zh-CN" sz="1400" dirty="0">
               <a:solidFill>
                 <a:srgbClr val="404040"/>
               </a:solidFill>
@@ -15858,21 +15423,9 @@
                 <a:cs typeface="+mn-ea"/>
                 <a:sym typeface="+mn-lt"/>
               </a:rPr>
-              <a:t>删除</a:t>
-            </a:r>
-            <a:r>
-              <a:rPr lang="zh-CN" altLang="en-US" sz="1400" dirty="0" smtClean="0">
-                <a:solidFill>
-                  <a:srgbClr val="404040"/>
-                </a:solidFill>
-                <a:latin typeface="微软雅黑" panose="020B0503020204020204" pitchFamily="34" charset="-122"/>
-                <a:ea typeface="微软雅黑" panose="020B0503020204020204" pitchFamily="34" charset="-122"/>
-                <a:cs typeface="+mn-ea"/>
-                <a:sym typeface="+mn-lt"/>
-              </a:rPr>
-              <a:t>食谱</a:t>
-            </a:r>
-            <a:endParaRPr lang="en-US" altLang="zh-CN" sz="1400" dirty="0" smtClean="0">
+              <a:t>删除食谱</a:t>
+            </a:r>
+            <a:endParaRPr lang="en-US" altLang="zh-CN" sz="1400" dirty="0">
               <a:solidFill>
                 <a:srgbClr val="404040"/>
               </a:solidFill>
@@ -15891,7 +15444,7 @@
               <a:buChar char="•"/>
             </a:pPr>
             <a:r>
-              <a:rPr lang="zh-CN" altLang="en-US" sz="1400" dirty="0" smtClean="0">
+              <a:rPr lang="zh-CN" altLang="en-US" sz="1400" dirty="0">
                 <a:solidFill>
                   <a:srgbClr val="404040"/>
                 </a:solidFill>
@@ -15902,7 +15455,7 @@
               </a:rPr>
               <a:t>随机显示食谱</a:t>
             </a:r>
-            <a:endParaRPr lang="en-US" altLang="zh-CN" sz="1400" dirty="0" smtClean="0">
+            <a:endParaRPr lang="en-US" altLang="zh-CN" sz="1400" dirty="0">
               <a:solidFill>
                 <a:srgbClr val="404040"/>
               </a:solidFill>
@@ -15930,21 +15483,9 @@
                 <a:cs typeface="+mn-ea"/>
                 <a:sym typeface="+mn-lt"/>
               </a:rPr>
-              <a:t>查看</a:t>
-            </a:r>
-            <a:r>
-              <a:rPr lang="zh-CN" altLang="en-US" sz="1400" dirty="0" smtClean="0">
-                <a:solidFill>
-                  <a:srgbClr val="404040"/>
-                </a:solidFill>
-                <a:latin typeface="微软雅黑" panose="020B0503020204020204" pitchFamily="34" charset="-122"/>
-                <a:ea typeface="微软雅黑" panose="020B0503020204020204" pitchFamily="34" charset="-122"/>
-                <a:cs typeface="+mn-ea"/>
-                <a:sym typeface="+mn-lt"/>
-              </a:rPr>
-              <a:t>食谱详情</a:t>
-            </a:r>
-            <a:endParaRPr lang="en-US" altLang="zh-CN" sz="1400" dirty="0" smtClean="0">
+              <a:t>查看食谱详情</a:t>
+            </a:r>
+            <a:endParaRPr lang="en-US" altLang="zh-CN" sz="1400" dirty="0">
               <a:solidFill>
                 <a:srgbClr val="404040"/>
               </a:solidFill>
@@ -15972,21 +15513,9 @@
                 <a:cs typeface="+mn-ea"/>
                 <a:sym typeface="+mn-lt"/>
               </a:rPr>
-              <a:t>收藏</a:t>
-            </a:r>
-            <a:r>
-              <a:rPr lang="zh-CN" altLang="en-US" sz="1400" dirty="0" smtClean="0">
-                <a:solidFill>
-                  <a:srgbClr val="404040"/>
-                </a:solidFill>
-                <a:latin typeface="微软雅黑" panose="020B0503020204020204" pitchFamily="34" charset="-122"/>
-                <a:ea typeface="微软雅黑" panose="020B0503020204020204" pitchFamily="34" charset="-122"/>
-                <a:cs typeface="+mn-ea"/>
-                <a:sym typeface="+mn-lt"/>
-              </a:rPr>
-              <a:t>食谱</a:t>
-            </a:r>
-            <a:endParaRPr lang="en-US" altLang="zh-CN" sz="1400" dirty="0" smtClean="0">
+              <a:t>收藏食谱</a:t>
+            </a:r>
+            <a:endParaRPr lang="en-US" altLang="zh-CN" sz="1400" dirty="0">
               <a:solidFill>
                 <a:srgbClr val="404040"/>
               </a:solidFill>
@@ -16014,21 +15543,9 @@
                 <a:cs typeface="+mn-ea"/>
                 <a:sym typeface="+mn-lt"/>
               </a:rPr>
-              <a:t>推荐</a:t>
-            </a:r>
-            <a:r>
-              <a:rPr lang="zh-CN" altLang="en-US" sz="1400" dirty="0" smtClean="0">
-                <a:solidFill>
-                  <a:srgbClr val="404040"/>
-                </a:solidFill>
-                <a:latin typeface="微软雅黑" panose="020B0503020204020204" pitchFamily="34" charset="-122"/>
-                <a:ea typeface="微软雅黑" panose="020B0503020204020204" pitchFamily="34" charset="-122"/>
-                <a:cs typeface="+mn-ea"/>
-                <a:sym typeface="+mn-lt"/>
-              </a:rPr>
-              <a:t>食谱</a:t>
-            </a:r>
-            <a:endParaRPr lang="en-US" altLang="zh-CN" sz="1400" dirty="0" smtClean="0">
+              <a:t>推荐食谱</a:t>
+            </a:r>
+            <a:endParaRPr lang="en-US" altLang="zh-CN" sz="1400" dirty="0">
               <a:solidFill>
                 <a:srgbClr val="404040"/>
               </a:solidFill>
@@ -16056,21 +15573,9 @@
                 <a:cs typeface="+mn-ea"/>
                 <a:sym typeface="+mn-lt"/>
               </a:rPr>
-              <a:t>查看</a:t>
-            </a:r>
-            <a:r>
-              <a:rPr lang="zh-CN" altLang="en-US" sz="1400" dirty="0" smtClean="0">
-                <a:solidFill>
-                  <a:srgbClr val="404040"/>
-                </a:solidFill>
-                <a:latin typeface="微软雅黑" panose="020B0503020204020204" pitchFamily="34" charset="-122"/>
-                <a:ea typeface="微软雅黑" panose="020B0503020204020204" pitchFamily="34" charset="-122"/>
-                <a:cs typeface="+mn-ea"/>
-                <a:sym typeface="+mn-lt"/>
-              </a:rPr>
-              <a:t>食谱</a:t>
-            </a:r>
-            <a:endParaRPr lang="en-US" altLang="zh-CN" sz="1400" dirty="0" smtClean="0">
+              <a:t>查看食谱</a:t>
+            </a:r>
+            <a:endParaRPr lang="en-US" altLang="zh-CN" sz="1400" dirty="0">
               <a:solidFill>
                 <a:srgbClr val="404040"/>
               </a:solidFill>
@@ -16089,7 +15594,7 @@
               <a:buChar char="•"/>
             </a:pPr>
             <a:r>
-              <a:rPr lang="zh-CN" altLang="en-US" sz="1400" dirty="0" smtClean="0">
+              <a:rPr lang="zh-CN" altLang="en-US" sz="1400" dirty="0">
                 <a:solidFill>
                   <a:srgbClr val="404040"/>
                 </a:solidFill>
@@ -16100,7 +15605,7 @@
               </a:rPr>
               <a:t>查看收藏的食谱</a:t>
             </a:r>
-            <a:endParaRPr lang="en-US" altLang="zh-CN" sz="1400" dirty="0" smtClean="0">
+            <a:endParaRPr lang="en-US" altLang="zh-CN" sz="1400" dirty="0">
               <a:solidFill>
                 <a:srgbClr val="404040"/>
               </a:solidFill>
@@ -16119,7 +15624,7 @@
               <a:buChar char="•"/>
             </a:pPr>
             <a:r>
-              <a:rPr lang="zh-CN" altLang="en-US" sz="1400" dirty="0" smtClean="0">
+              <a:rPr lang="zh-CN" altLang="en-US" sz="1400" dirty="0">
                 <a:solidFill>
                   <a:srgbClr val="404040"/>
                 </a:solidFill>
@@ -16130,25 +15635,7 @@
               </a:rPr>
               <a:t>删除收藏的食谱</a:t>
             </a:r>
-            <a:endParaRPr lang="en-US" altLang="zh-CN" sz="1400" dirty="0" smtClean="0">
-              <a:solidFill>
-                <a:srgbClr val="404040"/>
-              </a:solidFill>
-              <a:latin typeface="微软雅黑" panose="020B0503020204020204" pitchFamily="34" charset="-122"/>
-              <a:ea typeface="微软雅黑" panose="020B0503020204020204" pitchFamily="34" charset="-122"/>
-              <a:cs typeface="+mn-ea"/>
-              <a:sym typeface="+mn-lt"/>
-            </a:endParaRPr>
-          </a:p>
-          <a:p>
-            <a:pPr marL="171450" indent="-171450">
-              <a:lnSpc>
-                <a:spcPct val="130000"/>
-              </a:lnSpc>
-              <a:buFont typeface="Arial" panose="020B0604020202020204" pitchFamily="34" charset="0"/>
-              <a:buChar char="•"/>
-            </a:pPr>
-            <a:endParaRPr lang="en-US" altLang="zh-CN" sz="1400" dirty="0" smtClean="0">
+            <a:endParaRPr lang="en-US" altLang="zh-CN" sz="1400" dirty="0">
               <a:solidFill>
                 <a:srgbClr val="404040"/>
               </a:solidFill>
@@ -16176,6 +15663,24 @@
               <a:sym typeface="+mn-lt"/>
             </a:endParaRPr>
           </a:p>
+          <a:p>
+            <a:pPr marL="171450" indent="-171450">
+              <a:lnSpc>
+                <a:spcPct val="130000"/>
+              </a:lnSpc>
+              <a:buFont typeface="Arial" panose="020B0604020202020204" pitchFamily="34" charset="0"/>
+              <a:buChar char="•"/>
+            </a:pPr>
+            <a:endParaRPr lang="en-US" altLang="zh-CN" sz="1400" dirty="0">
+              <a:solidFill>
+                <a:srgbClr val="404040"/>
+              </a:solidFill>
+              <a:latin typeface="微软雅黑" panose="020B0503020204020204" pitchFamily="34" charset="-122"/>
+              <a:ea typeface="微软雅黑" panose="020B0503020204020204" pitchFamily="34" charset="-122"/>
+              <a:cs typeface="+mn-ea"/>
+              <a:sym typeface="+mn-lt"/>
+            </a:endParaRPr>
+          </a:p>
         </p:txBody>
       </p:sp>
     </p:spTree>
@@ -16189,13 +15694,6 @@
     <a:masterClrMapping/>
   </p:clrMapOvr>
   <p:transition spd="med" advClick="0" advTm="3000"/>
-  <p:timing>
-    <p:tnLst>
-      <p:par>
-        <p:cTn id="1" dur="indefinite" restart="never" nodeType="tmRoot"/>
-      </p:par>
-    </p:tnLst>
-  </p:timing>
 </p:sld>
 </file>
 
@@ -16798,37 +16296,7 @@
                 <a:cs typeface="+mn-ea"/>
                 <a:sym typeface="+mn-lt"/>
               </a:rPr>
-              <a:t>组织梳理项目的各个模块，</a:t>
-            </a:r>
-            <a:r>
-              <a:rPr lang="zh-CN" altLang="en-US" sz="1100" dirty="0" smtClean="0">
-                <a:solidFill>
-                  <a:schemeClr val="tx1">
-                    <a:lumMod val="75000"/>
-                    <a:lumOff val="25000"/>
-                  </a:schemeClr>
-                </a:solidFill>
-                <a:latin typeface="微软雅黑" panose="020B0503020204020204" pitchFamily="34" charset="-122"/>
-                <a:ea typeface="微软雅黑" panose="020B0503020204020204" pitchFamily="34" charset="-122"/>
-                <a:cs typeface="+mn-ea"/>
-                <a:sym typeface="+mn-lt"/>
-              </a:rPr>
-              <a:t>并详细</a:t>
-            </a:r>
-            <a:r>
-              <a:rPr lang="zh-CN" altLang="en-US" sz="1100" dirty="0">
-                <a:solidFill>
-                  <a:schemeClr val="tx1">
-                    <a:lumMod val="75000"/>
-                    <a:lumOff val="25000"/>
-                  </a:schemeClr>
-                </a:solidFill>
-                <a:latin typeface="微软雅黑" panose="020B0503020204020204" pitchFamily="34" charset="-122"/>
-                <a:ea typeface="微软雅黑" panose="020B0503020204020204" pitchFamily="34" charset="-122"/>
-                <a:cs typeface="+mn-ea"/>
-                <a:sym typeface="+mn-lt"/>
-              </a:rPr>
-              <a:t>描述</a:t>
+              <a:t>组织梳理项目的各个模块，并详细描述</a:t>
             </a:r>
           </a:p>
         </p:txBody>
@@ -17000,13 +16468,6 @@
       <p:transition spd="slow" advClick="0" advTm="3000"/>
     </mc:Fallback>
   </mc:AlternateContent>
-  <p:timing>
-    <p:tnLst>
-      <p:par>
-        <p:cTn id="1" dur="indefinite" restart="never" nodeType="tmRoot"/>
-      </p:par>
-    </p:tnLst>
-  </p:timing>
 </p:sld>
 </file>
 
@@ -17848,7 +17309,7 @@
           <a:lstStyle/>
           <a:p>
             <a:r>
-              <a:rPr lang="zh-CN" altLang="en-US" b="1" dirty="0" smtClean="0">
+              <a:rPr lang="zh-CN" altLang="en-US" b="1" dirty="0">
                 <a:solidFill>
                   <a:schemeClr val="tx1">
                     <a:lumMod val="85000"/>
@@ -17863,7 +17324,7 @@
               <a:t>食谱</a:t>
             </a:r>
             <a:r>
-              <a:rPr lang="en-US" altLang="zh-CN" b="1" dirty="0" smtClean="0">
+              <a:rPr lang="en-US" altLang="zh-CN" b="1" dirty="0">
                 <a:solidFill>
                   <a:schemeClr val="tx1">
                     <a:lumMod val="85000"/>
@@ -17878,7 +17339,7 @@
               <a:t>/</a:t>
             </a:r>
             <a:r>
-              <a:rPr lang="zh-CN" altLang="en-US" b="1" dirty="0" smtClean="0">
+              <a:rPr lang="zh-CN" altLang="en-US" b="1" dirty="0">
                 <a:solidFill>
                   <a:schemeClr val="tx1">
                     <a:lumMod val="85000"/>
@@ -17991,7 +17452,7 @@
           <a:lstStyle/>
           <a:p>
             <a:r>
-              <a:rPr lang="zh-CN" altLang="en-US" b="1" dirty="0" smtClean="0">
+              <a:rPr lang="zh-CN" altLang="en-US" b="1" dirty="0">
                 <a:solidFill>
                   <a:schemeClr val="tx1">
                     <a:lumMod val="85000"/>
@@ -18088,7 +17549,7 @@
           <a:p>
             <a:pPr algn="r"/>
             <a:r>
-              <a:rPr lang="zh-CN" altLang="en-US" b="1" dirty="0" smtClean="0">
+              <a:rPr lang="zh-CN" altLang="en-US" b="1" dirty="0">
                 <a:solidFill>
                   <a:schemeClr val="tx1">
                     <a:lumMod val="85000"/>
@@ -18169,21 +17630,7 @@
                 <a:latin typeface="微软雅黑" panose="020B0503020204020204" pitchFamily="34" charset="-122"/>
                 <a:ea typeface="微软雅黑" panose="020B0503020204020204" pitchFamily="34" charset="-122"/>
               </a:rPr>
-              <a:t>动态等</a:t>
-            </a:r>
-            <a:r>
-              <a:rPr lang="zh-CN" altLang="zh-CN" sz="1200" dirty="0" smtClean="0">
-                <a:latin typeface="微软雅黑" panose="020B0503020204020204" pitchFamily="34" charset="-122"/>
-                <a:ea typeface="微软雅黑" panose="020B0503020204020204" pitchFamily="34" charset="-122"/>
-              </a:rPr>
-              <a:t>。已</a:t>
-            </a:r>
-            <a:r>
-              <a:rPr lang="zh-CN" altLang="zh-CN" sz="1200" dirty="0">
-                <a:latin typeface="微软雅黑" panose="020B0503020204020204" pitchFamily="34" charset="-122"/>
-                <a:ea typeface="微软雅黑" panose="020B0503020204020204" pitchFamily="34" charset="-122"/>
-              </a:rPr>
-              <a:t>登录的用户可以使用社交模块的功能。</a:t>
+              <a:t>动态等。已登录的用户可以使用社交模块的功能。</a:t>
             </a:r>
           </a:p>
           <a:p>
@@ -18237,7 +17684,7 @@
           <a:p>
             <a:pPr algn="r"/>
             <a:r>
-              <a:rPr lang="zh-CN" altLang="en-US" b="1" dirty="0" smtClean="0">
+              <a:rPr lang="zh-CN" altLang="en-US" b="1" dirty="0">
                 <a:solidFill>
                   <a:schemeClr val="tx1">
                     <a:lumMod val="85000"/>
@@ -18513,20 +17960,10 @@
                 <a:cs typeface="+mn-ea"/>
                 <a:sym typeface="+mn-lt"/>
               </a:rPr>
-              <a:t>详细</a:t>
-            </a:r>
-            <a:r>
-              <a:rPr lang="zh-CN" altLang="en-US" sz="1800" dirty="0" smtClean="0">
-                <a:solidFill>
-                  <a:schemeClr val="bg1"/>
-                </a:solidFill>
-                <a:cs typeface="+mn-ea"/>
-                <a:sym typeface="+mn-lt"/>
-              </a:rPr>
-              <a:t>设计</a:t>
-            </a:r>
-            <a:r>
-              <a:rPr lang="en-US" altLang="zh-CN" sz="1800" dirty="0" smtClean="0">
+              <a:t>详细设计</a:t>
+            </a:r>
+            <a:r>
+              <a:rPr lang="en-US" altLang="zh-CN" sz="1800" dirty="0">
                 <a:solidFill>
                   <a:schemeClr val="bg1"/>
                 </a:solidFill>
@@ -18543,25 +17980,8 @@
                 <a:cs typeface="+mn-ea"/>
                 <a:sym typeface="+mn-lt"/>
               </a:rPr>
-              <a:t>模块</a:t>
-            </a:r>
-            <a:r>
-              <a:rPr lang="zh-CN" altLang="en-US" sz="1800" dirty="0" smtClean="0">
-                <a:solidFill>
-                  <a:schemeClr val="bg1"/>
-                </a:solidFill>
-                <a:cs typeface="+mn-ea"/>
-                <a:sym typeface="+mn-lt"/>
-              </a:rPr>
-              <a:t>设计</a:t>
-            </a:r>
-            <a:endParaRPr lang="zh-CN" altLang="en-US" sz="1800" dirty="0">
-              <a:solidFill>
-                <a:schemeClr val="bg1"/>
-              </a:solidFill>
-              <a:cs typeface="+mn-ea"/>
-              <a:sym typeface="+mn-lt"/>
-            </a:endParaRPr>
+              <a:t>模块设计</a:t>
+            </a:r>
           </a:p>
         </p:txBody>
       </p:sp>
@@ -18831,13 +18251,6 @@
     <a:masterClrMapping/>
   </p:clrMapOvr>
   <p:transition spd="med" advClick="0" advTm="3000"/>
-  <p:timing>
-    <p:tnLst>
-      <p:par>
-        <p:cTn id="1" dur="indefinite" restart="never" nodeType="tmRoot"/>
-      </p:par>
-    </p:tnLst>
-  </p:timing>
 </p:sld>
 </file>
 
@@ -19613,29 +19026,8 @@
                   <a:cs typeface="+mn-ea"/>
                   <a:sym typeface="+mn-lt"/>
                 </a:rPr>
-                <a:t>项目</a:t>
+                <a:t>项目介绍</a:t>
               </a:r>
-              <a:r>
-                <a:rPr lang="zh-CN" altLang="en-US" sz="2400" b="1" dirty="0" smtClean="0">
-                  <a:solidFill>
-                    <a:srgbClr val="FFC000"/>
-                  </a:solidFill>
-                  <a:latin typeface="微软雅黑" panose="020B0503020204020204" pitchFamily="34" charset="-122"/>
-                  <a:ea typeface="微软雅黑" panose="020B0503020204020204" pitchFamily="34" charset="-122"/>
-                  <a:cs typeface="+mn-ea"/>
-                  <a:sym typeface="+mn-lt"/>
-                </a:rPr>
-                <a:t>介绍</a:t>
-              </a:r>
-              <a:endParaRPr lang="zh-CN" altLang="en-US" sz="2400" b="1" dirty="0">
-                <a:solidFill>
-                  <a:srgbClr val="FFC000"/>
-                </a:solidFill>
-                <a:latin typeface="微软雅黑" panose="020B0503020204020204" pitchFamily="34" charset="-122"/>
-                <a:ea typeface="微软雅黑" panose="020B0503020204020204" pitchFamily="34" charset="-122"/>
-                <a:cs typeface="+mn-ea"/>
-                <a:sym typeface="+mn-lt"/>
-              </a:endParaRPr>
             </a:p>
           </p:txBody>
         </p:sp>
@@ -19666,7 +19058,7 @@
                 </a:lnSpc>
               </a:pPr>
               <a:r>
-                <a:rPr lang="zh-CN" altLang="en-US" sz="1200" dirty="0" smtClean="0">
+                <a:rPr lang="zh-CN" altLang="en-US" sz="1200" dirty="0">
                   <a:solidFill>
                     <a:schemeClr val="tx1">
                       <a:lumMod val="75000"/>
@@ -19680,18 +19072,6 @@
                 </a:rPr>
                 <a:t>首先介绍产品的开发背景、产品定位、组织目标，同时制定第一阶段的用户故事，确定开发环境及约束</a:t>
               </a:r>
-              <a:endParaRPr lang="zh-CN" altLang="en-US" sz="1200" dirty="0">
-                <a:solidFill>
-                  <a:schemeClr val="tx1">
-                    <a:lumMod val="75000"/>
-                    <a:lumOff val="25000"/>
-                  </a:schemeClr>
-                </a:solidFill>
-                <a:latin typeface="微软雅黑" panose="020B0503020204020204" pitchFamily="34" charset="-122"/>
-                <a:ea typeface="微软雅黑" panose="020B0503020204020204" pitchFamily="34" charset="-122"/>
-                <a:cs typeface="+mn-ea"/>
-                <a:sym typeface="+mn-lt"/>
-              </a:endParaRPr>
             </a:p>
           </p:txBody>
         </p:sp>
@@ -19819,7 +19199,7 @@
             <a:p>
               <a:pPr algn="ctr"/>
               <a:r>
-                <a:rPr lang="zh-CN" altLang="en-US" sz="2400" b="1" dirty="0" smtClean="0">
+                <a:rPr lang="zh-CN" altLang="en-US" sz="2400" b="1" dirty="0">
                   <a:solidFill>
                     <a:srgbClr val="FFC000"/>
                   </a:solidFill>
@@ -19830,15 +19210,6 @@
                 </a:rPr>
                 <a:t>需求分析</a:t>
               </a:r>
-              <a:endParaRPr lang="zh-CN" altLang="en-US" sz="2400" b="1" dirty="0">
-                <a:solidFill>
-                  <a:srgbClr val="FFC000"/>
-                </a:solidFill>
-                <a:latin typeface="微软雅黑" panose="020B0503020204020204" pitchFamily="34" charset="-122"/>
-                <a:ea typeface="微软雅黑" panose="020B0503020204020204" pitchFamily="34" charset="-122"/>
-                <a:cs typeface="+mn-ea"/>
-                <a:sym typeface="+mn-lt"/>
-              </a:endParaRPr>
             </a:p>
           </p:txBody>
         </p:sp>
@@ -19869,7 +19240,7 @@
                 </a:lnSpc>
               </a:pPr>
               <a:r>
-                <a:rPr lang="zh-CN" altLang="en-US" sz="1200" dirty="0" smtClean="0">
+                <a:rPr lang="zh-CN" altLang="en-US" sz="1200" dirty="0">
                   <a:solidFill>
                     <a:schemeClr val="tx1">
                       <a:lumMod val="75000"/>
@@ -19883,18 +19254,6 @@
                 </a:rPr>
                 <a:t>分为功能性需求，用户行为，及非功能性需求三部分</a:t>
               </a:r>
-              <a:endParaRPr lang="zh-CN" altLang="en-US" sz="1200" dirty="0">
-                <a:solidFill>
-                  <a:schemeClr val="tx1">
-                    <a:lumMod val="75000"/>
-                    <a:lumOff val="25000"/>
-                  </a:schemeClr>
-                </a:solidFill>
-                <a:latin typeface="微软雅黑" panose="020B0503020204020204" pitchFamily="34" charset="-122"/>
-                <a:ea typeface="微软雅黑" panose="020B0503020204020204" pitchFamily="34" charset="-122"/>
-                <a:cs typeface="+mn-ea"/>
-                <a:sym typeface="+mn-lt"/>
-              </a:endParaRPr>
             </a:p>
           </p:txBody>
         </p:sp>
@@ -20022,7 +19381,7 @@
             <a:p>
               <a:pPr algn="ctr"/>
               <a:r>
-                <a:rPr lang="zh-CN" altLang="en-US" sz="2400" b="1" dirty="0" smtClean="0">
+                <a:rPr lang="zh-CN" altLang="en-US" sz="2400" b="1" dirty="0">
                   <a:solidFill>
                     <a:srgbClr val="FFC000"/>
                   </a:solidFill>
@@ -20033,15 +19392,6 @@
                 </a:rPr>
                 <a:t>概要设计</a:t>
               </a:r>
-              <a:endParaRPr lang="zh-CN" altLang="en-US" sz="2400" b="1" dirty="0">
-                <a:solidFill>
-                  <a:srgbClr val="FFC000"/>
-                </a:solidFill>
-                <a:latin typeface="微软雅黑" panose="020B0503020204020204" pitchFamily="34" charset="-122"/>
-                <a:ea typeface="微软雅黑" panose="020B0503020204020204" pitchFamily="34" charset="-122"/>
-                <a:cs typeface="+mn-ea"/>
-                <a:sym typeface="+mn-lt"/>
-              </a:endParaRPr>
             </a:p>
           </p:txBody>
         </p:sp>
@@ -20072,7 +19422,7 @@
                 </a:lnSpc>
               </a:pPr>
               <a:r>
-                <a:rPr lang="zh-CN" altLang="en-US" sz="1200" dirty="0" smtClean="0">
+                <a:rPr lang="zh-CN" altLang="en-US" sz="1200" dirty="0">
                   <a:solidFill>
                     <a:schemeClr val="tx1">
                       <a:lumMod val="75000"/>
@@ -20086,18 +19436,6 @@
                 </a:rPr>
                 <a:t>确立系统设计目标，展示项目的系统架构设计，数据库设计，接口设计</a:t>
               </a:r>
-              <a:endParaRPr lang="zh-CN" altLang="en-US" sz="1200" dirty="0">
-                <a:solidFill>
-                  <a:schemeClr val="tx1">
-                    <a:lumMod val="75000"/>
-                    <a:lumOff val="25000"/>
-                  </a:schemeClr>
-                </a:solidFill>
-                <a:latin typeface="微软雅黑" panose="020B0503020204020204" pitchFamily="34" charset="-122"/>
-                <a:ea typeface="微软雅黑" panose="020B0503020204020204" pitchFamily="34" charset="-122"/>
-                <a:cs typeface="+mn-ea"/>
-                <a:sym typeface="+mn-lt"/>
-              </a:endParaRPr>
             </a:p>
           </p:txBody>
         </p:sp>
@@ -20225,7 +19563,7 @@
             <a:p>
               <a:pPr algn="ctr"/>
               <a:r>
-                <a:rPr lang="zh-CN" altLang="en-US" sz="2400" b="1" dirty="0" smtClean="0">
+                <a:rPr lang="zh-CN" altLang="en-US" sz="2400" b="1" dirty="0">
                   <a:solidFill>
                     <a:srgbClr val="FFC000"/>
                   </a:solidFill>
@@ -20236,15 +19574,6 @@
                 </a:rPr>
                 <a:t>详细设计</a:t>
               </a:r>
-              <a:endParaRPr lang="zh-CN" altLang="en-US" sz="2400" b="1" dirty="0">
-                <a:solidFill>
-                  <a:srgbClr val="FFC000"/>
-                </a:solidFill>
-                <a:latin typeface="微软雅黑" panose="020B0503020204020204" pitchFamily="34" charset="-122"/>
-                <a:ea typeface="微软雅黑" panose="020B0503020204020204" pitchFamily="34" charset="-122"/>
-                <a:cs typeface="+mn-ea"/>
-                <a:sym typeface="+mn-lt"/>
-              </a:endParaRPr>
             </a:p>
           </p:txBody>
         </p:sp>
@@ -20287,65 +19616,8 @@
                   <a:cs typeface="+mn-ea"/>
                   <a:sym typeface="+mn-lt"/>
                 </a:rPr>
-                <a:t>组织</a:t>
+                <a:t>组织梳理项目的各个模块，并详细描述</a:t>
               </a:r>
-              <a:r>
-                <a:rPr lang="zh-CN" altLang="en-US" sz="1200" dirty="0" smtClean="0">
-                  <a:solidFill>
-                    <a:schemeClr val="tx1">
-                      <a:lumMod val="75000"/>
-                      <a:lumOff val="25000"/>
-                    </a:schemeClr>
-                  </a:solidFill>
-                  <a:latin typeface="微软雅黑" panose="020B0503020204020204" pitchFamily="34" charset="-122"/>
-                  <a:ea typeface="微软雅黑" panose="020B0503020204020204" pitchFamily="34" charset="-122"/>
-                  <a:cs typeface="+mn-ea"/>
-                  <a:sym typeface="+mn-lt"/>
-                </a:rPr>
-                <a:t>梳理项目的各个模块，</a:t>
-              </a:r>
-              <a:r>
-                <a:rPr lang="zh-CN" altLang="en-US" sz="1200" dirty="0" smtClean="0">
-                  <a:solidFill>
-                    <a:schemeClr val="tx1">
-                      <a:lumMod val="75000"/>
-                      <a:lumOff val="25000"/>
-                    </a:schemeClr>
-                  </a:solidFill>
-                  <a:latin typeface="微软雅黑" panose="020B0503020204020204" pitchFamily="34" charset="-122"/>
-                  <a:ea typeface="微软雅黑" panose="020B0503020204020204" pitchFamily="34" charset="-122"/>
-                  <a:cs typeface="+mn-ea"/>
-                  <a:sym typeface="+mn-lt"/>
-                </a:rPr>
-                <a:t>并详细</a:t>
-              </a:r>
-              <a:r>
-                <a:rPr lang="zh-CN" altLang="en-US" sz="1200" dirty="0" smtClean="0">
-                  <a:solidFill>
-                    <a:schemeClr val="tx1">
-                      <a:lumMod val="75000"/>
-                      <a:lumOff val="25000"/>
-                    </a:schemeClr>
-                  </a:solidFill>
-                  <a:latin typeface="微软雅黑" panose="020B0503020204020204" pitchFamily="34" charset="-122"/>
-                  <a:ea typeface="微软雅黑" panose="020B0503020204020204" pitchFamily="34" charset="-122"/>
-                  <a:cs typeface="+mn-ea"/>
-                  <a:sym typeface="+mn-lt"/>
-                </a:rPr>
-                <a:t>描述</a:t>
-              </a:r>
-              <a:endParaRPr lang="zh-CN" altLang="en-US" sz="1200" dirty="0">
-                <a:solidFill>
-                  <a:schemeClr val="tx1">
-                    <a:lumMod val="75000"/>
-                    <a:lumOff val="25000"/>
-                  </a:schemeClr>
-                </a:solidFill>
-                <a:latin typeface="微软雅黑" panose="020B0503020204020204" pitchFamily="34" charset="-122"/>
-                <a:ea typeface="微软雅黑" panose="020B0503020204020204" pitchFamily="34" charset="-122"/>
-                <a:cs typeface="+mn-ea"/>
-                <a:sym typeface="+mn-lt"/>
-              </a:endParaRPr>
             </a:p>
           </p:txBody>
         </p:sp>
@@ -20804,13 +20076,6 @@
       <p:transition spd="slow" advClick="0" advTm="3000"/>
     </mc:Fallback>
   </mc:AlternateContent>
-  <p:timing>
-    <p:tnLst>
-      <p:par>
-        <p:cTn id="1" dur="indefinite" restart="never" nodeType="tmRoot"/>
-      </p:par>
-    </p:tnLst>
-  </p:timing>
 </p:sld>
 </file>
 
@@ -21585,13 +20850,6 @@
       <p:transition spd="slow" advClick="0" advTm="3000"/>
     </mc:Fallback>
   </mc:AlternateContent>
-  <p:timing>
-    <p:tnLst>
-      <p:par>
-        <p:cTn id="1" dur="indefinite" restart="never" nodeType="tmRoot"/>
-      </p:par>
-    </p:tnLst>
-  </p:timing>
 </p:sld>
 </file>
 
@@ -21929,16 +21187,12 @@
           <a:p>
             <a:pPr algn="ctr"/>
             <a:r>
-              <a:rPr lang="zh-CN" altLang="en-US" sz="2000" dirty="0" smtClean="0">
+              <a:rPr lang="zh-CN" altLang="en-US" sz="2000" dirty="0">
                 <a:cs typeface="+mn-ea"/>
                 <a:sym typeface="+mn-lt"/>
               </a:rPr>
               <a:t>美食拍</a:t>
             </a:r>
-            <a:endParaRPr lang="zh-CN" altLang="en-US" sz="2000" dirty="0">
-              <a:cs typeface="+mn-ea"/>
-              <a:sym typeface="+mn-lt"/>
-            </a:endParaRPr>
           </a:p>
         </p:txBody>
       </p:sp>
@@ -22876,7 +22130,7 @@
           <a:lstStyle/>
           <a:p>
             <a:r>
-              <a:rPr lang="zh-CN" altLang="en-US" b="1" dirty="0" smtClean="0">
+              <a:rPr lang="zh-CN" altLang="en-US" b="1" dirty="0">
                 <a:solidFill>
                   <a:srgbClr val="000000"/>
                 </a:solidFill>
@@ -22888,7 +22142,7 @@
               <a:t>* 痛点</a:t>
             </a:r>
             <a:r>
-              <a:rPr lang="en-US" altLang="zh-CN" b="1" dirty="0" smtClean="0">
+              <a:rPr lang="en-US" altLang="zh-CN" b="1" dirty="0">
                 <a:solidFill>
                   <a:srgbClr val="000000"/>
                 </a:solidFill>
@@ -22992,7 +22246,7 @@
           <a:lstStyle/>
           <a:p>
             <a:r>
-              <a:rPr lang="zh-CN" altLang="en-US" b="1" dirty="0" smtClean="0">
+              <a:rPr lang="zh-CN" altLang="en-US" b="1" dirty="0">
                 <a:solidFill>
                   <a:srgbClr val="000000"/>
                 </a:solidFill>
@@ -23004,7 +22258,7 @@
               <a:t>* 痛点</a:t>
             </a:r>
             <a:r>
-              <a:rPr lang="en-US" altLang="zh-CN" b="1" dirty="0" smtClean="0">
+              <a:rPr lang="en-US" altLang="zh-CN" b="1" dirty="0">
                 <a:solidFill>
                   <a:srgbClr val="000000"/>
                 </a:solidFill>
@@ -23082,13 +22336,6 @@
     <a:masterClrMapping/>
   </p:clrMapOvr>
   <p:transition spd="med" advClick="0" advTm="3000"/>
-  <p:timing>
-    <p:tnLst>
-      <p:par>
-        <p:cTn id="1" dur="indefinite" restart="never" nodeType="tmRoot"/>
-      </p:par>
-    </p:tnLst>
-  </p:timing>
 </p:sld>
 </file>
 
@@ -23254,7 +22501,7 @@
           </a:lstStyle>
           <a:p>
             <a:r>
-              <a:rPr lang="zh-CN" altLang="en-US" sz="1800" dirty="0" smtClean="0">
+              <a:rPr lang="zh-CN" altLang="en-US" sz="1800" dirty="0">
                 <a:solidFill>
                   <a:schemeClr val="bg1"/>
                 </a:solidFill>
@@ -23263,13 +22510,6 @@
               </a:rPr>
               <a:t>项目介绍</a:t>
             </a:r>
-            <a:endParaRPr lang="zh-CN" altLang="en-US" sz="1800" dirty="0">
-              <a:solidFill>
-                <a:schemeClr val="bg1"/>
-              </a:solidFill>
-              <a:cs typeface="+mn-ea"/>
-              <a:sym typeface="+mn-lt"/>
-            </a:endParaRPr>
           </a:p>
         </p:txBody>
       </p:sp>
@@ -23526,14 +22766,7 @@
                 <a:latin typeface="微软雅黑" panose="020B0503020204020204" pitchFamily="34" charset="-122"/>
                 <a:ea typeface="微软雅黑" panose="020B0503020204020204" pitchFamily="34" charset="-122"/>
               </a:rPr>
-              <a:t>一个吃货交友、美食讨论和美食组团的平台，同时还可以为美食商家提供广告</a:t>
-            </a:r>
-            <a:r>
-              <a:rPr lang="zh-CN" altLang="zh-CN" sz="1200" dirty="0" smtClean="0">
-                <a:latin typeface="微软雅黑" panose="020B0503020204020204" pitchFamily="34" charset="-122"/>
-                <a:ea typeface="微软雅黑" panose="020B0503020204020204" pitchFamily="34" charset="-122"/>
-              </a:rPr>
-              <a:t>位</a:t>
+              <a:t>一个吃货交友、美食讨论和美食组团的平台，同时还可以为美食商家提供广告位</a:t>
             </a:r>
             <a:endParaRPr lang="en-US" altLang="zh-CN" sz="1200" dirty="0">
               <a:solidFill>
@@ -23558,37 +22791,8 @@
                 <a:latin typeface="微软雅黑" panose="020B0503020204020204" pitchFamily="34" charset="-122"/>
                 <a:ea typeface="微软雅黑" panose="020B0503020204020204" pitchFamily="34" charset="-122"/>
               </a:rPr>
-              <a:t>在产品投入市场后，占领不成熟的美食社交领域，并且在用户需求下逐渐改善优化产品功能及其性能，在一到三年内，逐步成为功能齐全涉及广泛值得用户信赖的垂直型社交</a:t>
-            </a:r>
-            <a:r>
-              <a:rPr lang="zh-CN" altLang="zh-CN" sz="1200" dirty="0" smtClean="0">
-                <a:latin typeface="微软雅黑" panose="020B0503020204020204" pitchFamily="34" charset="-122"/>
-                <a:ea typeface="微软雅黑" panose="020B0503020204020204" pitchFamily="34" charset="-122"/>
-              </a:rPr>
-              <a:t>网站</a:t>
-            </a:r>
-            <a:endParaRPr lang="zh-CN" altLang="zh-CN" sz="1200" dirty="0">
-              <a:latin typeface="微软雅黑" panose="020B0503020204020204" pitchFamily="34" charset="-122"/>
-              <a:ea typeface="微软雅黑" panose="020B0503020204020204" pitchFamily="34" charset="-122"/>
-            </a:endParaRPr>
-          </a:p>
-          <a:p>
-            <a:pPr marL="171450" indent="-171450">
-              <a:lnSpc>
-                <a:spcPct val="130000"/>
-              </a:lnSpc>
-              <a:buFont typeface="Arial" panose="020B0604020202020204" pitchFamily="34" charset="0"/>
-              <a:buChar char="•"/>
-            </a:pPr>
-            <a:endParaRPr kumimoji="1" lang="zh-CN" altLang="en-US" sz="1200" dirty="0" smtClean="0">
-              <a:solidFill>
-                <a:srgbClr val="404040"/>
-              </a:solidFill>
-              <a:latin typeface="微软雅黑" panose="020B0503020204020204" pitchFamily="34" charset="-122"/>
-              <a:ea typeface="微软雅黑" panose="020B0503020204020204" pitchFamily="34" charset="-122"/>
-              <a:cs typeface="+mn-ea"/>
-              <a:sym typeface="+mn-lt"/>
-            </a:endParaRPr>
+              <a:t>在产品投入市场后，占领不成熟的美食社交领域，并且在用户需求下逐渐改善优化产品功能及其性能，在一到三年内，逐步成为功能齐全涉及广泛值得用户信赖的垂直型社交网站</a:t>
+            </a:r>
           </a:p>
           <a:p>
             <a:pPr marL="171450" indent="-171450">
@@ -23608,250 +22812,6 @@
               <a:sym typeface="+mn-lt"/>
             </a:endParaRPr>
           </a:p>
-        </p:txBody>
-      </p:sp>
-      <p:sp>
-        <p:nvSpPr>
-          <p:cNvPr id="11" name="矩形 10">
-            <a:extLst>
-              <a:ext uri="{FF2B5EF4-FFF2-40B4-BE49-F238E27FC236}">
-                <a16:creationId xmlns:a16="http://schemas.microsoft.com/office/drawing/2014/main" id="{30F3EC8A-7820-4A26-8F57-741747FDBAF0}"/>
-              </a:ext>
-            </a:extLst>
-          </p:cNvPr>
-          <p:cNvSpPr/>
-          <p:nvPr/>
-        </p:nvSpPr>
-        <p:spPr>
-          <a:xfrm>
-            <a:off x="1126984" y="3630012"/>
-            <a:ext cx="1005403" cy="338554"/>
-          </a:xfrm>
-          <a:prstGeom prst="rect">
-            <a:avLst/>
-          </a:prstGeom>
-        </p:spPr>
-        <p:txBody>
-          <a:bodyPr wrap="none">
-            <a:spAutoFit/>
-          </a:bodyPr>
-          <a:lstStyle/>
-          <a:p>
-            <a:r>
-              <a:rPr lang="zh-CN" altLang="en-US" sz="1600" b="1" dirty="0" smtClean="0">
-                <a:solidFill>
-                  <a:srgbClr val="404040"/>
-                </a:solidFill>
-                <a:latin typeface="微软雅黑" panose="020B0503020204020204" pitchFamily="34" charset="-122"/>
-                <a:ea typeface="微软雅黑" panose="020B0503020204020204" pitchFamily="34" charset="-122"/>
-                <a:cs typeface="+mn-ea"/>
-                <a:sym typeface="+mn-lt"/>
-              </a:rPr>
-              <a:t>组织目标</a:t>
-            </a:r>
-            <a:endParaRPr lang="zh-CN" altLang="en-US" sz="1600" b="1" dirty="0">
-              <a:solidFill>
-                <a:srgbClr val="404040"/>
-              </a:solidFill>
-              <a:latin typeface="微软雅黑" panose="020B0503020204020204" pitchFamily="34" charset="-122"/>
-              <a:ea typeface="微软雅黑" panose="020B0503020204020204" pitchFamily="34" charset="-122"/>
-              <a:cs typeface="+mn-ea"/>
-              <a:sym typeface="+mn-lt"/>
-            </a:endParaRPr>
-          </a:p>
-        </p:txBody>
-      </p:sp>
-      <p:sp>
-        <p:nvSpPr>
-          <p:cNvPr id="12" name="矩形 11">
-            <a:extLst>
-              <a:ext uri="{FF2B5EF4-FFF2-40B4-BE49-F238E27FC236}">
-                <a16:creationId xmlns:a16="http://schemas.microsoft.com/office/drawing/2014/main" id="{25DA49C4-D220-4942-94B5-CD31EB83868F}"/>
-              </a:ext>
-            </a:extLst>
-          </p:cNvPr>
-          <p:cNvSpPr/>
-          <p:nvPr/>
-        </p:nvSpPr>
-        <p:spPr>
-          <a:xfrm>
-            <a:off x="4444930" y="4108513"/>
-            <a:ext cx="3159266" cy="1052596"/>
-          </a:xfrm>
-          <a:prstGeom prst="rect">
-            <a:avLst/>
-          </a:prstGeom>
-        </p:spPr>
-        <p:txBody>
-          <a:bodyPr wrap="square">
-            <a:spAutoFit/>
-          </a:bodyPr>
-          <a:lstStyle/>
-          <a:p>
-            <a:pPr marL="171450" indent="-171450">
-              <a:lnSpc>
-                <a:spcPct val="130000"/>
-              </a:lnSpc>
-              <a:buFont typeface="Arial" panose="020B0604020202020204" pitchFamily="34" charset="0"/>
-              <a:buChar char="•"/>
-            </a:pPr>
-            <a:r>
-              <a:rPr lang="zh-CN" altLang="zh-CN" sz="1200" dirty="0">
-                <a:latin typeface="微软雅黑" panose="020B0503020204020204" pitchFamily="34" charset="-122"/>
-                <a:ea typeface="微软雅黑" panose="020B0503020204020204" pitchFamily="34" charset="-122"/>
-              </a:rPr>
-              <a:t>本产品为面向美食及其所涉及对象的垂直分享社交型微信小程序，为有相同兴趣的用户提供先进科学以及高效的沟通，并且为此类用户提供安全便捷的网络周边</a:t>
-            </a:r>
-            <a:r>
-              <a:rPr lang="zh-CN" altLang="zh-CN" sz="1200" dirty="0" smtClean="0">
-                <a:latin typeface="微软雅黑" panose="020B0503020204020204" pitchFamily="34" charset="-122"/>
-                <a:ea typeface="微软雅黑" panose="020B0503020204020204" pitchFamily="34" charset="-122"/>
-              </a:rPr>
-              <a:t>环境</a:t>
-            </a:r>
-            <a:endParaRPr lang="zh-CN" altLang="zh-CN" sz="1200" dirty="0">
-              <a:latin typeface="微软雅黑" panose="020B0503020204020204" pitchFamily="34" charset="-122"/>
-              <a:ea typeface="微软雅黑" panose="020B0503020204020204" pitchFamily="34" charset="-122"/>
-            </a:endParaRPr>
-          </a:p>
-        </p:txBody>
-      </p:sp>
-      <p:sp>
-        <p:nvSpPr>
-          <p:cNvPr id="13" name="矩形 12">
-            <a:extLst>
-              <a:ext uri="{FF2B5EF4-FFF2-40B4-BE49-F238E27FC236}">
-                <a16:creationId xmlns:a16="http://schemas.microsoft.com/office/drawing/2014/main" id="{AC2158FE-44C5-4308-BB8C-96F4B889C345}"/>
-              </a:ext>
-            </a:extLst>
-          </p:cNvPr>
-          <p:cNvSpPr/>
-          <p:nvPr/>
-        </p:nvSpPr>
-        <p:spPr>
-          <a:xfrm>
-            <a:off x="4444930" y="3630012"/>
-            <a:ext cx="1005403" cy="338554"/>
-          </a:xfrm>
-          <a:prstGeom prst="rect">
-            <a:avLst/>
-          </a:prstGeom>
-        </p:spPr>
-        <p:txBody>
-          <a:bodyPr wrap="none">
-            <a:spAutoFit/>
-          </a:bodyPr>
-          <a:lstStyle/>
-          <a:p>
-            <a:r>
-              <a:rPr lang="zh-CN" altLang="en-US" sz="1600" b="1" dirty="0" smtClean="0">
-                <a:solidFill>
-                  <a:srgbClr val="404040"/>
-                </a:solidFill>
-                <a:latin typeface="微软雅黑" panose="020B0503020204020204" pitchFamily="34" charset="-122"/>
-                <a:ea typeface="微软雅黑" panose="020B0503020204020204" pitchFamily="34" charset="-122"/>
-                <a:cs typeface="+mn-ea"/>
-                <a:sym typeface="+mn-lt"/>
-              </a:rPr>
-              <a:t>产品定位</a:t>
-            </a:r>
-            <a:endParaRPr lang="zh-CN" altLang="en-US" sz="1600" b="1" dirty="0">
-              <a:solidFill>
-                <a:srgbClr val="404040"/>
-              </a:solidFill>
-              <a:latin typeface="微软雅黑" panose="020B0503020204020204" pitchFamily="34" charset="-122"/>
-              <a:ea typeface="微软雅黑" panose="020B0503020204020204" pitchFamily="34" charset="-122"/>
-              <a:cs typeface="+mn-ea"/>
-              <a:sym typeface="+mn-lt"/>
-            </a:endParaRPr>
-          </a:p>
-        </p:txBody>
-      </p:sp>
-      <p:sp>
-        <p:nvSpPr>
-          <p:cNvPr id="14" name="矩形 13">
-            <a:extLst>
-              <a:ext uri="{FF2B5EF4-FFF2-40B4-BE49-F238E27FC236}">
-                <a16:creationId xmlns:a16="http://schemas.microsoft.com/office/drawing/2014/main" id="{E5CF7B56-9B7C-4AB3-B134-604CEBD3FDC9}"/>
-              </a:ext>
-            </a:extLst>
-          </p:cNvPr>
-          <p:cNvSpPr/>
-          <p:nvPr/>
-        </p:nvSpPr>
-        <p:spPr>
-          <a:xfrm>
-            <a:off x="7924801" y="4044091"/>
-            <a:ext cx="3159266" cy="1772793"/>
-          </a:xfrm>
-          <a:prstGeom prst="rect">
-            <a:avLst/>
-          </a:prstGeom>
-        </p:spPr>
-        <p:txBody>
-          <a:bodyPr wrap="square">
-            <a:spAutoFit/>
-          </a:bodyPr>
-          <a:lstStyle/>
-          <a:p>
-            <a:pPr marL="171450" indent="-171450">
-              <a:lnSpc>
-                <a:spcPct val="130000"/>
-              </a:lnSpc>
-              <a:buFont typeface="Arial" panose="020B0604020202020204" pitchFamily="34" charset="0"/>
-              <a:buChar char="•"/>
-            </a:pPr>
-            <a:r>
-              <a:rPr lang="zh-CN" altLang="zh-CN" sz="1200" dirty="0">
-                <a:latin typeface="微软雅黑" panose="020B0503020204020204" pitchFamily="34" charset="-122"/>
-                <a:ea typeface="微软雅黑" panose="020B0503020204020204" pitchFamily="34" charset="-122"/>
-              </a:rPr>
-              <a:t>功能：分享推荐、留言评论、点赞收藏、在线聊天、信息检索、论坛、个人信息管理</a:t>
-            </a:r>
-            <a:r>
-              <a:rPr lang="zh-CN" altLang="zh-CN" sz="1200" dirty="0" smtClean="0">
-                <a:latin typeface="微软雅黑" panose="020B0503020204020204" pitchFamily="34" charset="-122"/>
-                <a:ea typeface="微软雅黑" panose="020B0503020204020204" pitchFamily="34" charset="-122"/>
-              </a:rPr>
-              <a:t>等</a:t>
-            </a:r>
-            <a:endParaRPr lang="en-US" altLang="zh-CN" sz="1200" dirty="0">
-              <a:solidFill>
-                <a:srgbClr val="404040"/>
-              </a:solidFill>
-              <a:latin typeface="微软雅黑" panose="020B0503020204020204" pitchFamily="34" charset="-122"/>
-              <a:ea typeface="微软雅黑" panose="020B0503020204020204" pitchFamily="34" charset="-122"/>
-              <a:cs typeface="+mn-ea"/>
-              <a:sym typeface="+mn-lt"/>
-            </a:endParaRPr>
-          </a:p>
-          <a:p>
-            <a:pPr marL="171450" indent="-171450">
-              <a:lnSpc>
-                <a:spcPct val="130000"/>
-              </a:lnSpc>
-              <a:buFont typeface="Arial" panose="020B0604020202020204" pitchFamily="34" charset="0"/>
-              <a:buChar char="•"/>
-            </a:pPr>
-            <a:r>
-              <a:rPr lang="zh-CN" altLang="zh-CN" sz="1200" dirty="0">
-                <a:latin typeface="微软雅黑" panose="020B0503020204020204" pitchFamily="34" charset="-122"/>
-                <a:ea typeface="微软雅黑" panose="020B0503020204020204" pitchFamily="34" charset="-122"/>
-              </a:rPr>
-              <a:t>特色：本产品可以针对用户所浏览的内容，进行大数据智能推荐信息，可以设置自己喜欢的</a:t>
-            </a:r>
-            <a:r>
-              <a:rPr lang="zh-CN" altLang="zh-CN" sz="1200" dirty="0" smtClean="0">
-                <a:latin typeface="微软雅黑" panose="020B0503020204020204" pitchFamily="34" charset="-122"/>
-                <a:ea typeface="微软雅黑" panose="020B0503020204020204" pitchFamily="34" charset="-122"/>
-              </a:rPr>
-              <a:t>tag</a:t>
-            </a:r>
-            <a:endParaRPr lang="zh-CN" altLang="zh-CN" sz="1200" dirty="0">
-              <a:latin typeface="微软雅黑" panose="020B0503020204020204" pitchFamily="34" charset="-122"/>
-              <a:ea typeface="微软雅黑" panose="020B0503020204020204" pitchFamily="34" charset="-122"/>
-            </a:endParaRPr>
-          </a:p>
           <a:p>
             <a:pPr marL="171450" indent="-171450">
               <a:lnSpc>
@@ -23874,6 +22834,221 @@
       </p:sp>
       <p:sp>
         <p:nvSpPr>
+          <p:cNvPr id="11" name="矩形 10">
+            <a:extLst>
+              <a:ext uri="{FF2B5EF4-FFF2-40B4-BE49-F238E27FC236}">
+                <a16:creationId xmlns:a16="http://schemas.microsoft.com/office/drawing/2014/main" id="{30F3EC8A-7820-4A26-8F57-741747FDBAF0}"/>
+              </a:ext>
+            </a:extLst>
+          </p:cNvPr>
+          <p:cNvSpPr/>
+          <p:nvPr/>
+        </p:nvSpPr>
+        <p:spPr>
+          <a:xfrm>
+            <a:off x="1126984" y="3630012"/>
+            <a:ext cx="1005403" cy="338554"/>
+          </a:xfrm>
+          <a:prstGeom prst="rect">
+            <a:avLst/>
+          </a:prstGeom>
+        </p:spPr>
+        <p:txBody>
+          <a:bodyPr wrap="none">
+            <a:spAutoFit/>
+          </a:bodyPr>
+          <a:lstStyle/>
+          <a:p>
+            <a:r>
+              <a:rPr lang="zh-CN" altLang="en-US" sz="1600" b="1" dirty="0">
+                <a:solidFill>
+                  <a:srgbClr val="404040"/>
+                </a:solidFill>
+                <a:latin typeface="微软雅黑" panose="020B0503020204020204" pitchFamily="34" charset="-122"/>
+                <a:ea typeface="微软雅黑" panose="020B0503020204020204" pitchFamily="34" charset="-122"/>
+                <a:cs typeface="+mn-ea"/>
+                <a:sym typeface="+mn-lt"/>
+              </a:rPr>
+              <a:t>组织目标</a:t>
+            </a:r>
+          </a:p>
+        </p:txBody>
+      </p:sp>
+      <p:sp>
+        <p:nvSpPr>
+          <p:cNvPr id="12" name="矩形 11">
+            <a:extLst>
+              <a:ext uri="{FF2B5EF4-FFF2-40B4-BE49-F238E27FC236}">
+                <a16:creationId xmlns:a16="http://schemas.microsoft.com/office/drawing/2014/main" id="{25DA49C4-D220-4942-94B5-CD31EB83868F}"/>
+              </a:ext>
+            </a:extLst>
+          </p:cNvPr>
+          <p:cNvSpPr/>
+          <p:nvPr/>
+        </p:nvSpPr>
+        <p:spPr>
+          <a:xfrm>
+            <a:off x="4444930" y="4108513"/>
+            <a:ext cx="3159266" cy="1052596"/>
+          </a:xfrm>
+          <a:prstGeom prst="rect">
+            <a:avLst/>
+          </a:prstGeom>
+        </p:spPr>
+        <p:txBody>
+          <a:bodyPr wrap="square">
+            <a:spAutoFit/>
+          </a:bodyPr>
+          <a:lstStyle/>
+          <a:p>
+            <a:pPr marL="171450" indent="-171450">
+              <a:lnSpc>
+                <a:spcPct val="130000"/>
+              </a:lnSpc>
+              <a:buFont typeface="Arial" panose="020B0604020202020204" pitchFamily="34" charset="0"/>
+              <a:buChar char="•"/>
+            </a:pPr>
+            <a:r>
+              <a:rPr lang="zh-CN" altLang="zh-CN" sz="1200" dirty="0">
+                <a:latin typeface="微软雅黑" panose="020B0503020204020204" pitchFamily="34" charset="-122"/>
+                <a:ea typeface="微软雅黑" panose="020B0503020204020204" pitchFamily="34" charset="-122"/>
+              </a:rPr>
+              <a:t>本产品为面向美食及其所涉及对象的垂直分享社交型微信小程序，为有相同兴趣的用户提供先进科学以及高效的沟通，并且为此类用户提供安全便捷的网络周边环境</a:t>
+            </a:r>
+          </a:p>
+        </p:txBody>
+      </p:sp>
+      <p:sp>
+        <p:nvSpPr>
+          <p:cNvPr id="13" name="矩形 12">
+            <a:extLst>
+              <a:ext uri="{FF2B5EF4-FFF2-40B4-BE49-F238E27FC236}">
+                <a16:creationId xmlns:a16="http://schemas.microsoft.com/office/drawing/2014/main" id="{AC2158FE-44C5-4308-BB8C-96F4B889C345}"/>
+              </a:ext>
+            </a:extLst>
+          </p:cNvPr>
+          <p:cNvSpPr/>
+          <p:nvPr/>
+        </p:nvSpPr>
+        <p:spPr>
+          <a:xfrm>
+            <a:off x="4444930" y="3630012"/>
+            <a:ext cx="1005403" cy="338554"/>
+          </a:xfrm>
+          <a:prstGeom prst="rect">
+            <a:avLst/>
+          </a:prstGeom>
+        </p:spPr>
+        <p:txBody>
+          <a:bodyPr wrap="none">
+            <a:spAutoFit/>
+          </a:bodyPr>
+          <a:lstStyle/>
+          <a:p>
+            <a:r>
+              <a:rPr lang="zh-CN" altLang="en-US" sz="1600" b="1" dirty="0">
+                <a:solidFill>
+                  <a:srgbClr val="404040"/>
+                </a:solidFill>
+                <a:latin typeface="微软雅黑" panose="020B0503020204020204" pitchFamily="34" charset="-122"/>
+                <a:ea typeface="微软雅黑" panose="020B0503020204020204" pitchFamily="34" charset="-122"/>
+                <a:cs typeface="+mn-ea"/>
+                <a:sym typeface="+mn-lt"/>
+              </a:rPr>
+              <a:t>产品定位</a:t>
+            </a:r>
+          </a:p>
+        </p:txBody>
+      </p:sp>
+      <p:sp>
+        <p:nvSpPr>
+          <p:cNvPr id="14" name="矩形 13">
+            <a:extLst>
+              <a:ext uri="{FF2B5EF4-FFF2-40B4-BE49-F238E27FC236}">
+                <a16:creationId xmlns:a16="http://schemas.microsoft.com/office/drawing/2014/main" id="{E5CF7B56-9B7C-4AB3-B134-604CEBD3FDC9}"/>
+              </a:ext>
+            </a:extLst>
+          </p:cNvPr>
+          <p:cNvSpPr/>
+          <p:nvPr/>
+        </p:nvSpPr>
+        <p:spPr>
+          <a:xfrm>
+            <a:off x="7924801" y="4044091"/>
+            <a:ext cx="3159266" cy="1772793"/>
+          </a:xfrm>
+          <a:prstGeom prst="rect">
+            <a:avLst/>
+          </a:prstGeom>
+        </p:spPr>
+        <p:txBody>
+          <a:bodyPr wrap="square">
+            <a:spAutoFit/>
+          </a:bodyPr>
+          <a:lstStyle/>
+          <a:p>
+            <a:pPr marL="171450" indent="-171450">
+              <a:lnSpc>
+                <a:spcPct val="130000"/>
+              </a:lnSpc>
+              <a:buFont typeface="Arial" panose="020B0604020202020204" pitchFamily="34" charset="0"/>
+              <a:buChar char="•"/>
+            </a:pPr>
+            <a:r>
+              <a:rPr lang="zh-CN" altLang="zh-CN" sz="1200" dirty="0">
+                <a:latin typeface="微软雅黑" panose="020B0503020204020204" pitchFamily="34" charset="-122"/>
+                <a:ea typeface="微软雅黑" panose="020B0503020204020204" pitchFamily="34" charset="-122"/>
+              </a:rPr>
+              <a:t>功能：分享推荐、留言评论、点赞收藏、在线聊天、信息检索、论坛、个人信息管理等</a:t>
+            </a:r>
+            <a:endParaRPr lang="en-US" altLang="zh-CN" sz="1200" dirty="0">
+              <a:solidFill>
+                <a:srgbClr val="404040"/>
+              </a:solidFill>
+              <a:latin typeface="微软雅黑" panose="020B0503020204020204" pitchFamily="34" charset="-122"/>
+              <a:ea typeface="微软雅黑" panose="020B0503020204020204" pitchFamily="34" charset="-122"/>
+              <a:cs typeface="+mn-ea"/>
+              <a:sym typeface="+mn-lt"/>
+            </a:endParaRPr>
+          </a:p>
+          <a:p>
+            <a:pPr marL="171450" indent="-171450">
+              <a:lnSpc>
+                <a:spcPct val="130000"/>
+              </a:lnSpc>
+              <a:buFont typeface="Arial" panose="020B0604020202020204" pitchFamily="34" charset="0"/>
+              <a:buChar char="•"/>
+            </a:pPr>
+            <a:r>
+              <a:rPr lang="zh-CN" altLang="zh-CN" sz="1200" dirty="0">
+                <a:latin typeface="微软雅黑" panose="020B0503020204020204" pitchFamily="34" charset="-122"/>
+                <a:ea typeface="微软雅黑" panose="020B0503020204020204" pitchFamily="34" charset="-122"/>
+              </a:rPr>
+              <a:t>特色：本产品可以针对用户所浏览的内容，进行大数据智能推荐信息，可以设置自己喜欢的tag</a:t>
+            </a:r>
+          </a:p>
+          <a:p>
+            <a:pPr marL="171450" indent="-171450">
+              <a:lnSpc>
+                <a:spcPct val="130000"/>
+              </a:lnSpc>
+              <a:buFont typeface="Arial" panose="020B0604020202020204" pitchFamily="34" charset="0"/>
+              <a:buChar char="•"/>
+            </a:pPr>
+            <a:endParaRPr kumimoji="1" lang="zh-CN" altLang="en-US" sz="1200" dirty="0">
+              <a:solidFill>
+                <a:srgbClr val="404040"/>
+              </a:solidFill>
+              <a:latin typeface="微软雅黑" panose="020B0503020204020204" pitchFamily="34" charset="-122"/>
+              <a:ea typeface="微软雅黑" panose="020B0503020204020204" pitchFamily="34" charset="-122"/>
+              <a:cs typeface="+mn-ea"/>
+              <a:sym typeface="+mn-lt"/>
+            </a:endParaRPr>
+          </a:p>
+        </p:txBody>
+      </p:sp>
+      <p:sp>
+        <p:nvSpPr>
           <p:cNvPr id="15" name="矩形 14">
             <a:extLst>
               <a:ext uri="{FF2B5EF4-FFF2-40B4-BE49-F238E27FC236}">
@@ -23900,7 +23075,7 @@
           <a:lstStyle/>
           <a:p>
             <a:r>
-              <a:rPr lang="zh-CN" altLang="en-US" sz="1600" b="1" dirty="0" smtClean="0">
+              <a:rPr lang="zh-CN" altLang="en-US" sz="1600" b="1" dirty="0">
                 <a:solidFill>
                   <a:srgbClr val="404040"/>
                 </a:solidFill>
@@ -23911,15 +23086,6 @@
               </a:rPr>
               <a:t>产品功能与特色</a:t>
             </a:r>
-            <a:endParaRPr lang="zh-CN" altLang="en-US" sz="1600" b="1" dirty="0">
-              <a:solidFill>
-                <a:srgbClr val="404040"/>
-              </a:solidFill>
-              <a:latin typeface="微软雅黑" panose="020B0503020204020204" pitchFamily="34" charset="-122"/>
-              <a:ea typeface="微软雅黑" panose="020B0503020204020204" pitchFamily="34" charset="-122"/>
-              <a:cs typeface="+mn-ea"/>
-              <a:sym typeface="+mn-lt"/>
-            </a:endParaRPr>
           </a:p>
         </p:txBody>
       </p:sp>
@@ -25365,13 +24531,6 @@
     <a:masterClrMapping/>
   </p:clrMapOvr>
   <p:transition spd="med" advClick="0" advTm="3000"/>
-  <p:timing>
-    <p:tnLst>
-      <p:par>
-        <p:cTn id="1" dur="indefinite" restart="never" nodeType="tmRoot"/>
-      </p:par>
-    </p:tnLst>
-  </p:timing>
 </p:sld>
 </file>
 
@@ -25806,7 +24965,7 @@
           <a:lstStyle/>
           <a:p>
             <a:r>
-              <a:rPr lang="en-US" altLang="zh-CN" sz="2800" dirty="0" smtClean="0">
+              <a:rPr lang="en-US" altLang="zh-CN" sz="2800" dirty="0">
                 <a:solidFill>
                   <a:schemeClr val="bg1"/>
                 </a:solidFill>
@@ -25857,7 +25016,7 @@
           <a:lstStyle/>
           <a:p>
             <a:r>
-              <a:rPr lang="zh-CN" altLang="en-US" b="1" dirty="0" smtClean="0">
+              <a:rPr lang="zh-CN" altLang="en-US" b="1" dirty="0">
                 <a:solidFill>
                   <a:srgbClr val="404040"/>
                 </a:solidFill>
@@ -25868,15 +25027,6 @@
               </a:rPr>
               <a:t>用户故事</a:t>
             </a:r>
-            <a:endParaRPr lang="zh-CN" altLang="en-US" b="1" dirty="0">
-              <a:solidFill>
-                <a:srgbClr val="404040"/>
-              </a:solidFill>
-              <a:latin typeface="微软雅黑" panose="020B0503020204020204" pitchFamily="34" charset="-122"/>
-              <a:ea typeface="微软雅黑" panose="020B0503020204020204" pitchFamily="34" charset="-122"/>
-              <a:cs typeface="+mn-ea"/>
-              <a:sym typeface="+mn-lt"/>
-            </a:endParaRPr>
           </a:p>
         </p:txBody>
       </p:sp>
@@ -25913,7 +25063,7 @@
               </a:lnSpc>
             </a:pPr>
             <a:r>
-              <a:rPr lang="en-US" altLang="zh-CN" sz="1300" dirty="0" smtClean="0">
+              <a:rPr lang="en-US" altLang="zh-CN" sz="1300" dirty="0">
                 <a:latin typeface="微软雅黑" panose="020B0503020204020204" pitchFamily="34" charset="-122"/>
                 <a:ea typeface="微软雅黑" panose="020B0503020204020204" pitchFamily="34" charset="-122"/>
               </a:rPr>
@@ -25924,17 +25074,10 @@
                 <a:latin typeface="微软雅黑" panose="020B0503020204020204" pitchFamily="34" charset="-122"/>
                 <a:ea typeface="微软雅黑" panose="020B0503020204020204" pitchFamily="34" charset="-122"/>
               </a:rPr>
-              <a:t>、用户可以注册并登录</a:t>
-            </a:r>
-            <a:r>
-              <a:rPr lang="zh-CN" altLang="zh-CN" sz="1300" dirty="0" smtClean="0">
-                <a:latin typeface="微软雅黑" panose="020B0503020204020204" pitchFamily="34" charset="-122"/>
-                <a:ea typeface="微软雅黑" panose="020B0503020204020204" pitchFamily="34" charset="-122"/>
-              </a:rPr>
-              <a:t>账号</a:t>
-            </a:r>
-            <a:r>
-              <a:rPr lang="en-US" altLang="zh-CN" sz="1300" dirty="0" smtClean="0">
+              <a:t>、用户可以注册并登录账号</a:t>
+            </a:r>
+            <a:r>
+              <a:rPr lang="en-US" altLang="zh-CN" sz="1300" dirty="0">
                 <a:latin typeface="微软雅黑" panose="020B0503020204020204" pitchFamily="34" charset="-122"/>
                 <a:ea typeface="微软雅黑" panose="020B0503020204020204" pitchFamily="34" charset="-122"/>
               </a:rPr>
@@ -26307,13 +25450,6 @@
     <a:masterClrMapping/>
   </p:clrMapOvr>
   <p:transition spd="med" advClick="0" advTm="3000"/>
-  <p:timing>
-    <p:tnLst>
-      <p:par>
-        <p:cTn id="1" dur="indefinite" restart="never" nodeType="tmRoot"/>
-      </p:par>
-    </p:tnLst>
-  </p:timing>
 </p:sld>
 </file>
 
@@ -26722,7 +25858,7 @@
           <a:p>
             <a:pPr algn="ctr"/>
             <a:r>
-              <a:rPr lang="zh-CN" altLang="en-US" sz="2400" b="1" dirty="0" smtClean="0">
+              <a:rPr lang="zh-CN" altLang="en-US" sz="2400" b="1" dirty="0">
                 <a:solidFill>
                   <a:schemeClr val="tx1">
                     <a:lumMod val="85000"/>
@@ -26813,7 +25949,7 @@
           <a:p>
             <a:pPr algn="ctr"/>
             <a:r>
-              <a:rPr lang="zh-CN" altLang="en-US" sz="2400" b="1" dirty="0" smtClean="0">
+              <a:rPr lang="zh-CN" altLang="en-US" sz="2400" b="1" dirty="0">
                 <a:solidFill>
                   <a:schemeClr val="tx1">
                     <a:lumMod val="85000"/>
@@ -26876,16 +26012,9 @@
                 <a:latin typeface="微软雅黑" panose="020B0503020204020204" pitchFamily="34" charset="-122"/>
                 <a:ea typeface="微软雅黑" panose="020B0503020204020204" pitchFamily="34" charset="-122"/>
               </a:rPr>
-              <a:t>服务端</a:t>
-            </a:r>
-            <a:r>
-              <a:rPr lang="zh-CN" altLang="zh-CN" sz="1400" b="1" dirty="0" smtClean="0">
-                <a:latin typeface="微软雅黑" panose="020B0503020204020204" pitchFamily="34" charset="-122"/>
-                <a:ea typeface="微软雅黑" panose="020B0503020204020204" pitchFamily="34" charset="-122"/>
-              </a:rPr>
-              <a:t>：</a:t>
-            </a:r>
-            <a:endParaRPr lang="en-US" altLang="zh-CN" sz="1400" b="1" dirty="0" smtClean="0">
+              <a:t>服务端：</a:t>
+            </a:r>
+            <a:endParaRPr lang="en-US" altLang="zh-CN" sz="1400" b="1" dirty="0">
               <a:latin typeface="微软雅黑" panose="020B0503020204020204" pitchFamily="34" charset="-122"/>
               <a:ea typeface="微软雅黑" panose="020B0503020204020204" pitchFamily="34" charset="-122"/>
             </a:endParaRPr>
@@ -26897,39 +26026,11 @@
               </a:lnSpc>
             </a:pPr>
             <a:r>
-              <a:rPr lang="zh-CN" altLang="zh-CN" sz="1400" dirty="0" smtClean="0">
-                <a:latin typeface="微软雅黑" panose="020B0503020204020204" pitchFamily="34" charset="-122"/>
-                <a:ea typeface="微软雅黑" panose="020B0503020204020204" pitchFamily="34" charset="-122"/>
-              </a:rPr>
-              <a:t>操作系统</a:t>
-            </a:r>
-            <a:r>
               <a:rPr lang="zh-CN" altLang="zh-CN" sz="1400" dirty="0">
                 <a:latin typeface="微软雅黑" panose="020B0503020204020204" pitchFamily="34" charset="-122"/>
                 <a:ea typeface="微软雅黑" panose="020B0503020204020204" pitchFamily="34" charset="-122"/>
               </a:rPr>
-              <a:t>：</a:t>
-            </a:r>
-            <a:r>
-              <a:rPr lang="zh-CN" altLang="zh-CN" sz="1400" dirty="0" smtClean="0">
-                <a:latin typeface="微软雅黑" panose="020B0503020204020204" pitchFamily="34" charset="-122"/>
-                <a:ea typeface="微软雅黑" panose="020B0503020204020204" pitchFamily="34" charset="-122"/>
-              </a:rPr>
-              <a:t>LinuxmacOS</a:t>
-            </a:r>
-            <a:r>
-              <a:rPr lang="zh-CN" altLang="zh-CN" sz="1400" dirty="0">
-                <a:latin typeface="微软雅黑" panose="020B0503020204020204" pitchFamily="34" charset="-122"/>
-                <a:ea typeface="微软雅黑" panose="020B0503020204020204" pitchFamily="34" charset="-122"/>
-              </a:rPr>
-              <a:t>、</a:t>
-            </a:r>
-            <a:r>
-              <a:rPr lang="zh-CN" altLang="zh-CN" sz="1400" dirty="0" smtClean="0">
-                <a:latin typeface="微软雅黑" panose="020B0503020204020204" pitchFamily="34" charset="-122"/>
-                <a:ea typeface="微软雅黑" panose="020B0503020204020204" pitchFamily="34" charset="-122"/>
-              </a:rPr>
-              <a:t>windows</a:t>
+              <a:t>操作系统：LinuxmacOS、windows</a:t>
             </a:r>
             <a:endParaRPr lang="en-US" altLang="zh-CN" sz="1400" dirty="0">
               <a:latin typeface="微软雅黑" panose="020B0503020204020204" pitchFamily="34" charset="-122"/>
@@ -26943,27 +26044,13 @@
               </a:lnSpc>
             </a:pPr>
             <a:r>
-              <a:rPr lang="zh-CN" altLang="zh-CN" sz="1400" dirty="0" smtClean="0">
-                <a:latin typeface="微软雅黑" panose="020B0503020204020204" pitchFamily="34" charset="-122"/>
-                <a:ea typeface="微软雅黑" panose="020B0503020204020204" pitchFamily="34" charset="-122"/>
-              </a:rPr>
-              <a:t>运行</a:t>
-            </a:r>
-            <a:r>
               <a:rPr lang="zh-CN" altLang="zh-CN" sz="1400" dirty="0">
                 <a:latin typeface="微软雅黑" panose="020B0503020204020204" pitchFamily="34" charset="-122"/>
                 <a:ea typeface="微软雅黑" panose="020B0503020204020204" pitchFamily="34" charset="-122"/>
               </a:rPr>
-              <a:t>环境：</a:t>
-            </a:r>
-            <a:r>
-              <a:rPr lang="zh-CN" altLang="zh-CN" sz="1400" dirty="0" smtClean="0">
-                <a:latin typeface="微软雅黑" panose="020B0503020204020204" pitchFamily="34" charset="-122"/>
-                <a:ea typeface="微软雅黑" panose="020B0503020204020204" pitchFamily="34" charset="-122"/>
-              </a:rPr>
-              <a:t>JRE</a:t>
-            </a:r>
-            <a:endParaRPr lang="en-US" altLang="zh-CN" sz="1400" dirty="0" smtClean="0">
+              <a:t>运行环境：JRE</a:t>
+            </a:r>
+            <a:endParaRPr lang="en-US" altLang="zh-CN" sz="1400" dirty="0">
               <a:latin typeface="微软雅黑" panose="020B0503020204020204" pitchFamily="34" charset="-122"/>
               <a:ea typeface="微软雅黑" panose="020B0503020204020204" pitchFamily="34" charset="-122"/>
             </a:endParaRPr>
@@ -26975,27 +26062,13 @@
               </a:lnSpc>
             </a:pPr>
             <a:r>
-              <a:rPr lang="zh-CN" altLang="zh-CN" sz="1400" dirty="0" smtClean="0">
-                <a:latin typeface="微软雅黑" panose="020B0503020204020204" pitchFamily="34" charset="-122"/>
-                <a:ea typeface="微软雅黑" panose="020B0503020204020204" pitchFamily="34" charset="-122"/>
-              </a:rPr>
-              <a:t>数据库</a:t>
-            </a:r>
-            <a:r>
               <a:rPr lang="zh-CN" altLang="zh-CN" sz="1400" dirty="0">
                 <a:latin typeface="微软雅黑" panose="020B0503020204020204" pitchFamily="34" charset="-122"/>
                 <a:ea typeface="微软雅黑" panose="020B0503020204020204" pitchFamily="34" charset="-122"/>
               </a:rPr>
-              <a:t>：</a:t>
-            </a:r>
-            <a:r>
-              <a:rPr lang="zh-CN" altLang="zh-CN" sz="1400" dirty="0" smtClean="0">
-                <a:latin typeface="微软雅黑" panose="020B0503020204020204" pitchFamily="34" charset="-122"/>
-                <a:ea typeface="微软雅黑" panose="020B0503020204020204" pitchFamily="34" charset="-122"/>
-              </a:rPr>
-              <a:t>mysql</a:t>
-            </a:r>
-            <a:endParaRPr lang="en-US" altLang="zh-CN" sz="1400" dirty="0" smtClean="0">
+              <a:t>数据库：mysql</a:t>
+            </a:r>
+            <a:endParaRPr lang="en-US" altLang="zh-CN" sz="1400" dirty="0">
               <a:latin typeface="微软雅黑" panose="020B0503020204020204" pitchFamily="34" charset="-122"/>
               <a:ea typeface="微软雅黑" panose="020B0503020204020204" pitchFamily="34" charset="-122"/>
             </a:endParaRPr>
@@ -27011,16 +26084,9 @@
                 <a:latin typeface="微软雅黑" panose="020B0503020204020204" pitchFamily="34" charset="-122"/>
                 <a:ea typeface="微软雅黑" panose="020B0503020204020204" pitchFamily="34" charset="-122"/>
               </a:rPr>
-              <a:t>客户端</a:t>
-            </a:r>
-            <a:r>
-              <a:rPr lang="zh-CN" altLang="zh-CN" sz="1400" b="1" dirty="0" smtClean="0">
-                <a:latin typeface="微软雅黑" panose="020B0503020204020204" pitchFamily="34" charset="-122"/>
-                <a:ea typeface="微软雅黑" panose="020B0503020204020204" pitchFamily="34" charset="-122"/>
-              </a:rPr>
-              <a:t>：</a:t>
-            </a:r>
-            <a:endParaRPr lang="en-US" altLang="zh-CN" sz="1400" b="1" dirty="0" smtClean="0">
+              <a:t>客户端：</a:t>
+            </a:r>
+            <a:endParaRPr lang="en-US" altLang="zh-CN" sz="1400" b="1" dirty="0">
               <a:latin typeface="微软雅黑" panose="020B0503020204020204" pitchFamily="34" charset="-122"/>
               <a:ea typeface="微软雅黑" panose="020B0503020204020204" pitchFamily="34" charset="-122"/>
             </a:endParaRPr>
@@ -27032,60 +26098,32 @@
               </a:lnSpc>
             </a:pPr>
             <a:r>
-              <a:rPr lang="zh-CN" altLang="zh-CN" sz="1400" dirty="0" smtClean="0">
-                <a:latin typeface="微软雅黑" panose="020B0503020204020204" pitchFamily="34" charset="-122"/>
-                <a:ea typeface="微软雅黑" panose="020B0503020204020204" pitchFamily="34" charset="-122"/>
-              </a:rPr>
-              <a:t>操作系统</a:t>
-            </a:r>
-            <a:r>
               <a:rPr lang="zh-CN" altLang="zh-CN" sz="1400" dirty="0">
                 <a:latin typeface="微软雅黑" panose="020B0503020204020204" pitchFamily="34" charset="-122"/>
                 <a:ea typeface="微软雅黑" panose="020B0503020204020204" pitchFamily="34" charset="-122"/>
               </a:rPr>
-              <a:t>：Linux、macOS、windows、IOS、</a:t>
-            </a:r>
-            <a:r>
-              <a:rPr lang="zh-CN" altLang="zh-CN" sz="1400" dirty="0" smtClean="0">
-                <a:latin typeface="微软雅黑" panose="020B0503020204020204" pitchFamily="34" charset="-122"/>
-                <a:ea typeface="微软雅黑" panose="020B0503020204020204" pitchFamily="34" charset="-122"/>
-              </a:rPr>
-              <a:t>android</a:t>
+              <a:t>操作系统：Linux、macOS、windows、IOS、android</a:t>
             </a:r>
             <a:r>
               <a:rPr lang="en-US" altLang="zh-CN" sz="1400" dirty="0">
                 <a:latin typeface="微软雅黑" panose="020B0503020204020204" pitchFamily="34" charset="-122"/>
                 <a:ea typeface="微软雅黑" panose="020B0503020204020204" pitchFamily="34" charset="-122"/>
               </a:rPr>
-              <a:t> </a:t>
-            </a:r>
-            <a:r>
-              <a:rPr lang="en-US" altLang="zh-CN" sz="1400" dirty="0" smtClean="0">
-                <a:latin typeface="微软雅黑" panose="020B0503020204020204" pitchFamily="34" charset="-122"/>
-                <a:ea typeface="微软雅黑" panose="020B0503020204020204" pitchFamily="34" charset="-122"/>
-              </a:rPr>
-              <a:t>                         </a:t>
-            </a:r>
-            <a:r>
-              <a:rPr lang="zh-CN" altLang="en-US" sz="1400" dirty="0" smtClean="0">
+              <a:t>                          </a:t>
+            </a:r>
+            <a:r>
+              <a:rPr lang="zh-CN" altLang="en-US" sz="1400" dirty="0">
                 <a:latin typeface="微软雅黑" panose="020B0503020204020204" pitchFamily="34" charset="-122"/>
                 <a:ea typeface="微软雅黑" panose="020B0503020204020204" pitchFamily="34" charset="-122"/>
               </a:rPr>
               <a:t>浏</a:t>
             </a:r>
             <a:r>
-              <a:rPr lang="zh-CN" altLang="zh-CN" sz="1400" dirty="0" smtClean="0">
-                <a:latin typeface="微软雅黑" panose="020B0503020204020204" pitchFamily="34" charset="-122"/>
-                <a:ea typeface="微软雅黑" panose="020B0503020204020204" pitchFamily="34" charset="-122"/>
-              </a:rPr>
-              <a:t>览器</a:t>
-            </a:r>
-            <a:r>
               <a:rPr lang="zh-CN" altLang="zh-CN" sz="1400" dirty="0">
                 <a:latin typeface="微软雅黑" panose="020B0503020204020204" pitchFamily="34" charset="-122"/>
                 <a:ea typeface="微软雅黑" panose="020B0503020204020204" pitchFamily="34" charset="-122"/>
               </a:rPr>
-              <a:t>：Google Chrome、Safari、Edge等主流浏览器</a:t>
+              <a:t>览器：Google Chrome、Safari、Edge等主流浏览器</a:t>
             </a:r>
           </a:p>
           <a:p>
@@ -27157,23 +26195,16 @@
                 <a:latin typeface="微软雅黑" panose="020B0503020204020204" pitchFamily="34" charset="-122"/>
                 <a:ea typeface="微软雅黑" panose="020B0503020204020204" pitchFamily="34" charset="-122"/>
               </a:rPr>
-              <a:t>前端</a:t>
-            </a:r>
-            <a:r>
-              <a:rPr lang="zh-CN" altLang="zh-CN" sz="1400" dirty="0" smtClean="0">
-                <a:latin typeface="微软雅黑" panose="020B0503020204020204" pitchFamily="34" charset="-122"/>
-                <a:ea typeface="微软雅黑" panose="020B0503020204020204" pitchFamily="34" charset="-122"/>
-              </a:rPr>
-              <a:t>框架</a:t>
-            </a:r>
-            <a:r>
-              <a:rPr lang="zh-CN" altLang="en-US" sz="1400" dirty="0" smtClean="0">
+              <a:t>前端框架</a:t>
+            </a:r>
+            <a:r>
+              <a:rPr lang="zh-CN" altLang="en-US" sz="1400" dirty="0">
                 <a:latin typeface="微软雅黑" panose="020B0503020204020204" pitchFamily="34" charset="-122"/>
                 <a:ea typeface="微软雅黑" panose="020B0503020204020204" pitchFamily="34" charset="-122"/>
               </a:rPr>
               <a:t>：</a:t>
             </a:r>
-            <a:endParaRPr lang="en-US" altLang="zh-CN" sz="1400" dirty="0" smtClean="0">
+            <a:endParaRPr lang="en-US" altLang="zh-CN" sz="1400" dirty="0">
               <a:latin typeface="微软雅黑" panose="020B0503020204020204" pitchFamily="34" charset="-122"/>
               <a:ea typeface="微软雅黑" panose="020B0503020204020204" pitchFamily="34" charset="-122"/>
             </a:endParaRPr>
@@ -27185,18 +26216,11 @@
               </a:lnSpc>
             </a:pPr>
             <a:r>
-              <a:rPr lang="zh-CN" altLang="zh-CN" sz="1400" dirty="0" smtClean="0">
-                <a:latin typeface="微软雅黑" panose="020B0503020204020204" pitchFamily="34" charset="-122"/>
-                <a:ea typeface="微软雅黑" panose="020B0503020204020204" pitchFamily="34" charset="-122"/>
-              </a:rPr>
-              <a:t>后端</a:t>
-            </a:r>
-            <a:r>
               <a:rPr lang="zh-CN" altLang="zh-CN" sz="1400" dirty="0">
                 <a:latin typeface="微软雅黑" panose="020B0503020204020204" pitchFamily="34" charset="-122"/>
                 <a:ea typeface="微软雅黑" panose="020B0503020204020204" pitchFamily="34" charset="-122"/>
               </a:rPr>
-              <a:t>框架：SpringBoot</a:t>
+              <a:t>后端框架：SpringBoot</a:t>
             </a:r>
           </a:p>
           <a:p>
@@ -27353,13 +26377,6 @@
     <a:masterClrMapping/>
   </p:clrMapOvr>
   <p:transition spd="med" advClick="0" advTm="3000"/>
-  <p:timing>
-    <p:tnLst>
-      <p:par>
-        <p:cTn id="1" dur="indefinite" restart="never" nodeType="tmRoot"/>
-      </p:par>
-    </p:tnLst>
-  </p:timing>
 </p:sld>
 </file>
 
@@ -28047,7 +27064,7 @@
               <a:defRPr/>
             </a:pPr>
             <a:r>
-              <a:rPr lang="zh-CN" altLang="en-US" sz="2800" b="1" dirty="0" smtClean="0">
+              <a:rPr lang="zh-CN" altLang="en-US" sz="2800" b="1" dirty="0">
                 <a:solidFill>
                   <a:srgbClr val="353535"/>
                 </a:solidFill>
@@ -28058,15 +27075,6 @@
               </a:rPr>
               <a:t>需求分析</a:t>
             </a:r>
-            <a:endParaRPr lang="zh-CN" altLang="en-US" sz="2800" b="1" dirty="0">
-              <a:solidFill>
-                <a:srgbClr val="353535"/>
-              </a:solidFill>
-              <a:latin typeface="微软雅黑" panose="020B0503020204020204" pitchFamily="34" charset="-122"/>
-              <a:ea typeface="微软雅黑" panose="020B0503020204020204" pitchFamily="34" charset="-122"/>
-              <a:cs typeface="+mn-ea"/>
-              <a:sym typeface="+mn-lt"/>
-            </a:endParaRPr>
           </a:p>
         </p:txBody>
       </p:sp>
@@ -28143,13 +27151,6 @@
       <p:transition spd="slow" advClick="0" advTm="3000"/>
     </mc:Fallback>
   </mc:AlternateContent>
-  <p:timing>
-    <p:tnLst>
-      <p:par>
-        <p:cTn id="1" dur="indefinite" restart="never" nodeType="tmRoot"/>
-      </p:par>
-    </p:tnLst>
-  </p:timing>
 </p:sld>
 </file>
 
@@ -28566,34 +27567,14 @@
           </a:lstStyle>
           <a:p>
             <a:r>
-              <a:rPr lang="en-US" altLang="zh-CN" sz="1800" dirty="0" smtClean="0">
+              <a:rPr lang="en-US" altLang="zh-CN" sz="1800" dirty="0">
                 <a:solidFill>
                   <a:schemeClr val="bg1"/>
                 </a:solidFill>
                 <a:cs typeface="+mn-ea"/>
                 <a:sym typeface="+mn-lt"/>
               </a:rPr>
-              <a:t>Use Case </a:t>
-            </a:r>
-            <a:r>
-              <a:rPr lang="en-US" altLang="zh-CN" sz="1800" dirty="0">
-                <a:solidFill>
-                  <a:schemeClr val="bg1"/>
-                </a:solidFill>
-                <a:cs typeface="+mn-ea"/>
-                <a:sym typeface="+mn-lt"/>
-              </a:rPr>
-              <a:t>D</a:t>
-            </a:r>
-            <a:r>
-              <a:rPr lang="en-US" altLang="zh-CN" sz="1800" dirty="0" smtClean="0">
-                <a:solidFill>
-                  <a:schemeClr val="bg1"/>
-                </a:solidFill>
-                <a:cs typeface="+mn-ea"/>
-                <a:sym typeface="+mn-lt"/>
-              </a:rPr>
-              <a:t>iagram</a:t>
+              <a:t>Use Case Diagram</a:t>
             </a:r>
             <a:endParaRPr lang="zh-CN" altLang="en-US" sz="1800" dirty="0">
               <a:solidFill>
@@ -28750,7 +27731,7 @@
           </a:lstStyle>
           <a:p>
             <a:r>
-              <a:rPr lang="zh-CN" altLang="en-US" sz="1800" dirty="0" smtClean="0">
+              <a:rPr lang="zh-CN" altLang="en-US" sz="1800" dirty="0">
                 <a:solidFill>
                   <a:schemeClr val="bg1"/>
                 </a:solidFill>
@@ -28760,7 +27741,7 @@
               <a:t>需求分析</a:t>
             </a:r>
             <a:r>
-              <a:rPr lang="en-US" altLang="zh-CN" sz="1800" dirty="0" smtClean="0">
+              <a:rPr lang="en-US" altLang="zh-CN" sz="1800" dirty="0">
                 <a:solidFill>
                   <a:schemeClr val="bg1"/>
                 </a:solidFill>
@@ -28770,7 +27751,7 @@
               <a:t>—</a:t>
             </a:r>
             <a:r>
-              <a:rPr lang="zh-CN" altLang="en-US" sz="1800" dirty="0" smtClean="0">
+              <a:rPr lang="zh-CN" altLang="en-US" sz="1800" dirty="0">
                 <a:solidFill>
                   <a:schemeClr val="bg1"/>
                 </a:solidFill>
@@ -28779,13 +27760,6 @@
               </a:rPr>
               <a:t>功能需求</a:t>
             </a:r>
-            <a:endParaRPr lang="zh-CN" altLang="en-US" sz="1800" dirty="0">
-              <a:solidFill>
-                <a:schemeClr val="bg1"/>
-              </a:solidFill>
-              <a:cs typeface="+mn-ea"/>
-              <a:sym typeface="+mn-lt"/>
-            </a:endParaRPr>
           </a:p>
         </p:txBody>
       </p:sp>
@@ -28839,36 +27813,37 @@
       </p:pic>
       <p:pic>
         <p:nvPicPr>
-          <p:cNvPr id="14" name="officeArt object"/>
-          <p:cNvPicPr/>
+          <p:cNvPr id="2" name="图片 1"/>
+          <p:cNvPicPr>
+            <a:picLocks noChangeAspect="1"/>
+          </p:cNvPicPr>
           <p:nvPr/>
         </p:nvPicPr>
         <p:blipFill>
-          <a:blip r:embed="rId5">
-            <a:extLst/>
-          </a:blip>
+          <a:blip r:embed="rId5"/>
           <a:stretch>
             <a:fillRect/>
           </a:stretch>
         </p:blipFill>
         <p:spPr>
           <a:xfrm>
-            <a:off x="-3" y="1429828"/>
-            <a:ext cx="6962271" cy="4780471"/>
+            <a:off x="6746866" y="2604997"/>
+            <a:ext cx="4793309" cy="2738058"/>
           </a:xfrm>
           <a:prstGeom prst="rect">
             <a:avLst/>
           </a:prstGeom>
-          <a:ln w="12700" cap="flat">
-            <a:noFill/>
-            <a:miter lim="400000"/>
-          </a:ln>
-          <a:effectLst/>
         </p:spPr>
       </p:pic>
       <p:pic>
         <p:nvPicPr>
-          <p:cNvPr id="2" name="图片 1"/>
+          <p:cNvPr id="6" name="图片 5">
+            <a:extLst>
+              <a:ext uri="{FF2B5EF4-FFF2-40B4-BE49-F238E27FC236}">
+                <a16:creationId xmlns:a16="http://schemas.microsoft.com/office/drawing/2014/main" id="{883C0FB2-6D23-1342-989C-94510A3B2D8C}"/>
+              </a:ext>
+            </a:extLst>
+          </p:cNvPr>
           <p:cNvPicPr>
             <a:picLocks noChangeAspect="1"/>
           </p:cNvPicPr>
@@ -28882,8 +27857,8 @@
         </p:blipFill>
         <p:spPr>
           <a:xfrm>
-            <a:off x="6746866" y="2604997"/>
-            <a:ext cx="4793309" cy="2738058"/>
+            <a:off x="-12333" y="1433171"/>
+            <a:ext cx="6787415" cy="4559120"/>
           </a:xfrm>
           <a:prstGeom prst="rect">
             <a:avLst/>
@@ -28901,13 +27876,6 @@
     <a:masterClrMapping/>
   </p:clrMapOvr>
   <p:transition spd="med" advClick="0" advTm="3000"/>
-  <p:timing>
-    <p:tnLst>
-      <p:par>
-        <p:cTn id="1" dur="indefinite" restart="never" nodeType="tmRoot"/>
-      </p:par>
-    </p:tnLst>
-  </p:timing>
 </p:sld>
 </file>
 
